--- a/PPT/Class period 1.pptx
+++ b/PPT/Class period 1.pptx
@@ -145,7 +145,7 @@
           <p:cNvPr id="2" name="Title 1">
             <a:extLst>
               <a:ext uri="{FF2B5EF4-FFF2-40B4-BE49-F238E27FC236}">
-                <a16:creationId xmlns:a16="http://schemas.microsoft.com/office/drawing/2014/main" id="{65F5EF98-E6D6-774E-0F3B-C52C03D53779}"/>
+                <a16:creationId xmlns:a16="http://schemas.microsoft.com/office/drawing/2014/main" id="{81A27C4A-13F1-7A41-A4F4-AB534ED9344C}"/>
               </a:ext>
             </a:extLst>
           </p:cNvPr>
@@ -182,7 +182,7 @@
           <p:cNvPr id="3" name="Subtitle 2">
             <a:extLst>
               <a:ext uri="{FF2B5EF4-FFF2-40B4-BE49-F238E27FC236}">
-                <a16:creationId xmlns:a16="http://schemas.microsoft.com/office/drawing/2014/main" id="{4F1D3363-82D8-897E-21A9-80D3C98BDB8A}"/>
+                <a16:creationId xmlns:a16="http://schemas.microsoft.com/office/drawing/2014/main" id="{8B7EFC65-7F26-23E6-C116-3DA527CF545C}"/>
               </a:ext>
             </a:extLst>
           </p:cNvPr>
@@ -252,7 +252,7 @@
           <p:cNvPr id="4" name="Date Placeholder 3">
             <a:extLst>
               <a:ext uri="{FF2B5EF4-FFF2-40B4-BE49-F238E27FC236}">
-                <a16:creationId xmlns:a16="http://schemas.microsoft.com/office/drawing/2014/main" id="{8D06C7E4-E04F-A4D5-4C74-E52A01378F5A}"/>
+                <a16:creationId xmlns:a16="http://schemas.microsoft.com/office/drawing/2014/main" id="{2AFE279D-5334-E827-9E2F-8490F8BF5C26}"/>
               </a:ext>
             </a:extLst>
           </p:cNvPr>
@@ -268,9 +268,9 @@
           <a:bodyPr/>
           <a:lstStyle/>
           <a:p>
-            <a:fld id="{F702C646-5D71-44CF-BD73-2B5FDF8BAF44}" type="datetimeFigureOut">
+            <a:fld id="{0EFAFC6A-8B17-4208-8D8C-953AF2F1E908}" type="datetimeFigureOut">
               <a:rPr lang="en-US" smtClean="0"/>
-              <a:t>4/5/2024</a:t>
+              <a:t>4/20/2024</a:t>
             </a:fld>
             <a:endParaRPr lang="en-US"/>
           </a:p>
@@ -281,7 +281,7 @@
           <p:cNvPr id="5" name="Footer Placeholder 4">
             <a:extLst>
               <a:ext uri="{FF2B5EF4-FFF2-40B4-BE49-F238E27FC236}">
-                <a16:creationId xmlns:a16="http://schemas.microsoft.com/office/drawing/2014/main" id="{B1CC9853-08DF-1A36-2C7E-8851F0568FBE}"/>
+                <a16:creationId xmlns:a16="http://schemas.microsoft.com/office/drawing/2014/main" id="{363B5FEA-6DBB-3E82-B48B-0CB6896CE1FB}"/>
               </a:ext>
             </a:extLst>
           </p:cNvPr>
@@ -306,7 +306,7 @@
           <p:cNvPr id="6" name="Slide Number Placeholder 5">
             <a:extLst>
               <a:ext uri="{FF2B5EF4-FFF2-40B4-BE49-F238E27FC236}">
-                <a16:creationId xmlns:a16="http://schemas.microsoft.com/office/drawing/2014/main" id="{FA303643-D193-9644-89C0-B6E87DE56622}"/>
+                <a16:creationId xmlns:a16="http://schemas.microsoft.com/office/drawing/2014/main" id="{62D3E1BF-103C-6D69-86EF-F307D4A6ACE2}"/>
               </a:ext>
             </a:extLst>
           </p:cNvPr>
@@ -322,7 +322,7 @@
           <a:bodyPr/>
           <a:lstStyle/>
           <a:p>
-            <a:fld id="{9173BA9B-CA48-4BE4-939E-57C57852F27F}" type="slidenum">
+            <a:fld id="{65949EF0-23F9-4480-A2A0-C247EB32956B}" type="slidenum">
               <a:rPr lang="en-US" smtClean="0"/>
               <a:t>‹#›</a:t>
             </a:fld>
@@ -333,7 +333,7 @@
     </p:spTree>
     <p:extLst>
       <p:ext uri="{BB962C8B-B14F-4D97-AF65-F5344CB8AC3E}">
-        <p14:creationId xmlns:p14="http://schemas.microsoft.com/office/powerpoint/2010/main" val="1810485157"/>
+        <p14:creationId xmlns:p14="http://schemas.microsoft.com/office/powerpoint/2010/main" val="1466757837"/>
       </p:ext>
     </p:extLst>
   </p:cSld>
@@ -365,7 +365,7 @@
           <p:cNvPr id="2" name="Title 1">
             <a:extLst>
               <a:ext uri="{FF2B5EF4-FFF2-40B4-BE49-F238E27FC236}">
-                <a16:creationId xmlns:a16="http://schemas.microsoft.com/office/drawing/2014/main" id="{6F01141D-1782-1612-3278-9EF8D827A0A7}"/>
+                <a16:creationId xmlns:a16="http://schemas.microsoft.com/office/drawing/2014/main" id="{20BD77F1-D20F-1782-FD2F-70B4F199E1EA}"/>
               </a:ext>
             </a:extLst>
           </p:cNvPr>
@@ -393,7 +393,7 @@
           <p:cNvPr id="3" name="Vertical Text Placeholder 2">
             <a:extLst>
               <a:ext uri="{FF2B5EF4-FFF2-40B4-BE49-F238E27FC236}">
-                <a16:creationId xmlns:a16="http://schemas.microsoft.com/office/drawing/2014/main" id="{5D395DDE-F23E-91E8-873D-58AB2C3AA024}"/>
+                <a16:creationId xmlns:a16="http://schemas.microsoft.com/office/drawing/2014/main" id="{01C05113-8ADB-60B5-9013-39E52D75D0F1}"/>
               </a:ext>
             </a:extLst>
           </p:cNvPr>
@@ -450,7 +450,7 @@
           <p:cNvPr id="4" name="Date Placeholder 3">
             <a:extLst>
               <a:ext uri="{FF2B5EF4-FFF2-40B4-BE49-F238E27FC236}">
-                <a16:creationId xmlns:a16="http://schemas.microsoft.com/office/drawing/2014/main" id="{3C4EDA42-8FAB-87AD-54F1-79D86C5ED471}"/>
+                <a16:creationId xmlns:a16="http://schemas.microsoft.com/office/drawing/2014/main" id="{635A3EF1-9D4D-8183-66B4-DC3B7C683EE4}"/>
               </a:ext>
             </a:extLst>
           </p:cNvPr>
@@ -466,9 +466,9 @@
           <a:bodyPr/>
           <a:lstStyle/>
           <a:p>
-            <a:fld id="{F702C646-5D71-44CF-BD73-2B5FDF8BAF44}" type="datetimeFigureOut">
+            <a:fld id="{0EFAFC6A-8B17-4208-8D8C-953AF2F1E908}" type="datetimeFigureOut">
               <a:rPr lang="en-US" smtClean="0"/>
-              <a:t>4/5/2024</a:t>
+              <a:t>4/20/2024</a:t>
             </a:fld>
             <a:endParaRPr lang="en-US"/>
           </a:p>
@@ -479,7 +479,7 @@
           <p:cNvPr id="5" name="Footer Placeholder 4">
             <a:extLst>
               <a:ext uri="{FF2B5EF4-FFF2-40B4-BE49-F238E27FC236}">
-                <a16:creationId xmlns:a16="http://schemas.microsoft.com/office/drawing/2014/main" id="{2D2002B6-FECF-19C8-78B5-2CB233EB5232}"/>
+                <a16:creationId xmlns:a16="http://schemas.microsoft.com/office/drawing/2014/main" id="{935850D8-0A8F-C2AE-64ED-AEEBE9A289AF}"/>
               </a:ext>
             </a:extLst>
           </p:cNvPr>
@@ -504,7 +504,7 @@
           <p:cNvPr id="6" name="Slide Number Placeholder 5">
             <a:extLst>
               <a:ext uri="{FF2B5EF4-FFF2-40B4-BE49-F238E27FC236}">
-                <a16:creationId xmlns:a16="http://schemas.microsoft.com/office/drawing/2014/main" id="{C3B8777D-5B73-052D-5EB9-7A0A88D4945D}"/>
+                <a16:creationId xmlns:a16="http://schemas.microsoft.com/office/drawing/2014/main" id="{A5F60DA3-C399-E9CA-B03C-2646B83867FC}"/>
               </a:ext>
             </a:extLst>
           </p:cNvPr>
@@ -520,7 +520,7 @@
           <a:bodyPr/>
           <a:lstStyle/>
           <a:p>
-            <a:fld id="{9173BA9B-CA48-4BE4-939E-57C57852F27F}" type="slidenum">
+            <a:fld id="{65949EF0-23F9-4480-A2A0-C247EB32956B}" type="slidenum">
               <a:rPr lang="en-US" smtClean="0"/>
               <a:t>‹#›</a:t>
             </a:fld>
@@ -531,7 +531,7 @@
     </p:spTree>
     <p:extLst>
       <p:ext uri="{BB962C8B-B14F-4D97-AF65-F5344CB8AC3E}">
-        <p14:creationId xmlns:p14="http://schemas.microsoft.com/office/powerpoint/2010/main" val="501405611"/>
+        <p14:creationId xmlns:p14="http://schemas.microsoft.com/office/powerpoint/2010/main" val="2851737070"/>
       </p:ext>
     </p:extLst>
   </p:cSld>
@@ -563,7 +563,7 @@
           <p:cNvPr id="2" name="Vertical Title 1">
             <a:extLst>
               <a:ext uri="{FF2B5EF4-FFF2-40B4-BE49-F238E27FC236}">
-                <a16:creationId xmlns:a16="http://schemas.microsoft.com/office/drawing/2014/main" id="{D523941B-21BC-E5FC-4B65-41FEFDB3EF2F}"/>
+                <a16:creationId xmlns:a16="http://schemas.microsoft.com/office/drawing/2014/main" id="{413134FC-667C-B948-611D-ED06C2C59AEB}"/>
               </a:ext>
             </a:extLst>
           </p:cNvPr>
@@ -596,7 +596,7 @@
           <p:cNvPr id="3" name="Vertical Text Placeholder 2">
             <a:extLst>
               <a:ext uri="{FF2B5EF4-FFF2-40B4-BE49-F238E27FC236}">
-                <a16:creationId xmlns:a16="http://schemas.microsoft.com/office/drawing/2014/main" id="{373E7EBB-3FD4-61D4-CF5D-3870E108C469}"/>
+                <a16:creationId xmlns:a16="http://schemas.microsoft.com/office/drawing/2014/main" id="{08110318-D3BE-3459-2283-0F31195748F9}"/>
               </a:ext>
             </a:extLst>
           </p:cNvPr>
@@ -658,7 +658,7 @@
           <p:cNvPr id="4" name="Date Placeholder 3">
             <a:extLst>
               <a:ext uri="{FF2B5EF4-FFF2-40B4-BE49-F238E27FC236}">
-                <a16:creationId xmlns:a16="http://schemas.microsoft.com/office/drawing/2014/main" id="{2818CD6B-8193-F9F4-63A5-C9B39C5A2FD9}"/>
+                <a16:creationId xmlns:a16="http://schemas.microsoft.com/office/drawing/2014/main" id="{2166DB1C-18DA-6779-B51D-85478DF67C43}"/>
               </a:ext>
             </a:extLst>
           </p:cNvPr>
@@ -674,9 +674,9 @@
           <a:bodyPr/>
           <a:lstStyle/>
           <a:p>
-            <a:fld id="{F702C646-5D71-44CF-BD73-2B5FDF8BAF44}" type="datetimeFigureOut">
+            <a:fld id="{0EFAFC6A-8B17-4208-8D8C-953AF2F1E908}" type="datetimeFigureOut">
               <a:rPr lang="en-US" smtClean="0"/>
-              <a:t>4/5/2024</a:t>
+              <a:t>4/20/2024</a:t>
             </a:fld>
             <a:endParaRPr lang="en-US"/>
           </a:p>
@@ -687,7 +687,7 @@
           <p:cNvPr id="5" name="Footer Placeholder 4">
             <a:extLst>
               <a:ext uri="{FF2B5EF4-FFF2-40B4-BE49-F238E27FC236}">
-                <a16:creationId xmlns:a16="http://schemas.microsoft.com/office/drawing/2014/main" id="{3DEE0515-5881-81C6-D294-6231424BB4B7}"/>
+                <a16:creationId xmlns:a16="http://schemas.microsoft.com/office/drawing/2014/main" id="{63B978C7-83C2-025E-2BD3-6977DEC8B01A}"/>
               </a:ext>
             </a:extLst>
           </p:cNvPr>
@@ -712,7 +712,7 @@
           <p:cNvPr id="6" name="Slide Number Placeholder 5">
             <a:extLst>
               <a:ext uri="{FF2B5EF4-FFF2-40B4-BE49-F238E27FC236}">
-                <a16:creationId xmlns:a16="http://schemas.microsoft.com/office/drawing/2014/main" id="{483C9657-107C-FE93-7901-3ED1E5A82FB5}"/>
+                <a16:creationId xmlns:a16="http://schemas.microsoft.com/office/drawing/2014/main" id="{7F4EBCB3-E32D-83A7-B96F-28402481AF4E}"/>
               </a:ext>
             </a:extLst>
           </p:cNvPr>
@@ -728,7 +728,7 @@
           <a:bodyPr/>
           <a:lstStyle/>
           <a:p>
-            <a:fld id="{9173BA9B-CA48-4BE4-939E-57C57852F27F}" type="slidenum">
+            <a:fld id="{65949EF0-23F9-4480-A2A0-C247EB32956B}" type="slidenum">
               <a:rPr lang="en-US" smtClean="0"/>
               <a:t>‹#›</a:t>
             </a:fld>
@@ -739,7 +739,7 @@
     </p:spTree>
     <p:extLst>
       <p:ext uri="{BB962C8B-B14F-4D97-AF65-F5344CB8AC3E}">
-        <p14:creationId xmlns:p14="http://schemas.microsoft.com/office/powerpoint/2010/main" val="2084589866"/>
+        <p14:creationId xmlns:p14="http://schemas.microsoft.com/office/powerpoint/2010/main" val="1718453103"/>
       </p:ext>
     </p:extLst>
   </p:cSld>
@@ -771,7 +771,7 @@
           <p:cNvPr id="2" name="Title 1">
             <a:extLst>
               <a:ext uri="{FF2B5EF4-FFF2-40B4-BE49-F238E27FC236}">
-                <a16:creationId xmlns:a16="http://schemas.microsoft.com/office/drawing/2014/main" id="{917BA62A-8455-130C-B4E7-033B66C685B4}"/>
+                <a16:creationId xmlns:a16="http://schemas.microsoft.com/office/drawing/2014/main" id="{4B97608E-CF96-E58E-7D9A-03C46CAA4388}"/>
               </a:ext>
             </a:extLst>
           </p:cNvPr>
@@ -799,7 +799,7 @@
           <p:cNvPr id="3" name="Content Placeholder 2">
             <a:extLst>
               <a:ext uri="{FF2B5EF4-FFF2-40B4-BE49-F238E27FC236}">
-                <a16:creationId xmlns:a16="http://schemas.microsoft.com/office/drawing/2014/main" id="{1CF17C99-3579-A908-C282-0DFCE1243856}"/>
+                <a16:creationId xmlns:a16="http://schemas.microsoft.com/office/drawing/2014/main" id="{C943256E-039D-3F35-77F4-046EEC691FD5}"/>
               </a:ext>
             </a:extLst>
           </p:cNvPr>
@@ -856,7 +856,7 @@
           <p:cNvPr id="4" name="Date Placeholder 3">
             <a:extLst>
               <a:ext uri="{FF2B5EF4-FFF2-40B4-BE49-F238E27FC236}">
-                <a16:creationId xmlns:a16="http://schemas.microsoft.com/office/drawing/2014/main" id="{3F36EB41-0033-5E78-5805-69C4EC852761}"/>
+                <a16:creationId xmlns:a16="http://schemas.microsoft.com/office/drawing/2014/main" id="{A971B65F-98A6-04C6-A443-B7180C632990}"/>
               </a:ext>
             </a:extLst>
           </p:cNvPr>
@@ -872,9 +872,9 @@
           <a:bodyPr/>
           <a:lstStyle/>
           <a:p>
-            <a:fld id="{F702C646-5D71-44CF-BD73-2B5FDF8BAF44}" type="datetimeFigureOut">
+            <a:fld id="{0EFAFC6A-8B17-4208-8D8C-953AF2F1E908}" type="datetimeFigureOut">
               <a:rPr lang="en-US" smtClean="0"/>
-              <a:t>4/5/2024</a:t>
+              <a:t>4/20/2024</a:t>
             </a:fld>
             <a:endParaRPr lang="en-US"/>
           </a:p>
@@ -885,7 +885,7 @@
           <p:cNvPr id="5" name="Footer Placeholder 4">
             <a:extLst>
               <a:ext uri="{FF2B5EF4-FFF2-40B4-BE49-F238E27FC236}">
-                <a16:creationId xmlns:a16="http://schemas.microsoft.com/office/drawing/2014/main" id="{E2154B77-6791-06B3-C069-4CF8E1DB75F7}"/>
+                <a16:creationId xmlns:a16="http://schemas.microsoft.com/office/drawing/2014/main" id="{50888572-6F39-1280-A314-67A7B8BAE7CD}"/>
               </a:ext>
             </a:extLst>
           </p:cNvPr>
@@ -910,7 +910,7 @@
           <p:cNvPr id="6" name="Slide Number Placeholder 5">
             <a:extLst>
               <a:ext uri="{FF2B5EF4-FFF2-40B4-BE49-F238E27FC236}">
-                <a16:creationId xmlns:a16="http://schemas.microsoft.com/office/drawing/2014/main" id="{9591C83B-C79B-E104-699E-65B57FF33CEA}"/>
+                <a16:creationId xmlns:a16="http://schemas.microsoft.com/office/drawing/2014/main" id="{689EAC8D-4336-2084-586F-B56C2D298C4D}"/>
               </a:ext>
             </a:extLst>
           </p:cNvPr>
@@ -926,7 +926,7 @@
           <a:bodyPr/>
           <a:lstStyle/>
           <a:p>
-            <a:fld id="{9173BA9B-CA48-4BE4-939E-57C57852F27F}" type="slidenum">
+            <a:fld id="{65949EF0-23F9-4480-A2A0-C247EB32956B}" type="slidenum">
               <a:rPr lang="en-US" smtClean="0"/>
               <a:t>‹#›</a:t>
             </a:fld>
@@ -937,7 +937,7 @@
     </p:spTree>
     <p:extLst>
       <p:ext uri="{BB962C8B-B14F-4D97-AF65-F5344CB8AC3E}">
-        <p14:creationId xmlns:p14="http://schemas.microsoft.com/office/powerpoint/2010/main" val="986185675"/>
+        <p14:creationId xmlns:p14="http://schemas.microsoft.com/office/powerpoint/2010/main" val="1989291458"/>
       </p:ext>
     </p:extLst>
   </p:cSld>
@@ -969,7 +969,7 @@
           <p:cNvPr id="2" name="Title 1">
             <a:extLst>
               <a:ext uri="{FF2B5EF4-FFF2-40B4-BE49-F238E27FC236}">
-                <a16:creationId xmlns:a16="http://schemas.microsoft.com/office/drawing/2014/main" id="{05AC6C6F-8146-7287-E5F7-39E93164F5E7}"/>
+                <a16:creationId xmlns:a16="http://schemas.microsoft.com/office/drawing/2014/main" id="{89AE1674-AB86-DE8B-3864-0116C656CD90}"/>
               </a:ext>
             </a:extLst>
           </p:cNvPr>
@@ -1006,7 +1006,7 @@
           <p:cNvPr id="3" name="Text Placeholder 2">
             <a:extLst>
               <a:ext uri="{FF2B5EF4-FFF2-40B4-BE49-F238E27FC236}">
-                <a16:creationId xmlns:a16="http://schemas.microsoft.com/office/drawing/2014/main" id="{5EFF73C8-1EA3-E261-A365-B85BF5E45A00}"/>
+                <a16:creationId xmlns:a16="http://schemas.microsoft.com/office/drawing/2014/main" id="{9C0986D8-8721-B98F-EE3E-163F10550886}"/>
               </a:ext>
             </a:extLst>
           </p:cNvPr>
@@ -1131,7 +1131,7 @@
           <p:cNvPr id="4" name="Date Placeholder 3">
             <a:extLst>
               <a:ext uri="{FF2B5EF4-FFF2-40B4-BE49-F238E27FC236}">
-                <a16:creationId xmlns:a16="http://schemas.microsoft.com/office/drawing/2014/main" id="{C9F88690-2AF1-0B07-0A79-AB3056B6460C}"/>
+                <a16:creationId xmlns:a16="http://schemas.microsoft.com/office/drawing/2014/main" id="{DABBC6CF-FAF8-B317-A84A-92334E028702}"/>
               </a:ext>
             </a:extLst>
           </p:cNvPr>
@@ -1147,9 +1147,9 @@
           <a:bodyPr/>
           <a:lstStyle/>
           <a:p>
-            <a:fld id="{F702C646-5D71-44CF-BD73-2B5FDF8BAF44}" type="datetimeFigureOut">
+            <a:fld id="{0EFAFC6A-8B17-4208-8D8C-953AF2F1E908}" type="datetimeFigureOut">
               <a:rPr lang="en-US" smtClean="0"/>
-              <a:t>4/5/2024</a:t>
+              <a:t>4/20/2024</a:t>
             </a:fld>
             <a:endParaRPr lang="en-US"/>
           </a:p>
@@ -1160,7 +1160,7 @@
           <p:cNvPr id="5" name="Footer Placeholder 4">
             <a:extLst>
               <a:ext uri="{FF2B5EF4-FFF2-40B4-BE49-F238E27FC236}">
-                <a16:creationId xmlns:a16="http://schemas.microsoft.com/office/drawing/2014/main" id="{78D0E28F-E1F6-0DFB-AC30-78B9549DA885}"/>
+                <a16:creationId xmlns:a16="http://schemas.microsoft.com/office/drawing/2014/main" id="{A0F57E75-8770-7BD0-068E-18D11D61B6C6}"/>
               </a:ext>
             </a:extLst>
           </p:cNvPr>
@@ -1185,7 +1185,7 @@
           <p:cNvPr id="6" name="Slide Number Placeholder 5">
             <a:extLst>
               <a:ext uri="{FF2B5EF4-FFF2-40B4-BE49-F238E27FC236}">
-                <a16:creationId xmlns:a16="http://schemas.microsoft.com/office/drawing/2014/main" id="{8E564467-637C-2A7E-C20C-DE4B0B42A0A0}"/>
+                <a16:creationId xmlns:a16="http://schemas.microsoft.com/office/drawing/2014/main" id="{20C21CFB-440E-506E-0B37-4FF8C572D1FC}"/>
               </a:ext>
             </a:extLst>
           </p:cNvPr>
@@ -1201,7 +1201,7 @@
           <a:bodyPr/>
           <a:lstStyle/>
           <a:p>
-            <a:fld id="{9173BA9B-CA48-4BE4-939E-57C57852F27F}" type="slidenum">
+            <a:fld id="{65949EF0-23F9-4480-A2A0-C247EB32956B}" type="slidenum">
               <a:rPr lang="en-US" smtClean="0"/>
               <a:t>‹#›</a:t>
             </a:fld>
@@ -1212,7 +1212,7 @@
     </p:spTree>
     <p:extLst>
       <p:ext uri="{BB962C8B-B14F-4D97-AF65-F5344CB8AC3E}">
-        <p14:creationId xmlns:p14="http://schemas.microsoft.com/office/powerpoint/2010/main" val="2119871948"/>
+        <p14:creationId xmlns:p14="http://schemas.microsoft.com/office/powerpoint/2010/main" val="634470038"/>
       </p:ext>
     </p:extLst>
   </p:cSld>
@@ -1244,7 +1244,7 @@
           <p:cNvPr id="2" name="Title 1">
             <a:extLst>
               <a:ext uri="{FF2B5EF4-FFF2-40B4-BE49-F238E27FC236}">
-                <a16:creationId xmlns:a16="http://schemas.microsoft.com/office/drawing/2014/main" id="{520D5848-EA74-869C-1A90-C22BB5E85EB8}"/>
+                <a16:creationId xmlns:a16="http://schemas.microsoft.com/office/drawing/2014/main" id="{FCA1ED30-DC64-CBFA-2CFB-220C13A7A89E}"/>
               </a:ext>
             </a:extLst>
           </p:cNvPr>
@@ -1272,7 +1272,7 @@
           <p:cNvPr id="3" name="Content Placeholder 2">
             <a:extLst>
               <a:ext uri="{FF2B5EF4-FFF2-40B4-BE49-F238E27FC236}">
-                <a16:creationId xmlns:a16="http://schemas.microsoft.com/office/drawing/2014/main" id="{EE25D8B4-0B78-DC0A-E9E4-ACF0C2083474}"/>
+                <a16:creationId xmlns:a16="http://schemas.microsoft.com/office/drawing/2014/main" id="{C87ECA42-DA10-F30E-12FB-2302F28AD614}"/>
               </a:ext>
             </a:extLst>
           </p:cNvPr>
@@ -1334,7 +1334,7 @@
           <p:cNvPr id="4" name="Content Placeholder 3">
             <a:extLst>
               <a:ext uri="{FF2B5EF4-FFF2-40B4-BE49-F238E27FC236}">
-                <a16:creationId xmlns:a16="http://schemas.microsoft.com/office/drawing/2014/main" id="{296743C9-12E4-4701-96C3-E0A8497DF11F}"/>
+                <a16:creationId xmlns:a16="http://schemas.microsoft.com/office/drawing/2014/main" id="{4C4B903E-D3F3-1F79-2DD4-79C6F8E0D16D}"/>
               </a:ext>
             </a:extLst>
           </p:cNvPr>
@@ -1396,7 +1396,7 @@
           <p:cNvPr id="5" name="Date Placeholder 4">
             <a:extLst>
               <a:ext uri="{FF2B5EF4-FFF2-40B4-BE49-F238E27FC236}">
-                <a16:creationId xmlns:a16="http://schemas.microsoft.com/office/drawing/2014/main" id="{3CA65312-725F-CE64-DB30-9F0672933EAB}"/>
+                <a16:creationId xmlns:a16="http://schemas.microsoft.com/office/drawing/2014/main" id="{DCFF5A4C-0159-ED19-E341-BCFE0A040611}"/>
               </a:ext>
             </a:extLst>
           </p:cNvPr>
@@ -1412,9 +1412,9 @@
           <a:bodyPr/>
           <a:lstStyle/>
           <a:p>
-            <a:fld id="{F702C646-5D71-44CF-BD73-2B5FDF8BAF44}" type="datetimeFigureOut">
+            <a:fld id="{0EFAFC6A-8B17-4208-8D8C-953AF2F1E908}" type="datetimeFigureOut">
               <a:rPr lang="en-US" smtClean="0"/>
-              <a:t>4/5/2024</a:t>
+              <a:t>4/20/2024</a:t>
             </a:fld>
             <a:endParaRPr lang="en-US"/>
           </a:p>
@@ -1425,7 +1425,7 @@
           <p:cNvPr id="6" name="Footer Placeholder 5">
             <a:extLst>
               <a:ext uri="{FF2B5EF4-FFF2-40B4-BE49-F238E27FC236}">
-                <a16:creationId xmlns:a16="http://schemas.microsoft.com/office/drawing/2014/main" id="{1E757A66-4882-181E-49E8-9D1BE15BBC29}"/>
+                <a16:creationId xmlns:a16="http://schemas.microsoft.com/office/drawing/2014/main" id="{666EA640-E4C5-A83A-D250-3F471843FEF5}"/>
               </a:ext>
             </a:extLst>
           </p:cNvPr>
@@ -1450,7 +1450,7 @@
           <p:cNvPr id="7" name="Slide Number Placeholder 6">
             <a:extLst>
               <a:ext uri="{FF2B5EF4-FFF2-40B4-BE49-F238E27FC236}">
-                <a16:creationId xmlns:a16="http://schemas.microsoft.com/office/drawing/2014/main" id="{6F2801BF-F825-0010-317D-7434B314710F}"/>
+                <a16:creationId xmlns:a16="http://schemas.microsoft.com/office/drawing/2014/main" id="{7724049D-59C2-9931-628E-AD27B63B5CFA}"/>
               </a:ext>
             </a:extLst>
           </p:cNvPr>
@@ -1466,7 +1466,7 @@
           <a:bodyPr/>
           <a:lstStyle/>
           <a:p>
-            <a:fld id="{9173BA9B-CA48-4BE4-939E-57C57852F27F}" type="slidenum">
+            <a:fld id="{65949EF0-23F9-4480-A2A0-C247EB32956B}" type="slidenum">
               <a:rPr lang="en-US" smtClean="0"/>
               <a:t>‹#›</a:t>
             </a:fld>
@@ -1477,7 +1477,7 @@
     </p:spTree>
     <p:extLst>
       <p:ext uri="{BB962C8B-B14F-4D97-AF65-F5344CB8AC3E}">
-        <p14:creationId xmlns:p14="http://schemas.microsoft.com/office/powerpoint/2010/main" val="3184595613"/>
+        <p14:creationId xmlns:p14="http://schemas.microsoft.com/office/powerpoint/2010/main" val="4118836436"/>
       </p:ext>
     </p:extLst>
   </p:cSld>
@@ -1509,7 +1509,7 @@
           <p:cNvPr id="2" name="Title 1">
             <a:extLst>
               <a:ext uri="{FF2B5EF4-FFF2-40B4-BE49-F238E27FC236}">
-                <a16:creationId xmlns:a16="http://schemas.microsoft.com/office/drawing/2014/main" id="{77E473C8-8DB9-0A07-C6B6-67AB9B55F8E9}"/>
+                <a16:creationId xmlns:a16="http://schemas.microsoft.com/office/drawing/2014/main" id="{DD4E32D8-4E76-E21E-5E3C-0C4075BA6DA3}"/>
               </a:ext>
             </a:extLst>
           </p:cNvPr>
@@ -1542,7 +1542,7 @@
           <p:cNvPr id="3" name="Text Placeholder 2">
             <a:extLst>
               <a:ext uri="{FF2B5EF4-FFF2-40B4-BE49-F238E27FC236}">
-                <a16:creationId xmlns:a16="http://schemas.microsoft.com/office/drawing/2014/main" id="{9F27F853-1558-167C-EBBC-B52912B9377D}"/>
+                <a16:creationId xmlns:a16="http://schemas.microsoft.com/office/drawing/2014/main" id="{64E214DB-FBEC-4F8E-50BB-1A00B4E45602}"/>
               </a:ext>
             </a:extLst>
           </p:cNvPr>
@@ -1613,7 +1613,7 @@
           <p:cNvPr id="4" name="Content Placeholder 3">
             <a:extLst>
               <a:ext uri="{FF2B5EF4-FFF2-40B4-BE49-F238E27FC236}">
-                <a16:creationId xmlns:a16="http://schemas.microsoft.com/office/drawing/2014/main" id="{72ECCDB6-4A71-86D7-DAD6-2E2563C28785}"/>
+                <a16:creationId xmlns:a16="http://schemas.microsoft.com/office/drawing/2014/main" id="{66C6A246-9556-6233-ADEA-3FD68310D822}"/>
               </a:ext>
             </a:extLst>
           </p:cNvPr>
@@ -1675,7 +1675,7 @@
           <p:cNvPr id="5" name="Text Placeholder 4">
             <a:extLst>
               <a:ext uri="{FF2B5EF4-FFF2-40B4-BE49-F238E27FC236}">
-                <a16:creationId xmlns:a16="http://schemas.microsoft.com/office/drawing/2014/main" id="{338C05A0-EE44-B589-4D73-D648613F718D}"/>
+                <a16:creationId xmlns:a16="http://schemas.microsoft.com/office/drawing/2014/main" id="{A3D6E948-0CE3-EFD2-AACD-6F1394B5EF16}"/>
               </a:ext>
             </a:extLst>
           </p:cNvPr>
@@ -1746,7 +1746,7 @@
           <p:cNvPr id="6" name="Content Placeholder 5">
             <a:extLst>
               <a:ext uri="{FF2B5EF4-FFF2-40B4-BE49-F238E27FC236}">
-                <a16:creationId xmlns:a16="http://schemas.microsoft.com/office/drawing/2014/main" id="{366C7ACB-F531-8709-2381-03CC2929A67C}"/>
+                <a16:creationId xmlns:a16="http://schemas.microsoft.com/office/drawing/2014/main" id="{55965BF9-5ABF-0EDA-D4CA-5D3CAA14F793}"/>
               </a:ext>
             </a:extLst>
           </p:cNvPr>
@@ -1808,7 +1808,7 @@
           <p:cNvPr id="7" name="Date Placeholder 6">
             <a:extLst>
               <a:ext uri="{FF2B5EF4-FFF2-40B4-BE49-F238E27FC236}">
-                <a16:creationId xmlns:a16="http://schemas.microsoft.com/office/drawing/2014/main" id="{D0D10EAE-A687-E79B-2855-FD34D5F52F0F}"/>
+                <a16:creationId xmlns:a16="http://schemas.microsoft.com/office/drawing/2014/main" id="{138222B7-47EB-8560-11DC-598D7103EDF5}"/>
               </a:ext>
             </a:extLst>
           </p:cNvPr>
@@ -1824,9 +1824,9 @@
           <a:bodyPr/>
           <a:lstStyle/>
           <a:p>
-            <a:fld id="{F702C646-5D71-44CF-BD73-2B5FDF8BAF44}" type="datetimeFigureOut">
+            <a:fld id="{0EFAFC6A-8B17-4208-8D8C-953AF2F1E908}" type="datetimeFigureOut">
               <a:rPr lang="en-US" smtClean="0"/>
-              <a:t>4/5/2024</a:t>
+              <a:t>4/20/2024</a:t>
             </a:fld>
             <a:endParaRPr lang="en-US"/>
           </a:p>
@@ -1837,7 +1837,7 @@
           <p:cNvPr id="8" name="Footer Placeholder 7">
             <a:extLst>
               <a:ext uri="{FF2B5EF4-FFF2-40B4-BE49-F238E27FC236}">
-                <a16:creationId xmlns:a16="http://schemas.microsoft.com/office/drawing/2014/main" id="{669CED8B-28B2-3942-5CE3-50DEEB9BABF1}"/>
+                <a16:creationId xmlns:a16="http://schemas.microsoft.com/office/drawing/2014/main" id="{3A5E4578-76DA-7F49-8250-EE7BA09695CF}"/>
               </a:ext>
             </a:extLst>
           </p:cNvPr>
@@ -1862,7 +1862,7 @@
           <p:cNvPr id="9" name="Slide Number Placeholder 8">
             <a:extLst>
               <a:ext uri="{FF2B5EF4-FFF2-40B4-BE49-F238E27FC236}">
-                <a16:creationId xmlns:a16="http://schemas.microsoft.com/office/drawing/2014/main" id="{C7FA4420-B021-4E21-F466-EA9A0320F5EA}"/>
+                <a16:creationId xmlns:a16="http://schemas.microsoft.com/office/drawing/2014/main" id="{61099563-8F4A-FCC4-09C2-839C3675F045}"/>
               </a:ext>
             </a:extLst>
           </p:cNvPr>
@@ -1878,7 +1878,7 @@
           <a:bodyPr/>
           <a:lstStyle/>
           <a:p>
-            <a:fld id="{9173BA9B-CA48-4BE4-939E-57C57852F27F}" type="slidenum">
+            <a:fld id="{65949EF0-23F9-4480-A2A0-C247EB32956B}" type="slidenum">
               <a:rPr lang="en-US" smtClean="0"/>
               <a:t>‹#›</a:t>
             </a:fld>
@@ -1889,7 +1889,7 @@
     </p:spTree>
     <p:extLst>
       <p:ext uri="{BB962C8B-B14F-4D97-AF65-F5344CB8AC3E}">
-        <p14:creationId xmlns:p14="http://schemas.microsoft.com/office/powerpoint/2010/main" val="1527602960"/>
+        <p14:creationId xmlns:p14="http://schemas.microsoft.com/office/powerpoint/2010/main" val="3630400445"/>
       </p:ext>
     </p:extLst>
   </p:cSld>
@@ -1921,7 +1921,7 @@
           <p:cNvPr id="2" name="Title 1">
             <a:extLst>
               <a:ext uri="{FF2B5EF4-FFF2-40B4-BE49-F238E27FC236}">
-                <a16:creationId xmlns:a16="http://schemas.microsoft.com/office/drawing/2014/main" id="{D3420579-0D55-E304-97B0-FB146B538B34}"/>
+                <a16:creationId xmlns:a16="http://schemas.microsoft.com/office/drawing/2014/main" id="{B56D2AAE-2875-4723-0BC7-E6217E5C6FB0}"/>
               </a:ext>
             </a:extLst>
           </p:cNvPr>
@@ -1949,7 +1949,7 @@
           <p:cNvPr id="3" name="Date Placeholder 2">
             <a:extLst>
               <a:ext uri="{FF2B5EF4-FFF2-40B4-BE49-F238E27FC236}">
-                <a16:creationId xmlns:a16="http://schemas.microsoft.com/office/drawing/2014/main" id="{2B1E8AB1-8948-FFA2-51F6-A8D0AA3B1615}"/>
+                <a16:creationId xmlns:a16="http://schemas.microsoft.com/office/drawing/2014/main" id="{3945BABD-38E0-3D29-398B-DD639F61A12A}"/>
               </a:ext>
             </a:extLst>
           </p:cNvPr>
@@ -1965,9 +1965,9 @@
           <a:bodyPr/>
           <a:lstStyle/>
           <a:p>
-            <a:fld id="{F702C646-5D71-44CF-BD73-2B5FDF8BAF44}" type="datetimeFigureOut">
+            <a:fld id="{0EFAFC6A-8B17-4208-8D8C-953AF2F1E908}" type="datetimeFigureOut">
               <a:rPr lang="en-US" smtClean="0"/>
-              <a:t>4/5/2024</a:t>
+              <a:t>4/20/2024</a:t>
             </a:fld>
             <a:endParaRPr lang="en-US"/>
           </a:p>
@@ -1978,7 +1978,7 @@
           <p:cNvPr id="4" name="Footer Placeholder 3">
             <a:extLst>
               <a:ext uri="{FF2B5EF4-FFF2-40B4-BE49-F238E27FC236}">
-                <a16:creationId xmlns:a16="http://schemas.microsoft.com/office/drawing/2014/main" id="{E5631922-E799-02A8-F065-C1612AD60F3E}"/>
+                <a16:creationId xmlns:a16="http://schemas.microsoft.com/office/drawing/2014/main" id="{E13935F0-860F-A922-2049-B4D6ED08B7D5}"/>
               </a:ext>
             </a:extLst>
           </p:cNvPr>
@@ -2003,7 +2003,7 @@
           <p:cNvPr id="5" name="Slide Number Placeholder 4">
             <a:extLst>
               <a:ext uri="{FF2B5EF4-FFF2-40B4-BE49-F238E27FC236}">
-                <a16:creationId xmlns:a16="http://schemas.microsoft.com/office/drawing/2014/main" id="{48B7CD3F-EBEF-A541-851C-599806901659}"/>
+                <a16:creationId xmlns:a16="http://schemas.microsoft.com/office/drawing/2014/main" id="{EB1A5C91-B731-127F-2395-7A98AE58D1D1}"/>
               </a:ext>
             </a:extLst>
           </p:cNvPr>
@@ -2019,7 +2019,7 @@
           <a:bodyPr/>
           <a:lstStyle/>
           <a:p>
-            <a:fld id="{9173BA9B-CA48-4BE4-939E-57C57852F27F}" type="slidenum">
+            <a:fld id="{65949EF0-23F9-4480-A2A0-C247EB32956B}" type="slidenum">
               <a:rPr lang="en-US" smtClean="0"/>
               <a:t>‹#›</a:t>
             </a:fld>
@@ -2030,7 +2030,7 @@
     </p:spTree>
     <p:extLst>
       <p:ext uri="{BB962C8B-B14F-4D97-AF65-F5344CB8AC3E}">
-        <p14:creationId xmlns:p14="http://schemas.microsoft.com/office/powerpoint/2010/main" val="1009795241"/>
+        <p14:creationId xmlns:p14="http://schemas.microsoft.com/office/powerpoint/2010/main" val="314311427"/>
       </p:ext>
     </p:extLst>
   </p:cSld>
@@ -2062,7 +2062,7 @@
           <p:cNvPr id="2" name="Date Placeholder 1">
             <a:extLst>
               <a:ext uri="{FF2B5EF4-FFF2-40B4-BE49-F238E27FC236}">
-                <a16:creationId xmlns:a16="http://schemas.microsoft.com/office/drawing/2014/main" id="{206376B4-6CBB-4670-3098-8B7F5ABB9DA3}"/>
+                <a16:creationId xmlns:a16="http://schemas.microsoft.com/office/drawing/2014/main" id="{726123DF-FE32-C681-4FD9-50312AB97C39}"/>
               </a:ext>
             </a:extLst>
           </p:cNvPr>
@@ -2078,9 +2078,9 @@
           <a:bodyPr/>
           <a:lstStyle/>
           <a:p>
-            <a:fld id="{F702C646-5D71-44CF-BD73-2B5FDF8BAF44}" type="datetimeFigureOut">
+            <a:fld id="{0EFAFC6A-8B17-4208-8D8C-953AF2F1E908}" type="datetimeFigureOut">
               <a:rPr lang="en-US" smtClean="0"/>
-              <a:t>4/5/2024</a:t>
+              <a:t>4/20/2024</a:t>
             </a:fld>
             <a:endParaRPr lang="en-US"/>
           </a:p>
@@ -2091,7 +2091,7 @@
           <p:cNvPr id="3" name="Footer Placeholder 2">
             <a:extLst>
               <a:ext uri="{FF2B5EF4-FFF2-40B4-BE49-F238E27FC236}">
-                <a16:creationId xmlns:a16="http://schemas.microsoft.com/office/drawing/2014/main" id="{0950522D-FC3D-E137-2BAD-F50B0C141871}"/>
+                <a16:creationId xmlns:a16="http://schemas.microsoft.com/office/drawing/2014/main" id="{D7D61862-8BC5-7CC3-79E3-DBB23942F0AB}"/>
               </a:ext>
             </a:extLst>
           </p:cNvPr>
@@ -2116,7 +2116,7 @@
           <p:cNvPr id="4" name="Slide Number Placeholder 3">
             <a:extLst>
               <a:ext uri="{FF2B5EF4-FFF2-40B4-BE49-F238E27FC236}">
-                <a16:creationId xmlns:a16="http://schemas.microsoft.com/office/drawing/2014/main" id="{4B93AB77-F60B-C106-6704-0750295F570C}"/>
+                <a16:creationId xmlns:a16="http://schemas.microsoft.com/office/drawing/2014/main" id="{C39530E7-0332-A37B-2CD7-4C262EF3B8C8}"/>
               </a:ext>
             </a:extLst>
           </p:cNvPr>
@@ -2132,7 +2132,7 @@
           <a:bodyPr/>
           <a:lstStyle/>
           <a:p>
-            <a:fld id="{9173BA9B-CA48-4BE4-939E-57C57852F27F}" type="slidenum">
+            <a:fld id="{65949EF0-23F9-4480-A2A0-C247EB32956B}" type="slidenum">
               <a:rPr lang="en-US" smtClean="0"/>
               <a:t>‹#›</a:t>
             </a:fld>
@@ -2143,7 +2143,7 @@
     </p:spTree>
     <p:extLst>
       <p:ext uri="{BB962C8B-B14F-4D97-AF65-F5344CB8AC3E}">
-        <p14:creationId xmlns:p14="http://schemas.microsoft.com/office/powerpoint/2010/main" val="1548491066"/>
+        <p14:creationId xmlns:p14="http://schemas.microsoft.com/office/powerpoint/2010/main" val="3716872869"/>
       </p:ext>
     </p:extLst>
   </p:cSld>
@@ -2175,7 +2175,7 @@
           <p:cNvPr id="2" name="Title 1">
             <a:extLst>
               <a:ext uri="{FF2B5EF4-FFF2-40B4-BE49-F238E27FC236}">
-                <a16:creationId xmlns:a16="http://schemas.microsoft.com/office/drawing/2014/main" id="{C64CF6D8-9258-2EFA-D9C3-65151F4824BF}"/>
+                <a16:creationId xmlns:a16="http://schemas.microsoft.com/office/drawing/2014/main" id="{F773DF9B-C016-7A08-55B7-AE01673159FB}"/>
               </a:ext>
             </a:extLst>
           </p:cNvPr>
@@ -2212,7 +2212,7 @@
           <p:cNvPr id="3" name="Content Placeholder 2">
             <a:extLst>
               <a:ext uri="{FF2B5EF4-FFF2-40B4-BE49-F238E27FC236}">
-                <a16:creationId xmlns:a16="http://schemas.microsoft.com/office/drawing/2014/main" id="{A7B5DD7F-8AA0-97C9-2275-9C8E47A232AC}"/>
+                <a16:creationId xmlns:a16="http://schemas.microsoft.com/office/drawing/2014/main" id="{BA033D0C-D73F-03DA-06BE-2FAABF85687C}"/>
               </a:ext>
             </a:extLst>
           </p:cNvPr>
@@ -2302,7 +2302,7 @@
           <p:cNvPr id="4" name="Text Placeholder 3">
             <a:extLst>
               <a:ext uri="{FF2B5EF4-FFF2-40B4-BE49-F238E27FC236}">
-                <a16:creationId xmlns:a16="http://schemas.microsoft.com/office/drawing/2014/main" id="{B38C4875-0C35-A3E8-6893-4F01D09C70B1}"/>
+                <a16:creationId xmlns:a16="http://schemas.microsoft.com/office/drawing/2014/main" id="{63FAE3B3-9391-E1C6-93A7-ACF6B767386E}"/>
               </a:ext>
             </a:extLst>
           </p:cNvPr>
@@ -2373,7 +2373,7 @@
           <p:cNvPr id="5" name="Date Placeholder 4">
             <a:extLst>
               <a:ext uri="{FF2B5EF4-FFF2-40B4-BE49-F238E27FC236}">
-                <a16:creationId xmlns:a16="http://schemas.microsoft.com/office/drawing/2014/main" id="{DC39F0B1-C1FD-C979-8ED8-6AC1E91A368D}"/>
+                <a16:creationId xmlns:a16="http://schemas.microsoft.com/office/drawing/2014/main" id="{A8EE1001-D96F-C72A-A688-A91A7E68E677}"/>
               </a:ext>
             </a:extLst>
           </p:cNvPr>
@@ -2389,9 +2389,9 @@
           <a:bodyPr/>
           <a:lstStyle/>
           <a:p>
-            <a:fld id="{F702C646-5D71-44CF-BD73-2B5FDF8BAF44}" type="datetimeFigureOut">
+            <a:fld id="{0EFAFC6A-8B17-4208-8D8C-953AF2F1E908}" type="datetimeFigureOut">
               <a:rPr lang="en-US" smtClean="0"/>
-              <a:t>4/5/2024</a:t>
+              <a:t>4/20/2024</a:t>
             </a:fld>
             <a:endParaRPr lang="en-US"/>
           </a:p>
@@ -2402,7 +2402,7 @@
           <p:cNvPr id="6" name="Footer Placeholder 5">
             <a:extLst>
               <a:ext uri="{FF2B5EF4-FFF2-40B4-BE49-F238E27FC236}">
-                <a16:creationId xmlns:a16="http://schemas.microsoft.com/office/drawing/2014/main" id="{F50F6C78-D9C6-9BF1-CC2D-80F47A6E97FC}"/>
+                <a16:creationId xmlns:a16="http://schemas.microsoft.com/office/drawing/2014/main" id="{D380B66E-56DC-5D6B-D934-0B88D5F04852}"/>
               </a:ext>
             </a:extLst>
           </p:cNvPr>
@@ -2427,7 +2427,7 @@
           <p:cNvPr id="7" name="Slide Number Placeholder 6">
             <a:extLst>
               <a:ext uri="{FF2B5EF4-FFF2-40B4-BE49-F238E27FC236}">
-                <a16:creationId xmlns:a16="http://schemas.microsoft.com/office/drawing/2014/main" id="{9584F20D-AF58-182F-36E2-A03ACF9EDBC0}"/>
+                <a16:creationId xmlns:a16="http://schemas.microsoft.com/office/drawing/2014/main" id="{503AE10E-3658-1294-9A0F-072900B6043F}"/>
               </a:ext>
             </a:extLst>
           </p:cNvPr>
@@ -2443,7 +2443,7 @@
           <a:bodyPr/>
           <a:lstStyle/>
           <a:p>
-            <a:fld id="{9173BA9B-CA48-4BE4-939E-57C57852F27F}" type="slidenum">
+            <a:fld id="{65949EF0-23F9-4480-A2A0-C247EB32956B}" type="slidenum">
               <a:rPr lang="en-US" smtClean="0"/>
               <a:t>‹#›</a:t>
             </a:fld>
@@ -2454,7 +2454,7 @@
     </p:spTree>
     <p:extLst>
       <p:ext uri="{BB962C8B-B14F-4D97-AF65-F5344CB8AC3E}">
-        <p14:creationId xmlns:p14="http://schemas.microsoft.com/office/powerpoint/2010/main" val="3399626704"/>
+        <p14:creationId xmlns:p14="http://schemas.microsoft.com/office/powerpoint/2010/main" val="2335676714"/>
       </p:ext>
     </p:extLst>
   </p:cSld>
@@ -2486,7 +2486,7 @@
           <p:cNvPr id="2" name="Title 1">
             <a:extLst>
               <a:ext uri="{FF2B5EF4-FFF2-40B4-BE49-F238E27FC236}">
-                <a16:creationId xmlns:a16="http://schemas.microsoft.com/office/drawing/2014/main" id="{FB0DFF82-58D0-BF74-AAF5-8B36107FFE9B}"/>
+                <a16:creationId xmlns:a16="http://schemas.microsoft.com/office/drawing/2014/main" id="{1BD10438-FD25-2C67-9E2E-CC34845C3CED}"/>
               </a:ext>
             </a:extLst>
           </p:cNvPr>
@@ -2523,7 +2523,7 @@
           <p:cNvPr id="3" name="Picture Placeholder 2">
             <a:extLst>
               <a:ext uri="{FF2B5EF4-FFF2-40B4-BE49-F238E27FC236}">
-                <a16:creationId xmlns:a16="http://schemas.microsoft.com/office/drawing/2014/main" id="{6167C7CA-FE70-0FAA-85D4-0ACEAEE5E5BB}"/>
+                <a16:creationId xmlns:a16="http://schemas.microsoft.com/office/drawing/2014/main" id="{AF49ED5E-9FB2-46D4-F5CA-B40709FE57AD}"/>
               </a:ext>
             </a:extLst>
           </p:cNvPr>
@@ -2590,7 +2590,7 @@
           <p:cNvPr id="4" name="Text Placeholder 3">
             <a:extLst>
               <a:ext uri="{FF2B5EF4-FFF2-40B4-BE49-F238E27FC236}">
-                <a16:creationId xmlns:a16="http://schemas.microsoft.com/office/drawing/2014/main" id="{08EAF792-8602-6AD2-4886-9D0902906F87}"/>
+                <a16:creationId xmlns:a16="http://schemas.microsoft.com/office/drawing/2014/main" id="{5EB72F14-9397-DDF3-3A79-2A19CFAE11DE}"/>
               </a:ext>
             </a:extLst>
           </p:cNvPr>
@@ -2661,7 +2661,7 @@
           <p:cNvPr id="5" name="Date Placeholder 4">
             <a:extLst>
               <a:ext uri="{FF2B5EF4-FFF2-40B4-BE49-F238E27FC236}">
-                <a16:creationId xmlns:a16="http://schemas.microsoft.com/office/drawing/2014/main" id="{586AE683-9467-BE64-AC7A-B4D9970B80C1}"/>
+                <a16:creationId xmlns:a16="http://schemas.microsoft.com/office/drawing/2014/main" id="{AF4C3E08-CA30-8080-1833-953B2A536DD6}"/>
               </a:ext>
             </a:extLst>
           </p:cNvPr>
@@ -2677,9 +2677,9 @@
           <a:bodyPr/>
           <a:lstStyle/>
           <a:p>
-            <a:fld id="{F702C646-5D71-44CF-BD73-2B5FDF8BAF44}" type="datetimeFigureOut">
+            <a:fld id="{0EFAFC6A-8B17-4208-8D8C-953AF2F1E908}" type="datetimeFigureOut">
               <a:rPr lang="en-US" smtClean="0"/>
-              <a:t>4/5/2024</a:t>
+              <a:t>4/20/2024</a:t>
             </a:fld>
             <a:endParaRPr lang="en-US"/>
           </a:p>
@@ -2690,7 +2690,7 @@
           <p:cNvPr id="6" name="Footer Placeholder 5">
             <a:extLst>
               <a:ext uri="{FF2B5EF4-FFF2-40B4-BE49-F238E27FC236}">
-                <a16:creationId xmlns:a16="http://schemas.microsoft.com/office/drawing/2014/main" id="{0EB066D8-40D0-D846-7490-8914F45DA216}"/>
+                <a16:creationId xmlns:a16="http://schemas.microsoft.com/office/drawing/2014/main" id="{747BD10A-44E3-FD56-B3AC-1C35F814FC5A}"/>
               </a:ext>
             </a:extLst>
           </p:cNvPr>
@@ -2715,7 +2715,7 @@
           <p:cNvPr id="7" name="Slide Number Placeholder 6">
             <a:extLst>
               <a:ext uri="{FF2B5EF4-FFF2-40B4-BE49-F238E27FC236}">
-                <a16:creationId xmlns:a16="http://schemas.microsoft.com/office/drawing/2014/main" id="{F6546083-B390-5F8D-0D60-66C7F29F92E5}"/>
+                <a16:creationId xmlns:a16="http://schemas.microsoft.com/office/drawing/2014/main" id="{D14E9596-CF5D-5482-8380-6042AA1F50F3}"/>
               </a:ext>
             </a:extLst>
           </p:cNvPr>
@@ -2731,7 +2731,7 @@
           <a:bodyPr/>
           <a:lstStyle/>
           <a:p>
-            <a:fld id="{9173BA9B-CA48-4BE4-939E-57C57852F27F}" type="slidenum">
+            <a:fld id="{65949EF0-23F9-4480-A2A0-C247EB32956B}" type="slidenum">
               <a:rPr lang="en-US" smtClean="0"/>
               <a:t>‹#›</a:t>
             </a:fld>
@@ -2742,7 +2742,7 @@
     </p:spTree>
     <p:extLst>
       <p:ext uri="{BB962C8B-B14F-4D97-AF65-F5344CB8AC3E}">
-        <p14:creationId xmlns:p14="http://schemas.microsoft.com/office/powerpoint/2010/main" val="223810873"/>
+        <p14:creationId xmlns:p14="http://schemas.microsoft.com/office/powerpoint/2010/main" val="822564900"/>
       </p:ext>
     </p:extLst>
   </p:cSld>
@@ -2779,7 +2779,7 @@
           <p:cNvPr id="2" name="Title Placeholder 1">
             <a:extLst>
               <a:ext uri="{FF2B5EF4-FFF2-40B4-BE49-F238E27FC236}">
-                <a16:creationId xmlns:a16="http://schemas.microsoft.com/office/drawing/2014/main" id="{BC1C0215-6D69-1CE2-0D6A-8AE03E953D4E}"/>
+                <a16:creationId xmlns:a16="http://schemas.microsoft.com/office/drawing/2014/main" id="{2FBDB594-FB75-E494-1F28-7C4BCC61B409}"/>
               </a:ext>
             </a:extLst>
           </p:cNvPr>
@@ -2817,7 +2817,7 @@
           <p:cNvPr id="3" name="Text Placeholder 2">
             <a:extLst>
               <a:ext uri="{FF2B5EF4-FFF2-40B4-BE49-F238E27FC236}">
-                <a16:creationId xmlns:a16="http://schemas.microsoft.com/office/drawing/2014/main" id="{DC9A30AA-3B04-0C81-A451-DB4B495CE65B}"/>
+                <a16:creationId xmlns:a16="http://schemas.microsoft.com/office/drawing/2014/main" id="{C5012B50-C1DC-AE8D-CDD4-162AB483E614}"/>
               </a:ext>
             </a:extLst>
           </p:cNvPr>
@@ -2884,7 +2884,7 @@
           <p:cNvPr id="4" name="Date Placeholder 3">
             <a:extLst>
               <a:ext uri="{FF2B5EF4-FFF2-40B4-BE49-F238E27FC236}">
-                <a16:creationId xmlns:a16="http://schemas.microsoft.com/office/drawing/2014/main" id="{9714BC69-B4F2-E17C-040A-3A08101B3317}"/>
+                <a16:creationId xmlns:a16="http://schemas.microsoft.com/office/drawing/2014/main" id="{0C469BDA-B740-65B7-E37B-62B0A22A6A33}"/>
               </a:ext>
             </a:extLst>
           </p:cNvPr>
@@ -2918,9 +2918,9 @@
             </a:lvl1pPr>
           </a:lstStyle>
           <a:p>
-            <a:fld id="{F702C646-5D71-44CF-BD73-2B5FDF8BAF44}" type="datetimeFigureOut">
+            <a:fld id="{0EFAFC6A-8B17-4208-8D8C-953AF2F1E908}" type="datetimeFigureOut">
               <a:rPr lang="en-US" smtClean="0"/>
-              <a:t>4/5/2024</a:t>
+              <a:t>4/20/2024</a:t>
             </a:fld>
             <a:endParaRPr lang="en-US"/>
           </a:p>
@@ -2931,7 +2931,7 @@
           <p:cNvPr id="5" name="Footer Placeholder 4">
             <a:extLst>
               <a:ext uri="{FF2B5EF4-FFF2-40B4-BE49-F238E27FC236}">
-                <a16:creationId xmlns:a16="http://schemas.microsoft.com/office/drawing/2014/main" id="{C7DF1C88-0A8F-5932-831E-94F356265334}"/>
+                <a16:creationId xmlns:a16="http://schemas.microsoft.com/office/drawing/2014/main" id="{8726889A-2D05-B730-1576-17668B1C1C2F}"/>
               </a:ext>
             </a:extLst>
           </p:cNvPr>
@@ -2974,7 +2974,7 @@
           <p:cNvPr id="6" name="Slide Number Placeholder 5">
             <a:extLst>
               <a:ext uri="{FF2B5EF4-FFF2-40B4-BE49-F238E27FC236}">
-                <a16:creationId xmlns:a16="http://schemas.microsoft.com/office/drawing/2014/main" id="{6C933E78-00B6-DB1E-4521-5FB3798E4992}"/>
+                <a16:creationId xmlns:a16="http://schemas.microsoft.com/office/drawing/2014/main" id="{2617252B-CA38-CD14-45CD-CA0198C228B3}"/>
               </a:ext>
             </a:extLst>
           </p:cNvPr>
@@ -3008,7 +3008,7 @@
             </a:lvl1pPr>
           </a:lstStyle>
           <a:p>
-            <a:fld id="{9173BA9B-CA48-4BE4-939E-57C57852F27F}" type="slidenum">
+            <a:fld id="{65949EF0-23F9-4480-A2A0-C247EB32956B}" type="slidenum">
               <a:rPr lang="en-US" smtClean="0"/>
               <a:t>‹#›</a:t>
             </a:fld>
@@ -3019,7 +3019,7 @@
     </p:spTree>
     <p:extLst>
       <p:ext uri="{BB962C8B-B14F-4D97-AF65-F5344CB8AC3E}">
-        <p14:creationId xmlns:p14="http://schemas.microsoft.com/office/powerpoint/2010/main" val="328223354"/>
+        <p14:creationId xmlns:p14="http://schemas.microsoft.com/office/powerpoint/2010/main" val="3911199178"/>
       </p:ext>
     </p:extLst>
   </p:cSld>

--- a/PPT/Class period 1.pptx
+++ b/PPT/Class period 1.pptx
@@ -145,7 +145,7 @@
           <p:cNvPr id="2" name="Title 1">
             <a:extLst>
               <a:ext uri="{FF2B5EF4-FFF2-40B4-BE49-F238E27FC236}">
-                <a16:creationId xmlns:a16="http://schemas.microsoft.com/office/drawing/2014/main" id="{81A27C4A-13F1-7A41-A4F4-AB534ED9344C}"/>
+                <a16:creationId xmlns:a16="http://schemas.microsoft.com/office/drawing/2014/main" id="{F990C505-1177-DEE4-1913-EAFA772D2CA9}"/>
               </a:ext>
             </a:extLst>
           </p:cNvPr>
@@ -182,7 +182,7 @@
           <p:cNvPr id="3" name="Subtitle 2">
             <a:extLst>
               <a:ext uri="{FF2B5EF4-FFF2-40B4-BE49-F238E27FC236}">
-                <a16:creationId xmlns:a16="http://schemas.microsoft.com/office/drawing/2014/main" id="{8B7EFC65-7F26-23E6-C116-3DA527CF545C}"/>
+                <a16:creationId xmlns:a16="http://schemas.microsoft.com/office/drawing/2014/main" id="{6663F5F0-8014-E30C-50AB-0A2B15D0EA4D}"/>
               </a:ext>
             </a:extLst>
           </p:cNvPr>
@@ -252,7 +252,7 @@
           <p:cNvPr id="4" name="Date Placeholder 3">
             <a:extLst>
               <a:ext uri="{FF2B5EF4-FFF2-40B4-BE49-F238E27FC236}">
-                <a16:creationId xmlns:a16="http://schemas.microsoft.com/office/drawing/2014/main" id="{2AFE279D-5334-E827-9E2F-8490F8BF5C26}"/>
+                <a16:creationId xmlns:a16="http://schemas.microsoft.com/office/drawing/2014/main" id="{CDDA1BDB-ADA7-869A-9797-94AF48AC315D}"/>
               </a:ext>
             </a:extLst>
           </p:cNvPr>
@@ -268,9 +268,9 @@
           <a:bodyPr/>
           <a:lstStyle/>
           <a:p>
-            <a:fld id="{0EFAFC6A-8B17-4208-8D8C-953AF2F1E908}" type="datetimeFigureOut">
+            <a:fld id="{54187281-CABB-47B8-B974-9811165748F6}" type="datetimeFigureOut">
               <a:rPr lang="en-US" smtClean="0"/>
-              <a:t>4/20/2024</a:t>
+              <a:t>5/15/2024</a:t>
             </a:fld>
             <a:endParaRPr lang="en-US"/>
           </a:p>
@@ -281,7 +281,7 @@
           <p:cNvPr id="5" name="Footer Placeholder 4">
             <a:extLst>
               <a:ext uri="{FF2B5EF4-FFF2-40B4-BE49-F238E27FC236}">
-                <a16:creationId xmlns:a16="http://schemas.microsoft.com/office/drawing/2014/main" id="{363B5FEA-6DBB-3E82-B48B-0CB6896CE1FB}"/>
+                <a16:creationId xmlns:a16="http://schemas.microsoft.com/office/drawing/2014/main" id="{8A63C070-9717-4CFF-6B2B-57BF128B3C82}"/>
               </a:ext>
             </a:extLst>
           </p:cNvPr>
@@ -306,7 +306,7 @@
           <p:cNvPr id="6" name="Slide Number Placeholder 5">
             <a:extLst>
               <a:ext uri="{FF2B5EF4-FFF2-40B4-BE49-F238E27FC236}">
-                <a16:creationId xmlns:a16="http://schemas.microsoft.com/office/drawing/2014/main" id="{62D3E1BF-103C-6D69-86EF-F307D4A6ACE2}"/>
+                <a16:creationId xmlns:a16="http://schemas.microsoft.com/office/drawing/2014/main" id="{6A996E0B-8834-9BF8-D2D2-33385F9AB9C4}"/>
               </a:ext>
             </a:extLst>
           </p:cNvPr>
@@ -322,7 +322,7 @@
           <a:bodyPr/>
           <a:lstStyle/>
           <a:p>
-            <a:fld id="{65949EF0-23F9-4480-A2A0-C247EB32956B}" type="slidenum">
+            <a:fld id="{E4F858D2-81FB-4138-9103-2188B07D997D}" type="slidenum">
               <a:rPr lang="en-US" smtClean="0"/>
               <a:t>‹#›</a:t>
             </a:fld>
@@ -333,7 +333,7 @@
     </p:spTree>
     <p:extLst>
       <p:ext uri="{BB962C8B-B14F-4D97-AF65-F5344CB8AC3E}">
-        <p14:creationId xmlns:p14="http://schemas.microsoft.com/office/powerpoint/2010/main" val="1466757837"/>
+        <p14:creationId xmlns:p14="http://schemas.microsoft.com/office/powerpoint/2010/main" val="3196303181"/>
       </p:ext>
     </p:extLst>
   </p:cSld>
@@ -365,7 +365,7 @@
           <p:cNvPr id="2" name="Title 1">
             <a:extLst>
               <a:ext uri="{FF2B5EF4-FFF2-40B4-BE49-F238E27FC236}">
-                <a16:creationId xmlns:a16="http://schemas.microsoft.com/office/drawing/2014/main" id="{20BD77F1-D20F-1782-FD2F-70B4F199E1EA}"/>
+                <a16:creationId xmlns:a16="http://schemas.microsoft.com/office/drawing/2014/main" id="{6AC25CB6-70D0-CF9A-8FDF-A5E0752C8AC5}"/>
               </a:ext>
             </a:extLst>
           </p:cNvPr>
@@ -393,7 +393,7 @@
           <p:cNvPr id="3" name="Vertical Text Placeholder 2">
             <a:extLst>
               <a:ext uri="{FF2B5EF4-FFF2-40B4-BE49-F238E27FC236}">
-                <a16:creationId xmlns:a16="http://schemas.microsoft.com/office/drawing/2014/main" id="{01C05113-8ADB-60B5-9013-39E52D75D0F1}"/>
+                <a16:creationId xmlns:a16="http://schemas.microsoft.com/office/drawing/2014/main" id="{BDCE7F62-551A-9CEC-AC84-8A9AC425AED8}"/>
               </a:ext>
             </a:extLst>
           </p:cNvPr>
@@ -450,7 +450,7 @@
           <p:cNvPr id="4" name="Date Placeholder 3">
             <a:extLst>
               <a:ext uri="{FF2B5EF4-FFF2-40B4-BE49-F238E27FC236}">
-                <a16:creationId xmlns:a16="http://schemas.microsoft.com/office/drawing/2014/main" id="{635A3EF1-9D4D-8183-66B4-DC3B7C683EE4}"/>
+                <a16:creationId xmlns:a16="http://schemas.microsoft.com/office/drawing/2014/main" id="{9369CD37-66FD-C8A6-A0D2-22431248299E}"/>
               </a:ext>
             </a:extLst>
           </p:cNvPr>
@@ -466,9 +466,9 @@
           <a:bodyPr/>
           <a:lstStyle/>
           <a:p>
-            <a:fld id="{0EFAFC6A-8B17-4208-8D8C-953AF2F1E908}" type="datetimeFigureOut">
+            <a:fld id="{54187281-CABB-47B8-B974-9811165748F6}" type="datetimeFigureOut">
               <a:rPr lang="en-US" smtClean="0"/>
-              <a:t>4/20/2024</a:t>
+              <a:t>5/15/2024</a:t>
             </a:fld>
             <a:endParaRPr lang="en-US"/>
           </a:p>
@@ -479,7 +479,7 @@
           <p:cNvPr id="5" name="Footer Placeholder 4">
             <a:extLst>
               <a:ext uri="{FF2B5EF4-FFF2-40B4-BE49-F238E27FC236}">
-                <a16:creationId xmlns:a16="http://schemas.microsoft.com/office/drawing/2014/main" id="{935850D8-0A8F-C2AE-64ED-AEEBE9A289AF}"/>
+                <a16:creationId xmlns:a16="http://schemas.microsoft.com/office/drawing/2014/main" id="{C0CD699B-72C3-6FCF-032A-B402E6EAF746}"/>
               </a:ext>
             </a:extLst>
           </p:cNvPr>
@@ -504,7 +504,7 @@
           <p:cNvPr id="6" name="Slide Number Placeholder 5">
             <a:extLst>
               <a:ext uri="{FF2B5EF4-FFF2-40B4-BE49-F238E27FC236}">
-                <a16:creationId xmlns:a16="http://schemas.microsoft.com/office/drawing/2014/main" id="{A5F60DA3-C399-E9CA-B03C-2646B83867FC}"/>
+                <a16:creationId xmlns:a16="http://schemas.microsoft.com/office/drawing/2014/main" id="{8325E61D-F358-DB61-A5F2-D6C4C443F68D}"/>
               </a:ext>
             </a:extLst>
           </p:cNvPr>
@@ -520,7 +520,7 @@
           <a:bodyPr/>
           <a:lstStyle/>
           <a:p>
-            <a:fld id="{65949EF0-23F9-4480-A2A0-C247EB32956B}" type="slidenum">
+            <a:fld id="{E4F858D2-81FB-4138-9103-2188B07D997D}" type="slidenum">
               <a:rPr lang="en-US" smtClean="0"/>
               <a:t>‹#›</a:t>
             </a:fld>
@@ -531,7 +531,7 @@
     </p:spTree>
     <p:extLst>
       <p:ext uri="{BB962C8B-B14F-4D97-AF65-F5344CB8AC3E}">
-        <p14:creationId xmlns:p14="http://schemas.microsoft.com/office/powerpoint/2010/main" val="2851737070"/>
+        <p14:creationId xmlns:p14="http://schemas.microsoft.com/office/powerpoint/2010/main" val="3682169541"/>
       </p:ext>
     </p:extLst>
   </p:cSld>
@@ -563,7 +563,7 @@
           <p:cNvPr id="2" name="Vertical Title 1">
             <a:extLst>
               <a:ext uri="{FF2B5EF4-FFF2-40B4-BE49-F238E27FC236}">
-                <a16:creationId xmlns:a16="http://schemas.microsoft.com/office/drawing/2014/main" id="{413134FC-667C-B948-611D-ED06C2C59AEB}"/>
+                <a16:creationId xmlns:a16="http://schemas.microsoft.com/office/drawing/2014/main" id="{93365675-AEBA-F803-B144-B733A492E090}"/>
               </a:ext>
             </a:extLst>
           </p:cNvPr>
@@ -596,7 +596,7 @@
           <p:cNvPr id="3" name="Vertical Text Placeholder 2">
             <a:extLst>
               <a:ext uri="{FF2B5EF4-FFF2-40B4-BE49-F238E27FC236}">
-                <a16:creationId xmlns:a16="http://schemas.microsoft.com/office/drawing/2014/main" id="{08110318-D3BE-3459-2283-0F31195748F9}"/>
+                <a16:creationId xmlns:a16="http://schemas.microsoft.com/office/drawing/2014/main" id="{1BF58723-3F8B-7EF9-0894-7F7950B0EE72}"/>
               </a:ext>
             </a:extLst>
           </p:cNvPr>
@@ -658,7 +658,7 @@
           <p:cNvPr id="4" name="Date Placeholder 3">
             <a:extLst>
               <a:ext uri="{FF2B5EF4-FFF2-40B4-BE49-F238E27FC236}">
-                <a16:creationId xmlns:a16="http://schemas.microsoft.com/office/drawing/2014/main" id="{2166DB1C-18DA-6779-B51D-85478DF67C43}"/>
+                <a16:creationId xmlns:a16="http://schemas.microsoft.com/office/drawing/2014/main" id="{10BA9917-D742-5970-F3D3-590B9238C506}"/>
               </a:ext>
             </a:extLst>
           </p:cNvPr>
@@ -674,9 +674,9 @@
           <a:bodyPr/>
           <a:lstStyle/>
           <a:p>
-            <a:fld id="{0EFAFC6A-8B17-4208-8D8C-953AF2F1E908}" type="datetimeFigureOut">
+            <a:fld id="{54187281-CABB-47B8-B974-9811165748F6}" type="datetimeFigureOut">
               <a:rPr lang="en-US" smtClean="0"/>
-              <a:t>4/20/2024</a:t>
+              <a:t>5/15/2024</a:t>
             </a:fld>
             <a:endParaRPr lang="en-US"/>
           </a:p>
@@ -687,7 +687,7 @@
           <p:cNvPr id="5" name="Footer Placeholder 4">
             <a:extLst>
               <a:ext uri="{FF2B5EF4-FFF2-40B4-BE49-F238E27FC236}">
-                <a16:creationId xmlns:a16="http://schemas.microsoft.com/office/drawing/2014/main" id="{63B978C7-83C2-025E-2BD3-6977DEC8B01A}"/>
+                <a16:creationId xmlns:a16="http://schemas.microsoft.com/office/drawing/2014/main" id="{0DC8AD85-D151-BEB5-F18E-8C6027F93584}"/>
               </a:ext>
             </a:extLst>
           </p:cNvPr>
@@ -712,7 +712,7 @@
           <p:cNvPr id="6" name="Slide Number Placeholder 5">
             <a:extLst>
               <a:ext uri="{FF2B5EF4-FFF2-40B4-BE49-F238E27FC236}">
-                <a16:creationId xmlns:a16="http://schemas.microsoft.com/office/drawing/2014/main" id="{7F4EBCB3-E32D-83A7-B96F-28402481AF4E}"/>
+                <a16:creationId xmlns:a16="http://schemas.microsoft.com/office/drawing/2014/main" id="{AB8BC5B1-B248-0FB6-F706-20C0925DC7BC}"/>
               </a:ext>
             </a:extLst>
           </p:cNvPr>
@@ -728,7 +728,7 @@
           <a:bodyPr/>
           <a:lstStyle/>
           <a:p>
-            <a:fld id="{65949EF0-23F9-4480-A2A0-C247EB32956B}" type="slidenum">
+            <a:fld id="{E4F858D2-81FB-4138-9103-2188B07D997D}" type="slidenum">
               <a:rPr lang="en-US" smtClean="0"/>
               <a:t>‹#›</a:t>
             </a:fld>
@@ -739,7 +739,7 @@
     </p:spTree>
     <p:extLst>
       <p:ext uri="{BB962C8B-B14F-4D97-AF65-F5344CB8AC3E}">
-        <p14:creationId xmlns:p14="http://schemas.microsoft.com/office/powerpoint/2010/main" val="1718453103"/>
+        <p14:creationId xmlns:p14="http://schemas.microsoft.com/office/powerpoint/2010/main" val="935754400"/>
       </p:ext>
     </p:extLst>
   </p:cSld>
@@ -771,7 +771,7 @@
           <p:cNvPr id="2" name="Title 1">
             <a:extLst>
               <a:ext uri="{FF2B5EF4-FFF2-40B4-BE49-F238E27FC236}">
-                <a16:creationId xmlns:a16="http://schemas.microsoft.com/office/drawing/2014/main" id="{4B97608E-CF96-E58E-7D9A-03C46CAA4388}"/>
+                <a16:creationId xmlns:a16="http://schemas.microsoft.com/office/drawing/2014/main" id="{98DE7BD5-034A-5E3B-D558-ECB4A5AA0059}"/>
               </a:ext>
             </a:extLst>
           </p:cNvPr>
@@ -799,7 +799,7 @@
           <p:cNvPr id="3" name="Content Placeholder 2">
             <a:extLst>
               <a:ext uri="{FF2B5EF4-FFF2-40B4-BE49-F238E27FC236}">
-                <a16:creationId xmlns:a16="http://schemas.microsoft.com/office/drawing/2014/main" id="{C943256E-039D-3F35-77F4-046EEC691FD5}"/>
+                <a16:creationId xmlns:a16="http://schemas.microsoft.com/office/drawing/2014/main" id="{B28B06B4-84EE-CAF1-E535-E9DAAE692534}"/>
               </a:ext>
             </a:extLst>
           </p:cNvPr>
@@ -856,7 +856,7 @@
           <p:cNvPr id="4" name="Date Placeholder 3">
             <a:extLst>
               <a:ext uri="{FF2B5EF4-FFF2-40B4-BE49-F238E27FC236}">
-                <a16:creationId xmlns:a16="http://schemas.microsoft.com/office/drawing/2014/main" id="{A971B65F-98A6-04C6-A443-B7180C632990}"/>
+                <a16:creationId xmlns:a16="http://schemas.microsoft.com/office/drawing/2014/main" id="{3673DEEF-EA68-645D-4D85-AE3A6BBE1CB4}"/>
               </a:ext>
             </a:extLst>
           </p:cNvPr>
@@ -872,9 +872,9 @@
           <a:bodyPr/>
           <a:lstStyle/>
           <a:p>
-            <a:fld id="{0EFAFC6A-8B17-4208-8D8C-953AF2F1E908}" type="datetimeFigureOut">
+            <a:fld id="{54187281-CABB-47B8-B974-9811165748F6}" type="datetimeFigureOut">
               <a:rPr lang="en-US" smtClean="0"/>
-              <a:t>4/20/2024</a:t>
+              <a:t>5/15/2024</a:t>
             </a:fld>
             <a:endParaRPr lang="en-US"/>
           </a:p>
@@ -885,7 +885,7 @@
           <p:cNvPr id="5" name="Footer Placeholder 4">
             <a:extLst>
               <a:ext uri="{FF2B5EF4-FFF2-40B4-BE49-F238E27FC236}">
-                <a16:creationId xmlns:a16="http://schemas.microsoft.com/office/drawing/2014/main" id="{50888572-6F39-1280-A314-67A7B8BAE7CD}"/>
+                <a16:creationId xmlns:a16="http://schemas.microsoft.com/office/drawing/2014/main" id="{C3E87C63-60A7-B026-FAC1-854DA47FE14A}"/>
               </a:ext>
             </a:extLst>
           </p:cNvPr>
@@ -910,7 +910,7 @@
           <p:cNvPr id="6" name="Slide Number Placeholder 5">
             <a:extLst>
               <a:ext uri="{FF2B5EF4-FFF2-40B4-BE49-F238E27FC236}">
-                <a16:creationId xmlns:a16="http://schemas.microsoft.com/office/drawing/2014/main" id="{689EAC8D-4336-2084-586F-B56C2D298C4D}"/>
+                <a16:creationId xmlns:a16="http://schemas.microsoft.com/office/drawing/2014/main" id="{1A79F9E3-73FD-2DB6-ADD1-61F727A8A66E}"/>
               </a:ext>
             </a:extLst>
           </p:cNvPr>
@@ -926,7 +926,7 @@
           <a:bodyPr/>
           <a:lstStyle/>
           <a:p>
-            <a:fld id="{65949EF0-23F9-4480-A2A0-C247EB32956B}" type="slidenum">
+            <a:fld id="{E4F858D2-81FB-4138-9103-2188B07D997D}" type="slidenum">
               <a:rPr lang="en-US" smtClean="0"/>
               <a:t>‹#›</a:t>
             </a:fld>
@@ -937,7 +937,7 @@
     </p:spTree>
     <p:extLst>
       <p:ext uri="{BB962C8B-B14F-4D97-AF65-F5344CB8AC3E}">
-        <p14:creationId xmlns:p14="http://schemas.microsoft.com/office/powerpoint/2010/main" val="1989291458"/>
+        <p14:creationId xmlns:p14="http://schemas.microsoft.com/office/powerpoint/2010/main" val="1630784377"/>
       </p:ext>
     </p:extLst>
   </p:cSld>
@@ -969,7 +969,7 @@
           <p:cNvPr id="2" name="Title 1">
             <a:extLst>
               <a:ext uri="{FF2B5EF4-FFF2-40B4-BE49-F238E27FC236}">
-                <a16:creationId xmlns:a16="http://schemas.microsoft.com/office/drawing/2014/main" id="{89AE1674-AB86-DE8B-3864-0116C656CD90}"/>
+                <a16:creationId xmlns:a16="http://schemas.microsoft.com/office/drawing/2014/main" id="{9BA84FFE-B90B-3DEF-0076-6A8DF3A09091}"/>
               </a:ext>
             </a:extLst>
           </p:cNvPr>
@@ -1006,7 +1006,7 @@
           <p:cNvPr id="3" name="Text Placeholder 2">
             <a:extLst>
               <a:ext uri="{FF2B5EF4-FFF2-40B4-BE49-F238E27FC236}">
-                <a16:creationId xmlns:a16="http://schemas.microsoft.com/office/drawing/2014/main" id="{9C0986D8-8721-B98F-EE3E-163F10550886}"/>
+                <a16:creationId xmlns:a16="http://schemas.microsoft.com/office/drawing/2014/main" id="{43224F37-8D8E-34B8-F69B-462196E84D72}"/>
               </a:ext>
             </a:extLst>
           </p:cNvPr>
@@ -1131,7 +1131,7 @@
           <p:cNvPr id="4" name="Date Placeholder 3">
             <a:extLst>
               <a:ext uri="{FF2B5EF4-FFF2-40B4-BE49-F238E27FC236}">
-                <a16:creationId xmlns:a16="http://schemas.microsoft.com/office/drawing/2014/main" id="{DABBC6CF-FAF8-B317-A84A-92334E028702}"/>
+                <a16:creationId xmlns:a16="http://schemas.microsoft.com/office/drawing/2014/main" id="{D8EE51AC-1FB0-8F70-BB77-14EDB9035DF8}"/>
               </a:ext>
             </a:extLst>
           </p:cNvPr>
@@ -1147,9 +1147,9 @@
           <a:bodyPr/>
           <a:lstStyle/>
           <a:p>
-            <a:fld id="{0EFAFC6A-8B17-4208-8D8C-953AF2F1E908}" type="datetimeFigureOut">
+            <a:fld id="{54187281-CABB-47B8-B974-9811165748F6}" type="datetimeFigureOut">
               <a:rPr lang="en-US" smtClean="0"/>
-              <a:t>4/20/2024</a:t>
+              <a:t>5/15/2024</a:t>
             </a:fld>
             <a:endParaRPr lang="en-US"/>
           </a:p>
@@ -1160,7 +1160,7 @@
           <p:cNvPr id="5" name="Footer Placeholder 4">
             <a:extLst>
               <a:ext uri="{FF2B5EF4-FFF2-40B4-BE49-F238E27FC236}">
-                <a16:creationId xmlns:a16="http://schemas.microsoft.com/office/drawing/2014/main" id="{A0F57E75-8770-7BD0-068E-18D11D61B6C6}"/>
+                <a16:creationId xmlns:a16="http://schemas.microsoft.com/office/drawing/2014/main" id="{24AABD35-CC0C-3557-A027-CC041FD8B401}"/>
               </a:ext>
             </a:extLst>
           </p:cNvPr>
@@ -1185,7 +1185,7 @@
           <p:cNvPr id="6" name="Slide Number Placeholder 5">
             <a:extLst>
               <a:ext uri="{FF2B5EF4-FFF2-40B4-BE49-F238E27FC236}">
-                <a16:creationId xmlns:a16="http://schemas.microsoft.com/office/drawing/2014/main" id="{20C21CFB-440E-506E-0B37-4FF8C572D1FC}"/>
+                <a16:creationId xmlns:a16="http://schemas.microsoft.com/office/drawing/2014/main" id="{956FEBA8-AFB8-9CFF-F0AB-8E6B20453B36}"/>
               </a:ext>
             </a:extLst>
           </p:cNvPr>
@@ -1201,7 +1201,7 @@
           <a:bodyPr/>
           <a:lstStyle/>
           <a:p>
-            <a:fld id="{65949EF0-23F9-4480-A2A0-C247EB32956B}" type="slidenum">
+            <a:fld id="{E4F858D2-81FB-4138-9103-2188B07D997D}" type="slidenum">
               <a:rPr lang="en-US" smtClean="0"/>
               <a:t>‹#›</a:t>
             </a:fld>
@@ -1212,7 +1212,7 @@
     </p:spTree>
     <p:extLst>
       <p:ext uri="{BB962C8B-B14F-4D97-AF65-F5344CB8AC3E}">
-        <p14:creationId xmlns:p14="http://schemas.microsoft.com/office/powerpoint/2010/main" val="634470038"/>
+        <p14:creationId xmlns:p14="http://schemas.microsoft.com/office/powerpoint/2010/main" val="4189211072"/>
       </p:ext>
     </p:extLst>
   </p:cSld>
@@ -1244,7 +1244,7 @@
           <p:cNvPr id="2" name="Title 1">
             <a:extLst>
               <a:ext uri="{FF2B5EF4-FFF2-40B4-BE49-F238E27FC236}">
-                <a16:creationId xmlns:a16="http://schemas.microsoft.com/office/drawing/2014/main" id="{FCA1ED30-DC64-CBFA-2CFB-220C13A7A89E}"/>
+                <a16:creationId xmlns:a16="http://schemas.microsoft.com/office/drawing/2014/main" id="{CD4139D4-5492-9B96-5214-2EB02666E5C3}"/>
               </a:ext>
             </a:extLst>
           </p:cNvPr>
@@ -1272,7 +1272,7 @@
           <p:cNvPr id="3" name="Content Placeholder 2">
             <a:extLst>
               <a:ext uri="{FF2B5EF4-FFF2-40B4-BE49-F238E27FC236}">
-                <a16:creationId xmlns:a16="http://schemas.microsoft.com/office/drawing/2014/main" id="{C87ECA42-DA10-F30E-12FB-2302F28AD614}"/>
+                <a16:creationId xmlns:a16="http://schemas.microsoft.com/office/drawing/2014/main" id="{2A342139-00C9-AD5E-60C4-84612D7FAF20}"/>
               </a:ext>
             </a:extLst>
           </p:cNvPr>
@@ -1334,7 +1334,7 @@
           <p:cNvPr id="4" name="Content Placeholder 3">
             <a:extLst>
               <a:ext uri="{FF2B5EF4-FFF2-40B4-BE49-F238E27FC236}">
-                <a16:creationId xmlns:a16="http://schemas.microsoft.com/office/drawing/2014/main" id="{4C4B903E-D3F3-1F79-2DD4-79C6F8E0D16D}"/>
+                <a16:creationId xmlns:a16="http://schemas.microsoft.com/office/drawing/2014/main" id="{F45ADE2C-A78A-F430-C16F-B1799290435F}"/>
               </a:ext>
             </a:extLst>
           </p:cNvPr>
@@ -1396,7 +1396,7 @@
           <p:cNvPr id="5" name="Date Placeholder 4">
             <a:extLst>
               <a:ext uri="{FF2B5EF4-FFF2-40B4-BE49-F238E27FC236}">
-                <a16:creationId xmlns:a16="http://schemas.microsoft.com/office/drawing/2014/main" id="{DCFF5A4C-0159-ED19-E341-BCFE0A040611}"/>
+                <a16:creationId xmlns:a16="http://schemas.microsoft.com/office/drawing/2014/main" id="{0B781BB0-1568-3BCE-E0B1-E5E14151EACD}"/>
               </a:ext>
             </a:extLst>
           </p:cNvPr>
@@ -1412,9 +1412,9 @@
           <a:bodyPr/>
           <a:lstStyle/>
           <a:p>
-            <a:fld id="{0EFAFC6A-8B17-4208-8D8C-953AF2F1E908}" type="datetimeFigureOut">
+            <a:fld id="{54187281-CABB-47B8-B974-9811165748F6}" type="datetimeFigureOut">
               <a:rPr lang="en-US" smtClean="0"/>
-              <a:t>4/20/2024</a:t>
+              <a:t>5/15/2024</a:t>
             </a:fld>
             <a:endParaRPr lang="en-US"/>
           </a:p>
@@ -1425,7 +1425,7 @@
           <p:cNvPr id="6" name="Footer Placeholder 5">
             <a:extLst>
               <a:ext uri="{FF2B5EF4-FFF2-40B4-BE49-F238E27FC236}">
-                <a16:creationId xmlns:a16="http://schemas.microsoft.com/office/drawing/2014/main" id="{666EA640-E4C5-A83A-D250-3F471843FEF5}"/>
+                <a16:creationId xmlns:a16="http://schemas.microsoft.com/office/drawing/2014/main" id="{6F15A280-737A-0F86-2AE1-26C973DCB57B}"/>
               </a:ext>
             </a:extLst>
           </p:cNvPr>
@@ -1450,7 +1450,7 @@
           <p:cNvPr id="7" name="Slide Number Placeholder 6">
             <a:extLst>
               <a:ext uri="{FF2B5EF4-FFF2-40B4-BE49-F238E27FC236}">
-                <a16:creationId xmlns:a16="http://schemas.microsoft.com/office/drawing/2014/main" id="{7724049D-59C2-9931-628E-AD27B63B5CFA}"/>
+                <a16:creationId xmlns:a16="http://schemas.microsoft.com/office/drawing/2014/main" id="{9A472D2C-ACCE-756B-1014-2B55E5378C2E}"/>
               </a:ext>
             </a:extLst>
           </p:cNvPr>
@@ -1466,7 +1466,7 @@
           <a:bodyPr/>
           <a:lstStyle/>
           <a:p>
-            <a:fld id="{65949EF0-23F9-4480-A2A0-C247EB32956B}" type="slidenum">
+            <a:fld id="{E4F858D2-81FB-4138-9103-2188B07D997D}" type="slidenum">
               <a:rPr lang="en-US" smtClean="0"/>
               <a:t>‹#›</a:t>
             </a:fld>
@@ -1477,7 +1477,7 @@
     </p:spTree>
     <p:extLst>
       <p:ext uri="{BB962C8B-B14F-4D97-AF65-F5344CB8AC3E}">
-        <p14:creationId xmlns:p14="http://schemas.microsoft.com/office/powerpoint/2010/main" val="4118836436"/>
+        <p14:creationId xmlns:p14="http://schemas.microsoft.com/office/powerpoint/2010/main" val="244299078"/>
       </p:ext>
     </p:extLst>
   </p:cSld>
@@ -1509,7 +1509,7 @@
           <p:cNvPr id="2" name="Title 1">
             <a:extLst>
               <a:ext uri="{FF2B5EF4-FFF2-40B4-BE49-F238E27FC236}">
-                <a16:creationId xmlns:a16="http://schemas.microsoft.com/office/drawing/2014/main" id="{DD4E32D8-4E76-E21E-5E3C-0C4075BA6DA3}"/>
+                <a16:creationId xmlns:a16="http://schemas.microsoft.com/office/drawing/2014/main" id="{2ECA482A-A627-2D26-B91C-B41E8FC7EA9B}"/>
               </a:ext>
             </a:extLst>
           </p:cNvPr>
@@ -1542,7 +1542,7 @@
           <p:cNvPr id="3" name="Text Placeholder 2">
             <a:extLst>
               <a:ext uri="{FF2B5EF4-FFF2-40B4-BE49-F238E27FC236}">
-                <a16:creationId xmlns:a16="http://schemas.microsoft.com/office/drawing/2014/main" id="{64E214DB-FBEC-4F8E-50BB-1A00B4E45602}"/>
+                <a16:creationId xmlns:a16="http://schemas.microsoft.com/office/drawing/2014/main" id="{C3C75796-51D6-FBE4-E897-7FBCB4DC4BB5}"/>
               </a:ext>
             </a:extLst>
           </p:cNvPr>
@@ -1613,7 +1613,7 @@
           <p:cNvPr id="4" name="Content Placeholder 3">
             <a:extLst>
               <a:ext uri="{FF2B5EF4-FFF2-40B4-BE49-F238E27FC236}">
-                <a16:creationId xmlns:a16="http://schemas.microsoft.com/office/drawing/2014/main" id="{66C6A246-9556-6233-ADEA-3FD68310D822}"/>
+                <a16:creationId xmlns:a16="http://schemas.microsoft.com/office/drawing/2014/main" id="{1084EA5F-54CA-7E85-56F2-E0112C1F9687}"/>
               </a:ext>
             </a:extLst>
           </p:cNvPr>
@@ -1675,7 +1675,7 @@
           <p:cNvPr id="5" name="Text Placeholder 4">
             <a:extLst>
               <a:ext uri="{FF2B5EF4-FFF2-40B4-BE49-F238E27FC236}">
-                <a16:creationId xmlns:a16="http://schemas.microsoft.com/office/drawing/2014/main" id="{A3D6E948-0CE3-EFD2-AACD-6F1394B5EF16}"/>
+                <a16:creationId xmlns:a16="http://schemas.microsoft.com/office/drawing/2014/main" id="{1FAE3C6A-F597-BF35-FEF1-B8ADAB49D450}"/>
               </a:ext>
             </a:extLst>
           </p:cNvPr>
@@ -1746,7 +1746,7 @@
           <p:cNvPr id="6" name="Content Placeholder 5">
             <a:extLst>
               <a:ext uri="{FF2B5EF4-FFF2-40B4-BE49-F238E27FC236}">
-                <a16:creationId xmlns:a16="http://schemas.microsoft.com/office/drawing/2014/main" id="{55965BF9-5ABF-0EDA-D4CA-5D3CAA14F793}"/>
+                <a16:creationId xmlns:a16="http://schemas.microsoft.com/office/drawing/2014/main" id="{61BAAF68-C96E-D18D-57EC-7ED303FC771A}"/>
               </a:ext>
             </a:extLst>
           </p:cNvPr>
@@ -1808,7 +1808,7 @@
           <p:cNvPr id="7" name="Date Placeholder 6">
             <a:extLst>
               <a:ext uri="{FF2B5EF4-FFF2-40B4-BE49-F238E27FC236}">
-                <a16:creationId xmlns:a16="http://schemas.microsoft.com/office/drawing/2014/main" id="{138222B7-47EB-8560-11DC-598D7103EDF5}"/>
+                <a16:creationId xmlns:a16="http://schemas.microsoft.com/office/drawing/2014/main" id="{9A29BC6A-359F-C3DD-0E48-EF5B99DCA49E}"/>
               </a:ext>
             </a:extLst>
           </p:cNvPr>
@@ -1824,9 +1824,9 @@
           <a:bodyPr/>
           <a:lstStyle/>
           <a:p>
-            <a:fld id="{0EFAFC6A-8B17-4208-8D8C-953AF2F1E908}" type="datetimeFigureOut">
+            <a:fld id="{54187281-CABB-47B8-B974-9811165748F6}" type="datetimeFigureOut">
               <a:rPr lang="en-US" smtClean="0"/>
-              <a:t>4/20/2024</a:t>
+              <a:t>5/15/2024</a:t>
             </a:fld>
             <a:endParaRPr lang="en-US"/>
           </a:p>
@@ -1837,7 +1837,7 @@
           <p:cNvPr id="8" name="Footer Placeholder 7">
             <a:extLst>
               <a:ext uri="{FF2B5EF4-FFF2-40B4-BE49-F238E27FC236}">
-                <a16:creationId xmlns:a16="http://schemas.microsoft.com/office/drawing/2014/main" id="{3A5E4578-76DA-7F49-8250-EE7BA09695CF}"/>
+                <a16:creationId xmlns:a16="http://schemas.microsoft.com/office/drawing/2014/main" id="{4BC86ADE-C64C-BE9C-36E4-7ECB67CCC5C7}"/>
               </a:ext>
             </a:extLst>
           </p:cNvPr>
@@ -1862,7 +1862,7 @@
           <p:cNvPr id="9" name="Slide Number Placeholder 8">
             <a:extLst>
               <a:ext uri="{FF2B5EF4-FFF2-40B4-BE49-F238E27FC236}">
-                <a16:creationId xmlns:a16="http://schemas.microsoft.com/office/drawing/2014/main" id="{61099563-8F4A-FCC4-09C2-839C3675F045}"/>
+                <a16:creationId xmlns:a16="http://schemas.microsoft.com/office/drawing/2014/main" id="{DE45906F-782C-772D-D91D-EE613809B3D6}"/>
               </a:ext>
             </a:extLst>
           </p:cNvPr>
@@ -1878,7 +1878,7 @@
           <a:bodyPr/>
           <a:lstStyle/>
           <a:p>
-            <a:fld id="{65949EF0-23F9-4480-A2A0-C247EB32956B}" type="slidenum">
+            <a:fld id="{E4F858D2-81FB-4138-9103-2188B07D997D}" type="slidenum">
               <a:rPr lang="en-US" smtClean="0"/>
               <a:t>‹#›</a:t>
             </a:fld>
@@ -1889,7 +1889,7 @@
     </p:spTree>
     <p:extLst>
       <p:ext uri="{BB962C8B-B14F-4D97-AF65-F5344CB8AC3E}">
-        <p14:creationId xmlns:p14="http://schemas.microsoft.com/office/powerpoint/2010/main" val="3630400445"/>
+        <p14:creationId xmlns:p14="http://schemas.microsoft.com/office/powerpoint/2010/main" val="1610211870"/>
       </p:ext>
     </p:extLst>
   </p:cSld>
@@ -1921,7 +1921,7 @@
           <p:cNvPr id="2" name="Title 1">
             <a:extLst>
               <a:ext uri="{FF2B5EF4-FFF2-40B4-BE49-F238E27FC236}">
-                <a16:creationId xmlns:a16="http://schemas.microsoft.com/office/drawing/2014/main" id="{B56D2AAE-2875-4723-0BC7-E6217E5C6FB0}"/>
+                <a16:creationId xmlns:a16="http://schemas.microsoft.com/office/drawing/2014/main" id="{F2CCB858-FC1A-A77A-2D3D-88E4C5835F87}"/>
               </a:ext>
             </a:extLst>
           </p:cNvPr>
@@ -1949,7 +1949,7 @@
           <p:cNvPr id="3" name="Date Placeholder 2">
             <a:extLst>
               <a:ext uri="{FF2B5EF4-FFF2-40B4-BE49-F238E27FC236}">
-                <a16:creationId xmlns:a16="http://schemas.microsoft.com/office/drawing/2014/main" id="{3945BABD-38E0-3D29-398B-DD639F61A12A}"/>
+                <a16:creationId xmlns:a16="http://schemas.microsoft.com/office/drawing/2014/main" id="{8A11A93F-58E8-0F73-C20D-FD4CA8F54431}"/>
               </a:ext>
             </a:extLst>
           </p:cNvPr>
@@ -1965,9 +1965,9 @@
           <a:bodyPr/>
           <a:lstStyle/>
           <a:p>
-            <a:fld id="{0EFAFC6A-8B17-4208-8D8C-953AF2F1E908}" type="datetimeFigureOut">
+            <a:fld id="{54187281-CABB-47B8-B974-9811165748F6}" type="datetimeFigureOut">
               <a:rPr lang="en-US" smtClean="0"/>
-              <a:t>4/20/2024</a:t>
+              <a:t>5/15/2024</a:t>
             </a:fld>
             <a:endParaRPr lang="en-US"/>
           </a:p>
@@ -1978,7 +1978,7 @@
           <p:cNvPr id="4" name="Footer Placeholder 3">
             <a:extLst>
               <a:ext uri="{FF2B5EF4-FFF2-40B4-BE49-F238E27FC236}">
-                <a16:creationId xmlns:a16="http://schemas.microsoft.com/office/drawing/2014/main" id="{E13935F0-860F-A922-2049-B4D6ED08B7D5}"/>
+                <a16:creationId xmlns:a16="http://schemas.microsoft.com/office/drawing/2014/main" id="{425240B2-7523-5A6A-A24F-158EE6EAAD42}"/>
               </a:ext>
             </a:extLst>
           </p:cNvPr>
@@ -2003,7 +2003,7 @@
           <p:cNvPr id="5" name="Slide Number Placeholder 4">
             <a:extLst>
               <a:ext uri="{FF2B5EF4-FFF2-40B4-BE49-F238E27FC236}">
-                <a16:creationId xmlns:a16="http://schemas.microsoft.com/office/drawing/2014/main" id="{EB1A5C91-B731-127F-2395-7A98AE58D1D1}"/>
+                <a16:creationId xmlns:a16="http://schemas.microsoft.com/office/drawing/2014/main" id="{200ECD42-DE52-63D2-095C-AAAE7012CFCF}"/>
               </a:ext>
             </a:extLst>
           </p:cNvPr>
@@ -2019,7 +2019,7 @@
           <a:bodyPr/>
           <a:lstStyle/>
           <a:p>
-            <a:fld id="{65949EF0-23F9-4480-A2A0-C247EB32956B}" type="slidenum">
+            <a:fld id="{E4F858D2-81FB-4138-9103-2188B07D997D}" type="slidenum">
               <a:rPr lang="en-US" smtClean="0"/>
               <a:t>‹#›</a:t>
             </a:fld>
@@ -2030,7 +2030,7 @@
     </p:spTree>
     <p:extLst>
       <p:ext uri="{BB962C8B-B14F-4D97-AF65-F5344CB8AC3E}">
-        <p14:creationId xmlns:p14="http://schemas.microsoft.com/office/powerpoint/2010/main" val="314311427"/>
+        <p14:creationId xmlns:p14="http://schemas.microsoft.com/office/powerpoint/2010/main" val="699426847"/>
       </p:ext>
     </p:extLst>
   </p:cSld>
@@ -2062,7 +2062,7 @@
           <p:cNvPr id="2" name="Date Placeholder 1">
             <a:extLst>
               <a:ext uri="{FF2B5EF4-FFF2-40B4-BE49-F238E27FC236}">
-                <a16:creationId xmlns:a16="http://schemas.microsoft.com/office/drawing/2014/main" id="{726123DF-FE32-C681-4FD9-50312AB97C39}"/>
+                <a16:creationId xmlns:a16="http://schemas.microsoft.com/office/drawing/2014/main" id="{BBD9C625-57FB-8F17-DBED-CDA55749B838}"/>
               </a:ext>
             </a:extLst>
           </p:cNvPr>
@@ -2078,9 +2078,9 @@
           <a:bodyPr/>
           <a:lstStyle/>
           <a:p>
-            <a:fld id="{0EFAFC6A-8B17-4208-8D8C-953AF2F1E908}" type="datetimeFigureOut">
+            <a:fld id="{54187281-CABB-47B8-B974-9811165748F6}" type="datetimeFigureOut">
               <a:rPr lang="en-US" smtClean="0"/>
-              <a:t>4/20/2024</a:t>
+              <a:t>5/15/2024</a:t>
             </a:fld>
             <a:endParaRPr lang="en-US"/>
           </a:p>
@@ -2091,7 +2091,7 @@
           <p:cNvPr id="3" name="Footer Placeholder 2">
             <a:extLst>
               <a:ext uri="{FF2B5EF4-FFF2-40B4-BE49-F238E27FC236}">
-                <a16:creationId xmlns:a16="http://schemas.microsoft.com/office/drawing/2014/main" id="{D7D61862-8BC5-7CC3-79E3-DBB23942F0AB}"/>
+                <a16:creationId xmlns:a16="http://schemas.microsoft.com/office/drawing/2014/main" id="{CA4F2FFC-5B92-FC62-1DAE-95845283A881}"/>
               </a:ext>
             </a:extLst>
           </p:cNvPr>
@@ -2116,7 +2116,7 @@
           <p:cNvPr id="4" name="Slide Number Placeholder 3">
             <a:extLst>
               <a:ext uri="{FF2B5EF4-FFF2-40B4-BE49-F238E27FC236}">
-                <a16:creationId xmlns:a16="http://schemas.microsoft.com/office/drawing/2014/main" id="{C39530E7-0332-A37B-2CD7-4C262EF3B8C8}"/>
+                <a16:creationId xmlns:a16="http://schemas.microsoft.com/office/drawing/2014/main" id="{7F7BC36C-5BA4-BF26-9CCA-2556A48B5A5F}"/>
               </a:ext>
             </a:extLst>
           </p:cNvPr>
@@ -2132,7 +2132,7 @@
           <a:bodyPr/>
           <a:lstStyle/>
           <a:p>
-            <a:fld id="{65949EF0-23F9-4480-A2A0-C247EB32956B}" type="slidenum">
+            <a:fld id="{E4F858D2-81FB-4138-9103-2188B07D997D}" type="slidenum">
               <a:rPr lang="en-US" smtClean="0"/>
               <a:t>‹#›</a:t>
             </a:fld>
@@ -2143,7 +2143,7 @@
     </p:spTree>
     <p:extLst>
       <p:ext uri="{BB962C8B-B14F-4D97-AF65-F5344CB8AC3E}">
-        <p14:creationId xmlns:p14="http://schemas.microsoft.com/office/powerpoint/2010/main" val="3716872869"/>
+        <p14:creationId xmlns:p14="http://schemas.microsoft.com/office/powerpoint/2010/main" val="1905375486"/>
       </p:ext>
     </p:extLst>
   </p:cSld>
@@ -2175,7 +2175,7 @@
           <p:cNvPr id="2" name="Title 1">
             <a:extLst>
               <a:ext uri="{FF2B5EF4-FFF2-40B4-BE49-F238E27FC236}">
-                <a16:creationId xmlns:a16="http://schemas.microsoft.com/office/drawing/2014/main" id="{F773DF9B-C016-7A08-55B7-AE01673159FB}"/>
+                <a16:creationId xmlns:a16="http://schemas.microsoft.com/office/drawing/2014/main" id="{06F7913E-BF2F-35A4-90A0-6244A5CD42FC}"/>
               </a:ext>
             </a:extLst>
           </p:cNvPr>
@@ -2212,7 +2212,7 @@
           <p:cNvPr id="3" name="Content Placeholder 2">
             <a:extLst>
               <a:ext uri="{FF2B5EF4-FFF2-40B4-BE49-F238E27FC236}">
-                <a16:creationId xmlns:a16="http://schemas.microsoft.com/office/drawing/2014/main" id="{BA033D0C-D73F-03DA-06BE-2FAABF85687C}"/>
+                <a16:creationId xmlns:a16="http://schemas.microsoft.com/office/drawing/2014/main" id="{44408EAC-BB84-0C93-4F06-B6AEC1A4F086}"/>
               </a:ext>
             </a:extLst>
           </p:cNvPr>
@@ -2302,7 +2302,7 @@
           <p:cNvPr id="4" name="Text Placeholder 3">
             <a:extLst>
               <a:ext uri="{FF2B5EF4-FFF2-40B4-BE49-F238E27FC236}">
-                <a16:creationId xmlns:a16="http://schemas.microsoft.com/office/drawing/2014/main" id="{63FAE3B3-9391-E1C6-93A7-ACF6B767386E}"/>
+                <a16:creationId xmlns:a16="http://schemas.microsoft.com/office/drawing/2014/main" id="{CF51754C-D356-A7F5-B921-D3126021AA28}"/>
               </a:ext>
             </a:extLst>
           </p:cNvPr>
@@ -2373,7 +2373,7 @@
           <p:cNvPr id="5" name="Date Placeholder 4">
             <a:extLst>
               <a:ext uri="{FF2B5EF4-FFF2-40B4-BE49-F238E27FC236}">
-                <a16:creationId xmlns:a16="http://schemas.microsoft.com/office/drawing/2014/main" id="{A8EE1001-D96F-C72A-A688-A91A7E68E677}"/>
+                <a16:creationId xmlns:a16="http://schemas.microsoft.com/office/drawing/2014/main" id="{86A972DE-72C0-BBB1-A3FF-7F20BFBD020B}"/>
               </a:ext>
             </a:extLst>
           </p:cNvPr>
@@ -2389,9 +2389,9 @@
           <a:bodyPr/>
           <a:lstStyle/>
           <a:p>
-            <a:fld id="{0EFAFC6A-8B17-4208-8D8C-953AF2F1E908}" type="datetimeFigureOut">
+            <a:fld id="{54187281-CABB-47B8-B974-9811165748F6}" type="datetimeFigureOut">
               <a:rPr lang="en-US" smtClean="0"/>
-              <a:t>4/20/2024</a:t>
+              <a:t>5/15/2024</a:t>
             </a:fld>
             <a:endParaRPr lang="en-US"/>
           </a:p>
@@ -2402,7 +2402,7 @@
           <p:cNvPr id="6" name="Footer Placeholder 5">
             <a:extLst>
               <a:ext uri="{FF2B5EF4-FFF2-40B4-BE49-F238E27FC236}">
-                <a16:creationId xmlns:a16="http://schemas.microsoft.com/office/drawing/2014/main" id="{D380B66E-56DC-5D6B-D934-0B88D5F04852}"/>
+                <a16:creationId xmlns:a16="http://schemas.microsoft.com/office/drawing/2014/main" id="{0CE5E08E-37F6-0B0A-F629-8715F6ABEBC6}"/>
               </a:ext>
             </a:extLst>
           </p:cNvPr>
@@ -2427,7 +2427,7 @@
           <p:cNvPr id="7" name="Slide Number Placeholder 6">
             <a:extLst>
               <a:ext uri="{FF2B5EF4-FFF2-40B4-BE49-F238E27FC236}">
-                <a16:creationId xmlns:a16="http://schemas.microsoft.com/office/drawing/2014/main" id="{503AE10E-3658-1294-9A0F-072900B6043F}"/>
+                <a16:creationId xmlns:a16="http://schemas.microsoft.com/office/drawing/2014/main" id="{717822DD-E1D9-E23D-2421-335C0FFD5C1F}"/>
               </a:ext>
             </a:extLst>
           </p:cNvPr>
@@ -2443,7 +2443,7 @@
           <a:bodyPr/>
           <a:lstStyle/>
           <a:p>
-            <a:fld id="{65949EF0-23F9-4480-A2A0-C247EB32956B}" type="slidenum">
+            <a:fld id="{E4F858D2-81FB-4138-9103-2188B07D997D}" type="slidenum">
               <a:rPr lang="en-US" smtClean="0"/>
               <a:t>‹#›</a:t>
             </a:fld>
@@ -2454,7 +2454,7 @@
     </p:spTree>
     <p:extLst>
       <p:ext uri="{BB962C8B-B14F-4D97-AF65-F5344CB8AC3E}">
-        <p14:creationId xmlns:p14="http://schemas.microsoft.com/office/powerpoint/2010/main" val="2335676714"/>
+        <p14:creationId xmlns:p14="http://schemas.microsoft.com/office/powerpoint/2010/main" val="1513827362"/>
       </p:ext>
     </p:extLst>
   </p:cSld>
@@ -2486,7 +2486,7 @@
           <p:cNvPr id="2" name="Title 1">
             <a:extLst>
               <a:ext uri="{FF2B5EF4-FFF2-40B4-BE49-F238E27FC236}">
-                <a16:creationId xmlns:a16="http://schemas.microsoft.com/office/drawing/2014/main" id="{1BD10438-FD25-2C67-9E2E-CC34845C3CED}"/>
+                <a16:creationId xmlns:a16="http://schemas.microsoft.com/office/drawing/2014/main" id="{81EEBE32-B1C0-C8E5-222A-4E487060945B}"/>
               </a:ext>
             </a:extLst>
           </p:cNvPr>
@@ -2523,7 +2523,7 @@
           <p:cNvPr id="3" name="Picture Placeholder 2">
             <a:extLst>
               <a:ext uri="{FF2B5EF4-FFF2-40B4-BE49-F238E27FC236}">
-                <a16:creationId xmlns:a16="http://schemas.microsoft.com/office/drawing/2014/main" id="{AF49ED5E-9FB2-46D4-F5CA-B40709FE57AD}"/>
+                <a16:creationId xmlns:a16="http://schemas.microsoft.com/office/drawing/2014/main" id="{6375911A-1033-A952-83AF-1D17D2833FEB}"/>
               </a:ext>
             </a:extLst>
           </p:cNvPr>
@@ -2590,7 +2590,7 @@
           <p:cNvPr id="4" name="Text Placeholder 3">
             <a:extLst>
               <a:ext uri="{FF2B5EF4-FFF2-40B4-BE49-F238E27FC236}">
-                <a16:creationId xmlns:a16="http://schemas.microsoft.com/office/drawing/2014/main" id="{5EB72F14-9397-DDF3-3A79-2A19CFAE11DE}"/>
+                <a16:creationId xmlns:a16="http://schemas.microsoft.com/office/drawing/2014/main" id="{56510BE6-13B2-FE31-7934-BB08D7FEB20D}"/>
               </a:ext>
             </a:extLst>
           </p:cNvPr>
@@ -2661,7 +2661,7 @@
           <p:cNvPr id="5" name="Date Placeholder 4">
             <a:extLst>
               <a:ext uri="{FF2B5EF4-FFF2-40B4-BE49-F238E27FC236}">
-                <a16:creationId xmlns:a16="http://schemas.microsoft.com/office/drawing/2014/main" id="{AF4C3E08-CA30-8080-1833-953B2A536DD6}"/>
+                <a16:creationId xmlns:a16="http://schemas.microsoft.com/office/drawing/2014/main" id="{D38BEABF-D2D1-3365-76AC-037DB2665F88}"/>
               </a:ext>
             </a:extLst>
           </p:cNvPr>
@@ -2677,9 +2677,9 @@
           <a:bodyPr/>
           <a:lstStyle/>
           <a:p>
-            <a:fld id="{0EFAFC6A-8B17-4208-8D8C-953AF2F1E908}" type="datetimeFigureOut">
+            <a:fld id="{54187281-CABB-47B8-B974-9811165748F6}" type="datetimeFigureOut">
               <a:rPr lang="en-US" smtClean="0"/>
-              <a:t>4/20/2024</a:t>
+              <a:t>5/15/2024</a:t>
             </a:fld>
             <a:endParaRPr lang="en-US"/>
           </a:p>
@@ -2690,7 +2690,7 @@
           <p:cNvPr id="6" name="Footer Placeholder 5">
             <a:extLst>
               <a:ext uri="{FF2B5EF4-FFF2-40B4-BE49-F238E27FC236}">
-                <a16:creationId xmlns:a16="http://schemas.microsoft.com/office/drawing/2014/main" id="{747BD10A-44E3-FD56-B3AC-1C35F814FC5A}"/>
+                <a16:creationId xmlns:a16="http://schemas.microsoft.com/office/drawing/2014/main" id="{FD9E5A65-A641-48F5-1B4D-6D3F35E46EDC}"/>
               </a:ext>
             </a:extLst>
           </p:cNvPr>
@@ -2715,7 +2715,7 @@
           <p:cNvPr id="7" name="Slide Number Placeholder 6">
             <a:extLst>
               <a:ext uri="{FF2B5EF4-FFF2-40B4-BE49-F238E27FC236}">
-                <a16:creationId xmlns:a16="http://schemas.microsoft.com/office/drawing/2014/main" id="{D14E9596-CF5D-5482-8380-6042AA1F50F3}"/>
+                <a16:creationId xmlns:a16="http://schemas.microsoft.com/office/drawing/2014/main" id="{5B0D124C-2D36-F534-4D83-1D60C78ABF0C}"/>
               </a:ext>
             </a:extLst>
           </p:cNvPr>
@@ -2731,7 +2731,7 @@
           <a:bodyPr/>
           <a:lstStyle/>
           <a:p>
-            <a:fld id="{65949EF0-23F9-4480-A2A0-C247EB32956B}" type="slidenum">
+            <a:fld id="{E4F858D2-81FB-4138-9103-2188B07D997D}" type="slidenum">
               <a:rPr lang="en-US" smtClean="0"/>
               <a:t>‹#›</a:t>
             </a:fld>
@@ -2742,7 +2742,7 @@
     </p:spTree>
     <p:extLst>
       <p:ext uri="{BB962C8B-B14F-4D97-AF65-F5344CB8AC3E}">
-        <p14:creationId xmlns:p14="http://schemas.microsoft.com/office/powerpoint/2010/main" val="822564900"/>
+        <p14:creationId xmlns:p14="http://schemas.microsoft.com/office/powerpoint/2010/main" val="2259038519"/>
       </p:ext>
     </p:extLst>
   </p:cSld>
@@ -2779,7 +2779,7 @@
           <p:cNvPr id="2" name="Title Placeholder 1">
             <a:extLst>
               <a:ext uri="{FF2B5EF4-FFF2-40B4-BE49-F238E27FC236}">
-                <a16:creationId xmlns:a16="http://schemas.microsoft.com/office/drawing/2014/main" id="{2FBDB594-FB75-E494-1F28-7C4BCC61B409}"/>
+                <a16:creationId xmlns:a16="http://schemas.microsoft.com/office/drawing/2014/main" id="{584E73F1-B7AA-43E7-A37C-ACCA404A6007}"/>
               </a:ext>
             </a:extLst>
           </p:cNvPr>
@@ -2817,7 +2817,7 @@
           <p:cNvPr id="3" name="Text Placeholder 2">
             <a:extLst>
               <a:ext uri="{FF2B5EF4-FFF2-40B4-BE49-F238E27FC236}">
-                <a16:creationId xmlns:a16="http://schemas.microsoft.com/office/drawing/2014/main" id="{C5012B50-C1DC-AE8D-CDD4-162AB483E614}"/>
+                <a16:creationId xmlns:a16="http://schemas.microsoft.com/office/drawing/2014/main" id="{BE2BAC9E-6AA2-E656-057B-37DFCD0820B6}"/>
               </a:ext>
             </a:extLst>
           </p:cNvPr>
@@ -2884,7 +2884,7 @@
           <p:cNvPr id="4" name="Date Placeholder 3">
             <a:extLst>
               <a:ext uri="{FF2B5EF4-FFF2-40B4-BE49-F238E27FC236}">
-                <a16:creationId xmlns:a16="http://schemas.microsoft.com/office/drawing/2014/main" id="{0C469BDA-B740-65B7-E37B-62B0A22A6A33}"/>
+                <a16:creationId xmlns:a16="http://schemas.microsoft.com/office/drawing/2014/main" id="{B2E98E30-14FD-D9A7-7A6C-FE23CD7A3F91}"/>
               </a:ext>
             </a:extLst>
           </p:cNvPr>
@@ -2918,9 +2918,9 @@
             </a:lvl1pPr>
           </a:lstStyle>
           <a:p>
-            <a:fld id="{0EFAFC6A-8B17-4208-8D8C-953AF2F1E908}" type="datetimeFigureOut">
+            <a:fld id="{54187281-CABB-47B8-B974-9811165748F6}" type="datetimeFigureOut">
               <a:rPr lang="en-US" smtClean="0"/>
-              <a:t>4/20/2024</a:t>
+              <a:t>5/15/2024</a:t>
             </a:fld>
             <a:endParaRPr lang="en-US"/>
           </a:p>
@@ -2931,7 +2931,7 @@
           <p:cNvPr id="5" name="Footer Placeholder 4">
             <a:extLst>
               <a:ext uri="{FF2B5EF4-FFF2-40B4-BE49-F238E27FC236}">
-                <a16:creationId xmlns:a16="http://schemas.microsoft.com/office/drawing/2014/main" id="{8726889A-2D05-B730-1576-17668B1C1C2F}"/>
+                <a16:creationId xmlns:a16="http://schemas.microsoft.com/office/drawing/2014/main" id="{A80F6AFC-228C-CF80-BEDF-8F901B640A98}"/>
               </a:ext>
             </a:extLst>
           </p:cNvPr>
@@ -2974,7 +2974,7 @@
           <p:cNvPr id="6" name="Slide Number Placeholder 5">
             <a:extLst>
               <a:ext uri="{FF2B5EF4-FFF2-40B4-BE49-F238E27FC236}">
-                <a16:creationId xmlns:a16="http://schemas.microsoft.com/office/drawing/2014/main" id="{2617252B-CA38-CD14-45CD-CA0198C228B3}"/>
+                <a16:creationId xmlns:a16="http://schemas.microsoft.com/office/drawing/2014/main" id="{A0672C10-2FAE-6621-7F66-6C4E2A9F5C82}"/>
               </a:ext>
             </a:extLst>
           </p:cNvPr>
@@ -3008,7 +3008,7 @@
             </a:lvl1pPr>
           </a:lstStyle>
           <a:p>
-            <a:fld id="{65949EF0-23F9-4480-A2A0-C247EB32956B}" type="slidenum">
+            <a:fld id="{E4F858D2-81FB-4138-9103-2188B07D997D}" type="slidenum">
               <a:rPr lang="en-US" smtClean="0"/>
               <a:t>‹#›</a:t>
             </a:fld>
@@ -3019,7 +3019,7 @@
     </p:spTree>
     <p:extLst>
       <p:ext uri="{BB962C8B-B14F-4D97-AF65-F5344CB8AC3E}">
-        <p14:creationId xmlns:p14="http://schemas.microsoft.com/office/powerpoint/2010/main" val="3911199178"/>
+        <p14:creationId xmlns:p14="http://schemas.microsoft.com/office/powerpoint/2010/main" val="690258398"/>
       </p:ext>
     </p:extLst>
   </p:cSld>
@@ -3388,6 +3388,19 @@
         <p:txBody>
           <a:bodyPr/>
           <a:lstStyle/>
+          <a:p>
+            <a:r>
+              <a:rPr lang="th-TH" dirty="0">
+                <a:latin typeface="TH SarabunPSK" panose="020B0500040200020003" pitchFamily="34" charset="-34"/>
+                <a:cs typeface="TH SarabunPSK" panose="020B0500040200020003" pitchFamily="34" charset="-34"/>
+              </a:rPr>
+              <a:t>บทที่ 2 ตัวแปรและโครงสร้างข้อมูลของภาษาไพธอน</a:t>
+            </a:r>
+            <a:endParaRPr lang="en-US" dirty="0">
+              <a:latin typeface="TH SarabunPSK" panose="020B0500040200020003" pitchFamily="34" charset="-34"/>
+              <a:cs typeface="TH SarabunPSK" panose="020B0500040200020003" pitchFamily="34" charset="-34"/>
+            </a:endParaRPr>
+          </a:p>
           <a:p>
             <a:r>
               <a:rPr lang="en-US" dirty="0">

--- a/PPT/Class period 1.pptx
+++ b/PPT/Class period 1.pptx
@@ -120,6 +120,11 @@
       </a:defRPr>
     </a:lvl9pPr>
   </p:defaultTextStyle>
+  <p:extLst>
+    <p:ext uri="{EFAFB233-063F-42B5-8137-9DF3F51BA10A}">
+      <p15:sldGuideLst xmlns:p15="http://schemas.microsoft.com/office/powerpoint/2012/main"/>
+    </p:ext>
+  </p:extLst>
 </p:presentation>
 </file>
 
@@ -270,7 +275,7 @@
           <a:p>
             <a:fld id="{54187281-CABB-47B8-B974-9811165748F6}" type="datetimeFigureOut">
               <a:rPr lang="en-US" smtClean="0"/>
-              <a:t>5/15/2024</a:t>
+              <a:t>6/17/2024</a:t>
             </a:fld>
             <a:endParaRPr lang="en-US"/>
           </a:p>
@@ -468,7 +473,7 @@
           <a:p>
             <a:fld id="{54187281-CABB-47B8-B974-9811165748F6}" type="datetimeFigureOut">
               <a:rPr lang="en-US" smtClean="0"/>
-              <a:t>5/15/2024</a:t>
+              <a:t>6/17/2024</a:t>
             </a:fld>
             <a:endParaRPr lang="en-US"/>
           </a:p>
@@ -676,7 +681,7 @@
           <a:p>
             <a:fld id="{54187281-CABB-47B8-B974-9811165748F6}" type="datetimeFigureOut">
               <a:rPr lang="en-US" smtClean="0"/>
-              <a:t>5/15/2024</a:t>
+              <a:t>6/17/2024</a:t>
             </a:fld>
             <a:endParaRPr lang="en-US"/>
           </a:p>
@@ -874,7 +879,7 @@
           <a:p>
             <a:fld id="{54187281-CABB-47B8-B974-9811165748F6}" type="datetimeFigureOut">
               <a:rPr lang="en-US" smtClean="0"/>
-              <a:t>5/15/2024</a:t>
+              <a:t>6/17/2024</a:t>
             </a:fld>
             <a:endParaRPr lang="en-US"/>
           </a:p>
@@ -1149,7 +1154,7 @@
           <a:p>
             <a:fld id="{54187281-CABB-47B8-B974-9811165748F6}" type="datetimeFigureOut">
               <a:rPr lang="en-US" smtClean="0"/>
-              <a:t>5/15/2024</a:t>
+              <a:t>6/17/2024</a:t>
             </a:fld>
             <a:endParaRPr lang="en-US"/>
           </a:p>
@@ -1414,7 +1419,7 @@
           <a:p>
             <a:fld id="{54187281-CABB-47B8-B974-9811165748F6}" type="datetimeFigureOut">
               <a:rPr lang="en-US" smtClean="0"/>
-              <a:t>5/15/2024</a:t>
+              <a:t>6/17/2024</a:t>
             </a:fld>
             <a:endParaRPr lang="en-US"/>
           </a:p>
@@ -1826,7 +1831,7 @@
           <a:p>
             <a:fld id="{54187281-CABB-47B8-B974-9811165748F6}" type="datetimeFigureOut">
               <a:rPr lang="en-US" smtClean="0"/>
-              <a:t>5/15/2024</a:t>
+              <a:t>6/17/2024</a:t>
             </a:fld>
             <a:endParaRPr lang="en-US"/>
           </a:p>
@@ -1967,7 +1972,7 @@
           <a:p>
             <a:fld id="{54187281-CABB-47B8-B974-9811165748F6}" type="datetimeFigureOut">
               <a:rPr lang="en-US" smtClean="0"/>
-              <a:t>5/15/2024</a:t>
+              <a:t>6/17/2024</a:t>
             </a:fld>
             <a:endParaRPr lang="en-US"/>
           </a:p>
@@ -2080,7 +2085,7 @@
           <a:p>
             <a:fld id="{54187281-CABB-47B8-B974-9811165748F6}" type="datetimeFigureOut">
               <a:rPr lang="en-US" smtClean="0"/>
-              <a:t>5/15/2024</a:t>
+              <a:t>6/17/2024</a:t>
             </a:fld>
             <a:endParaRPr lang="en-US"/>
           </a:p>
@@ -2391,7 +2396,7 @@
           <a:p>
             <a:fld id="{54187281-CABB-47B8-B974-9811165748F6}" type="datetimeFigureOut">
               <a:rPr lang="en-US" smtClean="0"/>
-              <a:t>5/15/2024</a:t>
+              <a:t>6/17/2024</a:t>
             </a:fld>
             <a:endParaRPr lang="en-US"/>
           </a:p>
@@ -2679,7 +2684,7 @@
           <a:p>
             <a:fld id="{54187281-CABB-47B8-B974-9811165748F6}" type="datetimeFigureOut">
               <a:rPr lang="en-US" smtClean="0"/>
-              <a:t>5/15/2024</a:t>
+              <a:t>6/17/2024</a:t>
             </a:fld>
             <a:endParaRPr lang="en-US"/>
           </a:p>
@@ -2920,7 +2925,7 @@
           <a:p>
             <a:fld id="{54187281-CABB-47B8-B974-9811165748F6}" type="datetimeFigureOut">
               <a:rPr lang="en-US" smtClean="0"/>
-              <a:t>5/15/2024</a:t>
+              <a:t>6/17/2024</a:t>
             </a:fld>
             <a:endParaRPr lang="en-US"/>
           </a:p>
@@ -3569,6 +3574,252 @@
           </a:prstGeom>
         </p:spPr>
       </p:pic>
+      <p:sp>
+        <p:nvSpPr>
+          <p:cNvPr id="7" name="Content Placeholder 2">
+            <a:extLst>
+              <a:ext uri="{FF2B5EF4-FFF2-40B4-BE49-F238E27FC236}">
+                <a16:creationId xmlns:a16="http://schemas.microsoft.com/office/drawing/2014/main" id="{87F54018-CB15-5B77-4476-3B57A6E66595}"/>
+              </a:ext>
+            </a:extLst>
+          </p:cNvPr>
+          <p:cNvSpPr txBox="1">
+            <a:spLocks/>
+          </p:cNvSpPr>
+          <p:nvPr/>
+        </p:nvSpPr>
+        <p:spPr>
+          <a:xfrm>
+            <a:off x="177800" y="6233751"/>
+            <a:ext cx="5410200" cy="414367"/>
+          </a:xfrm>
+          <a:prstGeom prst="rect">
+            <a:avLst/>
+          </a:prstGeom>
+        </p:spPr>
+        <p:txBody>
+          <a:bodyPr vert="horz" lIns="91440" tIns="45720" rIns="91440" bIns="45720" rtlCol="0">
+            <a:normAutofit lnSpcReduction="10000"/>
+          </a:bodyPr>
+          <a:lstStyle>
+            <a:lvl1pPr marL="0" indent="0" algn="ctr" defTabSz="914400" rtl="0" eaLnBrk="1" latinLnBrk="0" hangingPunct="1">
+              <a:lnSpc>
+                <a:spcPct val="90000"/>
+              </a:lnSpc>
+              <a:spcBef>
+                <a:spcPts val="1000"/>
+              </a:spcBef>
+              <a:buFont typeface="Arial" panose="020B0604020202020204" pitchFamily="34" charset="0"/>
+              <a:buNone/>
+              <a:defRPr sz="2400" kern="1200">
+                <a:solidFill>
+                  <a:schemeClr val="tx1"/>
+                </a:solidFill>
+                <a:latin typeface="+mn-lt"/>
+                <a:ea typeface="+mn-ea"/>
+                <a:cs typeface="+mn-cs"/>
+              </a:defRPr>
+            </a:lvl1pPr>
+            <a:lvl2pPr marL="457200" indent="0" algn="ctr" defTabSz="914400" rtl="0" eaLnBrk="1" latinLnBrk="0" hangingPunct="1">
+              <a:lnSpc>
+                <a:spcPct val="90000"/>
+              </a:lnSpc>
+              <a:spcBef>
+                <a:spcPts val="500"/>
+              </a:spcBef>
+              <a:buFont typeface="Arial" panose="020B0604020202020204" pitchFamily="34" charset="0"/>
+              <a:buNone/>
+              <a:defRPr sz="2000" kern="1200">
+                <a:solidFill>
+                  <a:schemeClr val="tx1"/>
+                </a:solidFill>
+                <a:latin typeface="+mn-lt"/>
+                <a:ea typeface="+mn-ea"/>
+                <a:cs typeface="+mn-cs"/>
+              </a:defRPr>
+            </a:lvl2pPr>
+            <a:lvl3pPr marL="914400" indent="0" algn="ctr" defTabSz="914400" rtl="0" eaLnBrk="1" latinLnBrk="0" hangingPunct="1">
+              <a:lnSpc>
+                <a:spcPct val="90000"/>
+              </a:lnSpc>
+              <a:spcBef>
+                <a:spcPts val="500"/>
+              </a:spcBef>
+              <a:buFont typeface="Arial" panose="020B0604020202020204" pitchFamily="34" charset="0"/>
+              <a:buNone/>
+              <a:defRPr sz="1800" kern="1200">
+                <a:solidFill>
+                  <a:schemeClr val="tx1"/>
+                </a:solidFill>
+                <a:latin typeface="+mn-lt"/>
+                <a:ea typeface="+mn-ea"/>
+                <a:cs typeface="+mn-cs"/>
+              </a:defRPr>
+            </a:lvl3pPr>
+            <a:lvl4pPr marL="1371600" indent="0" algn="ctr" defTabSz="914400" rtl="0" eaLnBrk="1" latinLnBrk="0" hangingPunct="1">
+              <a:lnSpc>
+                <a:spcPct val="90000"/>
+              </a:lnSpc>
+              <a:spcBef>
+                <a:spcPts val="500"/>
+              </a:spcBef>
+              <a:buFont typeface="Arial" panose="020B0604020202020204" pitchFamily="34" charset="0"/>
+              <a:buNone/>
+              <a:defRPr sz="1600" kern="1200">
+                <a:solidFill>
+                  <a:schemeClr val="tx1"/>
+                </a:solidFill>
+                <a:latin typeface="+mn-lt"/>
+                <a:ea typeface="+mn-ea"/>
+                <a:cs typeface="+mn-cs"/>
+              </a:defRPr>
+            </a:lvl4pPr>
+            <a:lvl5pPr marL="1828800" indent="0" algn="ctr" defTabSz="914400" rtl="0" eaLnBrk="1" latinLnBrk="0" hangingPunct="1">
+              <a:lnSpc>
+                <a:spcPct val="90000"/>
+              </a:lnSpc>
+              <a:spcBef>
+                <a:spcPts val="500"/>
+              </a:spcBef>
+              <a:buFont typeface="Arial" panose="020B0604020202020204" pitchFamily="34" charset="0"/>
+              <a:buNone/>
+              <a:defRPr sz="1600" kern="1200">
+                <a:solidFill>
+                  <a:schemeClr val="tx1"/>
+                </a:solidFill>
+                <a:latin typeface="+mn-lt"/>
+                <a:ea typeface="+mn-ea"/>
+                <a:cs typeface="+mn-cs"/>
+              </a:defRPr>
+            </a:lvl5pPr>
+            <a:lvl6pPr marL="2286000" indent="0" algn="ctr" defTabSz="914400" rtl="0" eaLnBrk="1" latinLnBrk="0" hangingPunct="1">
+              <a:lnSpc>
+                <a:spcPct val="90000"/>
+              </a:lnSpc>
+              <a:spcBef>
+                <a:spcPts val="500"/>
+              </a:spcBef>
+              <a:buFont typeface="Arial" panose="020B0604020202020204" pitchFamily="34" charset="0"/>
+              <a:buNone/>
+              <a:defRPr sz="1600" kern="1200">
+                <a:solidFill>
+                  <a:schemeClr val="tx1"/>
+                </a:solidFill>
+                <a:latin typeface="+mn-lt"/>
+                <a:ea typeface="+mn-ea"/>
+                <a:cs typeface="+mn-cs"/>
+              </a:defRPr>
+            </a:lvl6pPr>
+            <a:lvl7pPr marL="2743200" indent="0" algn="ctr" defTabSz="914400" rtl="0" eaLnBrk="1" latinLnBrk="0" hangingPunct="1">
+              <a:lnSpc>
+                <a:spcPct val="90000"/>
+              </a:lnSpc>
+              <a:spcBef>
+                <a:spcPts val="500"/>
+              </a:spcBef>
+              <a:buFont typeface="Arial" panose="020B0604020202020204" pitchFamily="34" charset="0"/>
+              <a:buNone/>
+              <a:defRPr sz="1600" kern="1200">
+                <a:solidFill>
+                  <a:schemeClr val="tx1"/>
+                </a:solidFill>
+                <a:latin typeface="+mn-lt"/>
+                <a:ea typeface="+mn-ea"/>
+                <a:cs typeface="+mn-cs"/>
+              </a:defRPr>
+            </a:lvl7pPr>
+            <a:lvl8pPr marL="3200400" indent="0" algn="ctr" defTabSz="914400" rtl="0" eaLnBrk="1" latinLnBrk="0" hangingPunct="1">
+              <a:lnSpc>
+                <a:spcPct val="90000"/>
+              </a:lnSpc>
+              <a:spcBef>
+                <a:spcPts val="500"/>
+              </a:spcBef>
+              <a:buFont typeface="Arial" panose="020B0604020202020204" pitchFamily="34" charset="0"/>
+              <a:buNone/>
+              <a:defRPr sz="1600" kern="1200">
+                <a:solidFill>
+                  <a:schemeClr val="tx1"/>
+                </a:solidFill>
+                <a:latin typeface="+mn-lt"/>
+                <a:ea typeface="+mn-ea"/>
+                <a:cs typeface="+mn-cs"/>
+              </a:defRPr>
+            </a:lvl8pPr>
+            <a:lvl9pPr marL="3657600" indent="0" algn="ctr" defTabSz="914400" rtl="0" eaLnBrk="1" latinLnBrk="0" hangingPunct="1">
+              <a:lnSpc>
+                <a:spcPct val="90000"/>
+              </a:lnSpc>
+              <a:spcBef>
+                <a:spcPts val="500"/>
+              </a:spcBef>
+              <a:buFont typeface="Arial" panose="020B0604020202020204" pitchFamily="34" charset="0"/>
+              <a:buNone/>
+              <a:defRPr sz="1600" kern="1200">
+                <a:solidFill>
+                  <a:schemeClr val="tx1"/>
+                </a:solidFill>
+                <a:latin typeface="+mn-lt"/>
+                <a:ea typeface="+mn-ea"/>
+                <a:cs typeface="+mn-cs"/>
+              </a:defRPr>
+            </a:lvl9pPr>
+          </a:lstStyle>
+          <a:p>
+            <a:pPr algn="l"/>
+            <a:r>
+              <a:rPr lang="th-TH" dirty="0">
+                <a:solidFill>
+                  <a:schemeClr val="bg1"/>
+                </a:solidFill>
+                <a:latin typeface="TH SarabunPSK" panose="020B0500040200020003" pitchFamily="34" charset="-34"/>
+                <a:cs typeface="TH SarabunPSK" panose="020B0500040200020003" pitchFamily="34" charset="-34"/>
+              </a:rPr>
+              <a:t>โดย ผศ</a:t>
+            </a:r>
+            <a:r>
+              <a:rPr lang="en-US" dirty="0">
+                <a:solidFill>
+                  <a:schemeClr val="bg1"/>
+                </a:solidFill>
+                <a:latin typeface="TH SarabunPSK" panose="020B0500040200020003" pitchFamily="34" charset="-34"/>
+                <a:cs typeface="TH SarabunPSK" panose="020B0500040200020003" pitchFamily="34" charset="-34"/>
+              </a:rPr>
+              <a:t>. </a:t>
+            </a:r>
+            <a:r>
+              <a:rPr lang="th-TH" dirty="0">
+                <a:solidFill>
+                  <a:schemeClr val="bg1"/>
+                </a:solidFill>
+                <a:latin typeface="TH SarabunPSK" panose="020B0500040200020003" pitchFamily="34" charset="-34"/>
+                <a:cs typeface="TH SarabunPSK" panose="020B0500040200020003" pitchFamily="34" charset="-34"/>
+              </a:rPr>
+              <a:t>ดร</a:t>
+            </a:r>
+            <a:r>
+              <a:rPr lang="en-US" dirty="0">
+                <a:solidFill>
+                  <a:schemeClr val="bg1"/>
+                </a:solidFill>
+                <a:latin typeface="TH SarabunPSK" panose="020B0500040200020003" pitchFamily="34" charset="-34"/>
+                <a:cs typeface="TH SarabunPSK" panose="020B0500040200020003" pitchFamily="34" charset="-34"/>
+              </a:rPr>
+              <a:t>.</a:t>
+            </a:r>
+            <a:r>
+              <a:rPr lang="th-TH" dirty="0">
+                <a:solidFill>
+                  <a:schemeClr val="bg1"/>
+                </a:solidFill>
+                <a:latin typeface="TH SarabunPSK" panose="020B0500040200020003" pitchFamily="34" charset="-34"/>
+                <a:cs typeface="TH SarabunPSK" panose="020B0500040200020003" pitchFamily="34" charset="-34"/>
+              </a:rPr>
+              <a:t>ธนพงศ์ อินทระ สาขาวิชาสถิติ มหาวิทยาลัยขอนแก่น </a:t>
+            </a:r>
+          </a:p>
+        </p:txBody>
+      </p:sp>
     </p:spTree>
     <p:extLst>
       <p:ext uri="{BB962C8B-B14F-4D97-AF65-F5344CB8AC3E}">
@@ -4206,6 +4457,252 @@
           </a:p>
         </p:txBody>
       </p:sp>
+      <p:sp>
+        <p:nvSpPr>
+          <p:cNvPr id="5" name="Content Placeholder 2">
+            <a:extLst>
+              <a:ext uri="{FF2B5EF4-FFF2-40B4-BE49-F238E27FC236}">
+                <a16:creationId xmlns:a16="http://schemas.microsoft.com/office/drawing/2014/main" id="{C87D048F-BF46-762A-680A-7A0D834BD642}"/>
+              </a:ext>
+            </a:extLst>
+          </p:cNvPr>
+          <p:cNvSpPr txBox="1">
+            <a:spLocks/>
+          </p:cNvSpPr>
+          <p:nvPr/>
+        </p:nvSpPr>
+        <p:spPr>
+          <a:xfrm>
+            <a:off x="106680" y="6520734"/>
+            <a:ext cx="5410200" cy="414367"/>
+          </a:xfrm>
+          <a:prstGeom prst="rect">
+            <a:avLst/>
+          </a:prstGeom>
+        </p:spPr>
+        <p:txBody>
+          <a:bodyPr vert="horz" lIns="91440" tIns="45720" rIns="91440" bIns="45720" rtlCol="0">
+            <a:normAutofit lnSpcReduction="10000"/>
+          </a:bodyPr>
+          <a:lstStyle>
+            <a:lvl1pPr marL="0" indent="0" algn="ctr" defTabSz="914400" rtl="0" eaLnBrk="1" latinLnBrk="0" hangingPunct="1">
+              <a:lnSpc>
+                <a:spcPct val="90000"/>
+              </a:lnSpc>
+              <a:spcBef>
+                <a:spcPts val="1000"/>
+              </a:spcBef>
+              <a:buFont typeface="Arial" panose="020B0604020202020204" pitchFamily="34" charset="0"/>
+              <a:buNone/>
+              <a:defRPr sz="2400" kern="1200">
+                <a:solidFill>
+                  <a:schemeClr val="tx1"/>
+                </a:solidFill>
+                <a:latin typeface="+mn-lt"/>
+                <a:ea typeface="+mn-ea"/>
+                <a:cs typeface="+mn-cs"/>
+              </a:defRPr>
+            </a:lvl1pPr>
+            <a:lvl2pPr marL="457200" indent="0" algn="ctr" defTabSz="914400" rtl="0" eaLnBrk="1" latinLnBrk="0" hangingPunct="1">
+              <a:lnSpc>
+                <a:spcPct val="90000"/>
+              </a:lnSpc>
+              <a:spcBef>
+                <a:spcPts val="500"/>
+              </a:spcBef>
+              <a:buFont typeface="Arial" panose="020B0604020202020204" pitchFamily="34" charset="0"/>
+              <a:buNone/>
+              <a:defRPr sz="2000" kern="1200">
+                <a:solidFill>
+                  <a:schemeClr val="tx1"/>
+                </a:solidFill>
+                <a:latin typeface="+mn-lt"/>
+                <a:ea typeface="+mn-ea"/>
+                <a:cs typeface="+mn-cs"/>
+              </a:defRPr>
+            </a:lvl2pPr>
+            <a:lvl3pPr marL="914400" indent="0" algn="ctr" defTabSz="914400" rtl="0" eaLnBrk="1" latinLnBrk="0" hangingPunct="1">
+              <a:lnSpc>
+                <a:spcPct val="90000"/>
+              </a:lnSpc>
+              <a:spcBef>
+                <a:spcPts val="500"/>
+              </a:spcBef>
+              <a:buFont typeface="Arial" panose="020B0604020202020204" pitchFamily="34" charset="0"/>
+              <a:buNone/>
+              <a:defRPr sz="1800" kern="1200">
+                <a:solidFill>
+                  <a:schemeClr val="tx1"/>
+                </a:solidFill>
+                <a:latin typeface="+mn-lt"/>
+                <a:ea typeface="+mn-ea"/>
+                <a:cs typeface="+mn-cs"/>
+              </a:defRPr>
+            </a:lvl3pPr>
+            <a:lvl4pPr marL="1371600" indent="0" algn="ctr" defTabSz="914400" rtl="0" eaLnBrk="1" latinLnBrk="0" hangingPunct="1">
+              <a:lnSpc>
+                <a:spcPct val="90000"/>
+              </a:lnSpc>
+              <a:spcBef>
+                <a:spcPts val="500"/>
+              </a:spcBef>
+              <a:buFont typeface="Arial" panose="020B0604020202020204" pitchFamily="34" charset="0"/>
+              <a:buNone/>
+              <a:defRPr sz="1600" kern="1200">
+                <a:solidFill>
+                  <a:schemeClr val="tx1"/>
+                </a:solidFill>
+                <a:latin typeface="+mn-lt"/>
+                <a:ea typeface="+mn-ea"/>
+                <a:cs typeface="+mn-cs"/>
+              </a:defRPr>
+            </a:lvl4pPr>
+            <a:lvl5pPr marL="1828800" indent="0" algn="ctr" defTabSz="914400" rtl="0" eaLnBrk="1" latinLnBrk="0" hangingPunct="1">
+              <a:lnSpc>
+                <a:spcPct val="90000"/>
+              </a:lnSpc>
+              <a:spcBef>
+                <a:spcPts val="500"/>
+              </a:spcBef>
+              <a:buFont typeface="Arial" panose="020B0604020202020204" pitchFamily="34" charset="0"/>
+              <a:buNone/>
+              <a:defRPr sz="1600" kern="1200">
+                <a:solidFill>
+                  <a:schemeClr val="tx1"/>
+                </a:solidFill>
+                <a:latin typeface="+mn-lt"/>
+                <a:ea typeface="+mn-ea"/>
+                <a:cs typeface="+mn-cs"/>
+              </a:defRPr>
+            </a:lvl5pPr>
+            <a:lvl6pPr marL="2286000" indent="0" algn="ctr" defTabSz="914400" rtl="0" eaLnBrk="1" latinLnBrk="0" hangingPunct="1">
+              <a:lnSpc>
+                <a:spcPct val="90000"/>
+              </a:lnSpc>
+              <a:spcBef>
+                <a:spcPts val="500"/>
+              </a:spcBef>
+              <a:buFont typeface="Arial" panose="020B0604020202020204" pitchFamily="34" charset="0"/>
+              <a:buNone/>
+              <a:defRPr sz="1600" kern="1200">
+                <a:solidFill>
+                  <a:schemeClr val="tx1"/>
+                </a:solidFill>
+                <a:latin typeface="+mn-lt"/>
+                <a:ea typeface="+mn-ea"/>
+                <a:cs typeface="+mn-cs"/>
+              </a:defRPr>
+            </a:lvl6pPr>
+            <a:lvl7pPr marL="2743200" indent="0" algn="ctr" defTabSz="914400" rtl="0" eaLnBrk="1" latinLnBrk="0" hangingPunct="1">
+              <a:lnSpc>
+                <a:spcPct val="90000"/>
+              </a:lnSpc>
+              <a:spcBef>
+                <a:spcPts val="500"/>
+              </a:spcBef>
+              <a:buFont typeface="Arial" panose="020B0604020202020204" pitchFamily="34" charset="0"/>
+              <a:buNone/>
+              <a:defRPr sz="1600" kern="1200">
+                <a:solidFill>
+                  <a:schemeClr val="tx1"/>
+                </a:solidFill>
+                <a:latin typeface="+mn-lt"/>
+                <a:ea typeface="+mn-ea"/>
+                <a:cs typeface="+mn-cs"/>
+              </a:defRPr>
+            </a:lvl7pPr>
+            <a:lvl8pPr marL="3200400" indent="0" algn="ctr" defTabSz="914400" rtl="0" eaLnBrk="1" latinLnBrk="0" hangingPunct="1">
+              <a:lnSpc>
+                <a:spcPct val="90000"/>
+              </a:lnSpc>
+              <a:spcBef>
+                <a:spcPts val="500"/>
+              </a:spcBef>
+              <a:buFont typeface="Arial" panose="020B0604020202020204" pitchFamily="34" charset="0"/>
+              <a:buNone/>
+              <a:defRPr sz="1600" kern="1200">
+                <a:solidFill>
+                  <a:schemeClr val="tx1"/>
+                </a:solidFill>
+                <a:latin typeface="+mn-lt"/>
+                <a:ea typeface="+mn-ea"/>
+                <a:cs typeface="+mn-cs"/>
+              </a:defRPr>
+            </a:lvl8pPr>
+            <a:lvl9pPr marL="3657600" indent="0" algn="ctr" defTabSz="914400" rtl="0" eaLnBrk="1" latinLnBrk="0" hangingPunct="1">
+              <a:lnSpc>
+                <a:spcPct val="90000"/>
+              </a:lnSpc>
+              <a:spcBef>
+                <a:spcPts val="500"/>
+              </a:spcBef>
+              <a:buFont typeface="Arial" panose="020B0604020202020204" pitchFamily="34" charset="0"/>
+              <a:buNone/>
+              <a:defRPr sz="1600" kern="1200">
+                <a:solidFill>
+                  <a:schemeClr val="tx1"/>
+                </a:solidFill>
+                <a:latin typeface="+mn-lt"/>
+                <a:ea typeface="+mn-ea"/>
+                <a:cs typeface="+mn-cs"/>
+              </a:defRPr>
+            </a:lvl9pPr>
+          </a:lstStyle>
+          <a:p>
+            <a:pPr algn="l"/>
+            <a:r>
+              <a:rPr lang="th-TH" dirty="0">
+                <a:solidFill>
+                  <a:schemeClr val="bg1"/>
+                </a:solidFill>
+                <a:latin typeface="TH SarabunPSK" panose="020B0500040200020003" pitchFamily="34" charset="-34"/>
+                <a:cs typeface="TH SarabunPSK" panose="020B0500040200020003" pitchFamily="34" charset="-34"/>
+              </a:rPr>
+              <a:t>โดย ผศ</a:t>
+            </a:r>
+            <a:r>
+              <a:rPr lang="en-US" dirty="0">
+                <a:solidFill>
+                  <a:schemeClr val="bg1"/>
+                </a:solidFill>
+                <a:latin typeface="TH SarabunPSK" panose="020B0500040200020003" pitchFamily="34" charset="-34"/>
+                <a:cs typeface="TH SarabunPSK" panose="020B0500040200020003" pitchFamily="34" charset="-34"/>
+              </a:rPr>
+              <a:t>. </a:t>
+            </a:r>
+            <a:r>
+              <a:rPr lang="th-TH" dirty="0">
+                <a:solidFill>
+                  <a:schemeClr val="bg1"/>
+                </a:solidFill>
+                <a:latin typeface="TH SarabunPSK" panose="020B0500040200020003" pitchFamily="34" charset="-34"/>
+                <a:cs typeface="TH SarabunPSK" panose="020B0500040200020003" pitchFamily="34" charset="-34"/>
+              </a:rPr>
+              <a:t>ดร</a:t>
+            </a:r>
+            <a:r>
+              <a:rPr lang="en-US" dirty="0">
+                <a:solidFill>
+                  <a:schemeClr val="bg1"/>
+                </a:solidFill>
+                <a:latin typeface="TH SarabunPSK" panose="020B0500040200020003" pitchFamily="34" charset="-34"/>
+                <a:cs typeface="TH SarabunPSK" panose="020B0500040200020003" pitchFamily="34" charset="-34"/>
+              </a:rPr>
+              <a:t>.</a:t>
+            </a:r>
+            <a:r>
+              <a:rPr lang="th-TH" dirty="0">
+                <a:solidFill>
+                  <a:schemeClr val="bg1"/>
+                </a:solidFill>
+                <a:latin typeface="TH SarabunPSK" panose="020B0500040200020003" pitchFamily="34" charset="-34"/>
+                <a:cs typeface="TH SarabunPSK" panose="020B0500040200020003" pitchFamily="34" charset="-34"/>
+              </a:rPr>
+              <a:t>ธนพงศ์ อินทระ สาขาวิชาสถิติ มหาวิทยาลัยขอนแก่น </a:t>
+            </a:r>
+          </a:p>
+        </p:txBody>
+      </p:sp>
     </p:spTree>
     <p:extLst>
       <p:ext uri="{BB962C8B-B14F-4D97-AF65-F5344CB8AC3E}">
@@ -4782,6 +5279,252 @@
           </a:p>
         </p:txBody>
       </p:sp>
+      <p:sp>
+        <p:nvSpPr>
+          <p:cNvPr id="6" name="Content Placeholder 2">
+            <a:extLst>
+              <a:ext uri="{FF2B5EF4-FFF2-40B4-BE49-F238E27FC236}">
+                <a16:creationId xmlns:a16="http://schemas.microsoft.com/office/drawing/2014/main" id="{44A53C2D-3FB1-4B9C-8860-728C87BF61AF}"/>
+              </a:ext>
+            </a:extLst>
+          </p:cNvPr>
+          <p:cNvSpPr txBox="1">
+            <a:spLocks/>
+          </p:cNvSpPr>
+          <p:nvPr/>
+        </p:nvSpPr>
+        <p:spPr>
+          <a:xfrm>
+            <a:off x="106680" y="6520734"/>
+            <a:ext cx="5410200" cy="414367"/>
+          </a:xfrm>
+          <a:prstGeom prst="rect">
+            <a:avLst/>
+          </a:prstGeom>
+        </p:spPr>
+        <p:txBody>
+          <a:bodyPr vert="horz" lIns="91440" tIns="45720" rIns="91440" bIns="45720" rtlCol="0">
+            <a:normAutofit lnSpcReduction="10000"/>
+          </a:bodyPr>
+          <a:lstStyle>
+            <a:lvl1pPr marL="0" indent="0" algn="ctr" defTabSz="914400" rtl="0" eaLnBrk="1" latinLnBrk="0" hangingPunct="1">
+              <a:lnSpc>
+                <a:spcPct val="90000"/>
+              </a:lnSpc>
+              <a:spcBef>
+                <a:spcPts val="1000"/>
+              </a:spcBef>
+              <a:buFont typeface="Arial" panose="020B0604020202020204" pitchFamily="34" charset="0"/>
+              <a:buNone/>
+              <a:defRPr sz="2400" kern="1200">
+                <a:solidFill>
+                  <a:schemeClr val="tx1"/>
+                </a:solidFill>
+                <a:latin typeface="+mn-lt"/>
+                <a:ea typeface="+mn-ea"/>
+                <a:cs typeface="+mn-cs"/>
+              </a:defRPr>
+            </a:lvl1pPr>
+            <a:lvl2pPr marL="457200" indent="0" algn="ctr" defTabSz="914400" rtl="0" eaLnBrk="1" latinLnBrk="0" hangingPunct="1">
+              <a:lnSpc>
+                <a:spcPct val="90000"/>
+              </a:lnSpc>
+              <a:spcBef>
+                <a:spcPts val="500"/>
+              </a:spcBef>
+              <a:buFont typeface="Arial" panose="020B0604020202020204" pitchFamily="34" charset="0"/>
+              <a:buNone/>
+              <a:defRPr sz="2000" kern="1200">
+                <a:solidFill>
+                  <a:schemeClr val="tx1"/>
+                </a:solidFill>
+                <a:latin typeface="+mn-lt"/>
+                <a:ea typeface="+mn-ea"/>
+                <a:cs typeface="+mn-cs"/>
+              </a:defRPr>
+            </a:lvl2pPr>
+            <a:lvl3pPr marL="914400" indent="0" algn="ctr" defTabSz="914400" rtl="0" eaLnBrk="1" latinLnBrk="0" hangingPunct="1">
+              <a:lnSpc>
+                <a:spcPct val="90000"/>
+              </a:lnSpc>
+              <a:spcBef>
+                <a:spcPts val="500"/>
+              </a:spcBef>
+              <a:buFont typeface="Arial" panose="020B0604020202020204" pitchFamily="34" charset="0"/>
+              <a:buNone/>
+              <a:defRPr sz="1800" kern="1200">
+                <a:solidFill>
+                  <a:schemeClr val="tx1"/>
+                </a:solidFill>
+                <a:latin typeface="+mn-lt"/>
+                <a:ea typeface="+mn-ea"/>
+                <a:cs typeface="+mn-cs"/>
+              </a:defRPr>
+            </a:lvl3pPr>
+            <a:lvl4pPr marL="1371600" indent="0" algn="ctr" defTabSz="914400" rtl="0" eaLnBrk="1" latinLnBrk="0" hangingPunct="1">
+              <a:lnSpc>
+                <a:spcPct val="90000"/>
+              </a:lnSpc>
+              <a:spcBef>
+                <a:spcPts val="500"/>
+              </a:spcBef>
+              <a:buFont typeface="Arial" panose="020B0604020202020204" pitchFamily="34" charset="0"/>
+              <a:buNone/>
+              <a:defRPr sz="1600" kern="1200">
+                <a:solidFill>
+                  <a:schemeClr val="tx1"/>
+                </a:solidFill>
+                <a:latin typeface="+mn-lt"/>
+                <a:ea typeface="+mn-ea"/>
+                <a:cs typeface="+mn-cs"/>
+              </a:defRPr>
+            </a:lvl4pPr>
+            <a:lvl5pPr marL="1828800" indent="0" algn="ctr" defTabSz="914400" rtl="0" eaLnBrk="1" latinLnBrk="0" hangingPunct="1">
+              <a:lnSpc>
+                <a:spcPct val="90000"/>
+              </a:lnSpc>
+              <a:spcBef>
+                <a:spcPts val="500"/>
+              </a:spcBef>
+              <a:buFont typeface="Arial" panose="020B0604020202020204" pitchFamily="34" charset="0"/>
+              <a:buNone/>
+              <a:defRPr sz="1600" kern="1200">
+                <a:solidFill>
+                  <a:schemeClr val="tx1"/>
+                </a:solidFill>
+                <a:latin typeface="+mn-lt"/>
+                <a:ea typeface="+mn-ea"/>
+                <a:cs typeface="+mn-cs"/>
+              </a:defRPr>
+            </a:lvl5pPr>
+            <a:lvl6pPr marL="2286000" indent="0" algn="ctr" defTabSz="914400" rtl="0" eaLnBrk="1" latinLnBrk="0" hangingPunct="1">
+              <a:lnSpc>
+                <a:spcPct val="90000"/>
+              </a:lnSpc>
+              <a:spcBef>
+                <a:spcPts val="500"/>
+              </a:spcBef>
+              <a:buFont typeface="Arial" panose="020B0604020202020204" pitchFamily="34" charset="0"/>
+              <a:buNone/>
+              <a:defRPr sz="1600" kern="1200">
+                <a:solidFill>
+                  <a:schemeClr val="tx1"/>
+                </a:solidFill>
+                <a:latin typeface="+mn-lt"/>
+                <a:ea typeface="+mn-ea"/>
+                <a:cs typeface="+mn-cs"/>
+              </a:defRPr>
+            </a:lvl6pPr>
+            <a:lvl7pPr marL="2743200" indent="0" algn="ctr" defTabSz="914400" rtl="0" eaLnBrk="1" latinLnBrk="0" hangingPunct="1">
+              <a:lnSpc>
+                <a:spcPct val="90000"/>
+              </a:lnSpc>
+              <a:spcBef>
+                <a:spcPts val="500"/>
+              </a:spcBef>
+              <a:buFont typeface="Arial" panose="020B0604020202020204" pitchFamily="34" charset="0"/>
+              <a:buNone/>
+              <a:defRPr sz="1600" kern="1200">
+                <a:solidFill>
+                  <a:schemeClr val="tx1"/>
+                </a:solidFill>
+                <a:latin typeface="+mn-lt"/>
+                <a:ea typeface="+mn-ea"/>
+                <a:cs typeface="+mn-cs"/>
+              </a:defRPr>
+            </a:lvl7pPr>
+            <a:lvl8pPr marL="3200400" indent="0" algn="ctr" defTabSz="914400" rtl="0" eaLnBrk="1" latinLnBrk="0" hangingPunct="1">
+              <a:lnSpc>
+                <a:spcPct val="90000"/>
+              </a:lnSpc>
+              <a:spcBef>
+                <a:spcPts val="500"/>
+              </a:spcBef>
+              <a:buFont typeface="Arial" panose="020B0604020202020204" pitchFamily="34" charset="0"/>
+              <a:buNone/>
+              <a:defRPr sz="1600" kern="1200">
+                <a:solidFill>
+                  <a:schemeClr val="tx1"/>
+                </a:solidFill>
+                <a:latin typeface="+mn-lt"/>
+                <a:ea typeface="+mn-ea"/>
+                <a:cs typeface="+mn-cs"/>
+              </a:defRPr>
+            </a:lvl8pPr>
+            <a:lvl9pPr marL="3657600" indent="0" algn="ctr" defTabSz="914400" rtl="0" eaLnBrk="1" latinLnBrk="0" hangingPunct="1">
+              <a:lnSpc>
+                <a:spcPct val="90000"/>
+              </a:lnSpc>
+              <a:spcBef>
+                <a:spcPts val="500"/>
+              </a:spcBef>
+              <a:buFont typeface="Arial" panose="020B0604020202020204" pitchFamily="34" charset="0"/>
+              <a:buNone/>
+              <a:defRPr sz="1600" kern="1200">
+                <a:solidFill>
+                  <a:schemeClr val="tx1"/>
+                </a:solidFill>
+                <a:latin typeface="+mn-lt"/>
+                <a:ea typeface="+mn-ea"/>
+                <a:cs typeface="+mn-cs"/>
+              </a:defRPr>
+            </a:lvl9pPr>
+          </a:lstStyle>
+          <a:p>
+            <a:pPr algn="l"/>
+            <a:r>
+              <a:rPr lang="th-TH" dirty="0">
+                <a:solidFill>
+                  <a:schemeClr val="bg1"/>
+                </a:solidFill>
+                <a:latin typeface="TH SarabunPSK" panose="020B0500040200020003" pitchFamily="34" charset="-34"/>
+                <a:cs typeface="TH SarabunPSK" panose="020B0500040200020003" pitchFamily="34" charset="-34"/>
+              </a:rPr>
+              <a:t>โดย ผศ</a:t>
+            </a:r>
+            <a:r>
+              <a:rPr lang="en-US" dirty="0">
+                <a:solidFill>
+                  <a:schemeClr val="bg1"/>
+                </a:solidFill>
+                <a:latin typeface="TH SarabunPSK" panose="020B0500040200020003" pitchFamily="34" charset="-34"/>
+                <a:cs typeface="TH SarabunPSK" panose="020B0500040200020003" pitchFamily="34" charset="-34"/>
+              </a:rPr>
+              <a:t>. </a:t>
+            </a:r>
+            <a:r>
+              <a:rPr lang="th-TH" dirty="0">
+                <a:solidFill>
+                  <a:schemeClr val="bg1"/>
+                </a:solidFill>
+                <a:latin typeface="TH SarabunPSK" panose="020B0500040200020003" pitchFamily="34" charset="-34"/>
+                <a:cs typeface="TH SarabunPSK" panose="020B0500040200020003" pitchFamily="34" charset="-34"/>
+              </a:rPr>
+              <a:t>ดร</a:t>
+            </a:r>
+            <a:r>
+              <a:rPr lang="en-US" dirty="0">
+                <a:solidFill>
+                  <a:schemeClr val="bg1"/>
+                </a:solidFill>
+                <a:latin typeface="TH SarabunPSK" panose="020B0500040200020003" pitchFamily="34" charset="-34"/>
+                <a:cs typeface="TH SarabunPSK" panose="020B0500040200020003" pitchFamily="34" charset="-34"/>
+              </a:rPr>
+              <a:t>.</a:t>
+            </a:r>
+            <a:r>
+              <a:rPr lang="th-TH" dirty="0">
+                <a:solidFill>
+                  <a:schemeClr val="bg1"/>
+                </a:solidFill>
+                <a:latin typeface="TH SarabunPSK" panose="020B0500040200020003" pitchFamily="34" charset="-34"/>
+                <a:cs typeface="TH SarabunPSK" panose="020B0500040200020003" pitchFamily="34" charset="-34"/>
+              </a:rPr>
+              <a:t>ธนพงศ์ อินทระ สาขาวิชาสถิติ มหาวิทยาลัยขอนแก่น </a:t>
+            </a:r>
+          </a:p>
+        </p:txBody>
+      </p:sp>
     </p:spTree>
     <p:extLst>
       <p:ext uri="{BB962C8B-B14F-4D97-AF65-F5344CB8AC3E}">
@@ -5489,6 +6232,252 @@
           </a:p>
         </p:txBody>
       </p:sp>
+      <p:sp>
+        <p:nvSpPr>
+          <p:cNvPr id="5" name="Content Placeholder 2">
+            <a:extLst>
+              <a:ext uri="{FF2B5EF4-FFF2-40B4-BE49-F238E27FC236}">
+                <a16:creationId xmlns:a16="http://schemas.microsoft.com/office/drawing/2014/main" id="{8FB07DCB-6343-506A-476C-BCD4AC79D0E9}"/>
+              </a:ext>
+            </a:extLst>
+          </p:cNvPr>
+          <p:cNvSpPr txBox="1">
+            <a:spLocks/>
+          </p:cNvSpPr>
+          <p:nvPr/>
+        </p:nvSpPr>
+        <p:spPr>
+          <a:xfrm>
+            <a:off x="106680" y="6520734"/>
+            <a:ext cx="5410200" cy="414367"/>
+          </a:xfrm>
+          <a:prstGeom prst="rect">
+            <a:avLst/>
+          </a:prstGeom>
+        </p:spPr>
+        <p:txBody>
+          <a:bodyPr vert="horz" lIns="91440" tIns="45720" rIns="91440" bIns="45720" rtlCol="0">
+            <a:normAutofit lnSpcReduction="10000"/>
+          </a:bodyPr>
+          <a:lstStyle>
+            <a:lvl1pPr marL="0" indent="0" algn="ctr" defTabSz="914400" rtl="0" eaLnBrk="1" latinLnBrk="0" hangingPunct="1">
+              <a:lnSpc>
+                <a:spcPct val="90000"/>
+              </a:lnSpc>
+              <a:spcBef>
+                <a:spcPts val="1000"/>
+              </a:spcBef>
+              <a:buFont typeface="Arial" panose="020B0604020202020204" pitchFamily="34" charset="0"/>
+              <a:buNone/>
+              <a:defRPr sz="2400" kern="1200">
+                <a:solidFill>
+                  <a:schemeClr val="tx1"/>
+                </a:solidFill>
+                <a:latin typeface="+mn-lt"/>
+                <a:ea typeface="+mn-ea"/>
+                <a:cs typeface="+mn-cs"/>
+              </a:defRPr>
+            </a:lvl1pPr>
+            <a:lvl2pPr marL="457200" indent="0" algn="ctr" defTabSz="914400" rtl="0" eaLnBrk="1" latinLnBrk="0" hangingPunct="1">
+              <a:lnSpc>
+                <a:spcPct val="90000"/>
+              </a:lnSpc>
+              <a:spcBef>
+                <a:spcPts val="500"/>
+              </a:spcBef>
+              <a:buFont typeface="Arial" panose="020B0604020202020204" pitchFamily="34" charset="0"/>
+              <a:buNone/>
+              <a:defRPr sz="2000" kern="1200">
+                <a:solidFill>
+                  <a:schemeClr val="tx1"/>
+                </a:solidFill>
+                <a:latin typeface="+mn-lt"/>
+                <a:ea typeface="+mn-ea"/>
+                <a:cs typeface="+mn-cs"/>
+              </a:defRPr>
+            </a:lvl2pPr>
+            <a:lvl3pPr marL="914400" indent="0" algn="ctr" defTabSz="914400" rtl="0" eaLnBrk="1" latinLnBrk="0" hangingPunct="1">
+              <a:lnSpc>
+                <a:spcPct val="90000"/>
+              </a:lnSpc>
+              <a:spcBef>
+                <a:spcPts val="500"/>
+              </a:spcBef>
+              <a:buFont typeface="Arial" panose="020B0604020202020204" pitchFamily="34" charset="0"/>
+              <a:buNone/>
+              <a:defRPr sz="1800" kern="1200">
+                <a:solidFill>
+                  <a:schemeClr val="tx1"/>
+                </a:solidFill>
+                <a:latin typeface="+mn-lt"/>
+                <a:ea typeface="+mn-ea"/>
+                <a:cs typeface="+mn-cs"/>
+              </a:defRPr>
+            </a:lvl3pPr>
+            <a:lvl4pPr marL="1371600" indent="0" algn="ctr" defTabSz="914400" rtl="0" eaLnBrk="1" latinLnBrk="0" hangingPunct="1">
+              <a:lnSpc>
+                <a:spcPct val="90000"/>
+              </a:lnSpc>
+              <a:spcBef>
+                <a:spcPts val="500"/>
+              </a:spcBef>
+              <a:buFont typeface="Arial" panose="020B0604020202020204" pitchFamily="34" charset="0"/>
+              <a:buNone/>
+              <a:defRPr sz="1600" kern="1200">
+                <a:solidFill>
+                  <a:schemeClr val="tx1"/>
+                </a:solidFill>
+                <a:latin typeface="+mn-lt"/>
+                <a:ea typeface="+mn-ea"/>
+                <a:cs typeface="+mn-cs"/>
+              </a:defRPr>
+            </a:lvl4pPr>
+            <a:lvl5pPr marL="1828800" indent="0" algn="ctr" defTabSz="914400" rtl="0" eaLnBrk="1" latinLnBrk="0" hangingPunct="1">
+              <a:lnSpc>
+                <a:spcPct val="90000"/>
+              </a:lnSpc>
+              <a:spcBef>
+                <a:spcPts val="500"/>
+              </a:spcBef>
+              <a:buFont typeface="Arial" panose="020B0604020202020204" pitchFamily="34" charset="0"/>
+              <a:buNone/>
+              <a:defRPr sz="1600" kern="1200">
+                <a:solidFill>
+                  <a:schemeClr val="tx1"/>
+                </a:solidFill>
+                <a:latin typeface="+mn-lt"/>
+                <a:ea typeface="+mn-ea"/>
+                <a:cs typeface="+mn-cs"/>
+              </a:defRPr>
+            </a:lvl5pPr>
+            <a:lvl6pPr marL="2286000" indent="0" algn="ctr" defTabSz="914400" rtl="0" eaLnBrk="1" latinLnBrk="0" hangingPunct="1">
+              <a:lnSpc>
+                <a:spcPct val="90000"/>
+              </a:lnSpc>
+              <a:spcBef>
+                <a:spcPts val="500"/>
+              </a:spcBef>
+              <a:buFont typeface="Arial" panose="020B0604020202020204" pitchFamily="34" charset="0"/>
+              <a:buNone/>
+              <a:defRPr sz="1600" kern="1200">
+                <a:solidFill>
+                  <a:schemeClr val="tx1"/>
+                </a:solidFill>
+                <a:latin typeface="+mn-lt"/>
+                <a:ea typeface="+mn-ea"/>
+                <a:cs typeface="+mn-cs"/>
+              </a:defRPr>
+            </a:lvl6pPr>
+            <a:lvl7pPr marL="2743200" indent="0" algn="ctr" defTabSz="914400" rtl="0" eaLnBrk="1" latinLnBrk="0" hangingPunct="1">
+              <a:lnSpc>
+                <a:spcPct val="90000"/>
+              </a:lnSpc>
+              <a:spcBef>
+                <a:spcPts val="500"/>
+              </a:spcBef>
+              <a:buFont typeface="Arial" panose="020B0604020202020204" pitchFamily="34" charset="0"/>
+              <a:buNone/>
+              <a:defRPr sz="1600" kern="1200">
+                <a:solidFill>
+                  <a:schemeClr val="tx1"/>
+                </a:solidFill>
+                <a:latin typeface="+mn-lt"/>
+                <a:ea typeface="+mn-ea"/>
+                <a:cs typeface="+mn-cs"/>
+              </a:defRPr>
+            </a:lvl7pPr>
+            <a:lvl8pPr marL="3200400" indent="0" algn="ctr" defTabSz="914400" rtl="0" eaLnBrk="1" latinLnBrk="0" hangingPunct="1">
+              <a:lnSpc>
+                <a:spcPct val="90000"/>
+              </a:lnSpc>
+              <a:spcBef>
+                <a:spcPts val="500"/>
+              </a:spcBef>
+              <a:buFont typeface="Arial" panose="020B0604020202020204" pitchFamily="34" charset="0"/>
+              <a:buNone/>
+              <a:defRPr sz="1600" kern="1200">
+                <a:solidFill>
+                  <a:schemeClr val="tx1"/>
+                </a:solidFill>
+                <a:latin typeface="+mn-lt"/>
+                <a:ea typeface="+mn-ea"/>
+                <a:cs typeface="+mn-cs"/>
+              </a:defRPr>
+            </a:lvl8pPr>
+            <a:lvl9pPr marL="3657600" indent="0" algn="ctr" defTabSz="914400" rtl="0" eaLnBrk="1" latinLnBrk="0" hangingPunct="1">
+              <a:lnSpc>
+                <a:spcPct val="90000"/>
+              </a:lnSpc>
+              <a:spcBef>
+                <a:spcPts val="500"/>
+              </a:spcBef>
+              <a:buFont typeface="Arial" panose="020B0604020202020204" pitchFamily="34" charset="0"/>
+              <a:buNone/>
+              <a:defRPr sz="1600" kern="1200">
+                <a:solidFill>
+                  <a:schemeClr val="tx1"/>
+                </a:solidFill>
+                <a:latin typeface="+mn-lt"/>
+                <a:ea typeface="+mn-ea"/>
+                <a:cs typeface="+mn-cs"/>
+              </a:defRPr>
+            </a:lvl9pPr>
+          </a:lstStyle>
+          <a:p>
+            <a:pPr algn="l"/>
+            <a:r>
+              <a:rPr lang="th-TH" dirty="0">
+                <a:solidFill>
+                  <a:schemeClr val="bg1"/>
+                </a:solidFill>
+                <a:latin typeface="TH SarabunPSK" panose="020B0500040200020003" pitchFamily="34" charset="-34"/>
+                <a:cs typeface="TH SarabunPSK" panose="020B0500040200020003" pitchFamily="34" charset="-34"/>
+              </a:rPr>
+              <a:t>โดย ผศ</a:t>
+            </a:r>
+            <a:r>
+              <a:rPr lang="en-US" dirty="0">
+                <a:solidFill>
+                  <a:schemeClr val="bg1"/>
+                </a:solidFill>
+                <a:latin typeface="TH SarabunPSK" panose="020B0500040200020003" pitchFamily="34" charset="-34"/>
+                <a:cs typeface="TH SarabunPSK" panose="020B0500040200020003" pitchFamily="34" charset="-34"/>
+              </a:rPr>
+              <a:t>. </a:t>
+            </a:r>
+            <a:r>
+              <a:rPr lang="th-TH" dirty="0">
+                <a:solidFill>
+                  <a:schemeClr val="bg1"/>
+                </a:solidFill>
+                <a:latin typeface="TH SarabunPSK" panose="020B0500040200020003" pitchFamily="34" charset="-34"/>
+                <a:cs typeface="TH SarabunPSK" panose="020B0500040200020003" pitchFamily="34" charset="-34"/>
+              </a:rPr>
+              <a:t>ดร</a:t>
+            </a:r>
+            <a:r>
+              <a:rPr lang="en-US" dirty="0">
+                <a:solidFill>
+                  <a:schemeClr val="bg1"/>
+                </a:solidFill>
+                <a:latin typeface="TH SarabunPSK" panose="020B0500040200020003" pitchFamily="34" charset="-34"/>
+                <a:cs typeface="TH SarabunPSK" panose="020B0500040200020003" pitchFamily="34" charset="-34"/>
+              </a:rPr>
+              <a:t>.</a:t>
+            </a:r>
+            <a:r>
+              <a:rPr lang="th-TH" dirty="0">
+                <a:solidFill>
+                  <a:schemeClr val="bg1"/>
+                </a:solidFill>
+                <a:latin typeface="TH SarabunPSK" panose="020B0500040200020003" pitchFamily="34" charset="-34"/>
+                <a:cs typeface="TH SarabunPSK" panose="020B0500040200020003" pitchFamily="34" charset="-34"/>
+              </a:rPr>
+              <a:t>ธนพงศ์ อินทระ สาขาวิชาสถิติ มหาวิทยาลัยขอนแก่น </a:t>
+            </a:r>
+          </a:p>
+        </p:txBody>
+      </p:sp>
     </p:spTree>
     <p:extLst>
       <p:ext uri="{BB962C8B-B14F-4D97-AF65-F5344CB8AC3E}">
@@ -6201,6 +7190,252 @@
           </a:p>
         </p:txBody>
       </p:sp>
+      <p:sp>
+        <p:nvSpPr>
+          <p:cNvPr id="5" name="Content Placeholder 2">
+            <a:extLst>
+              <a:ext uri="{FF2B5EF4-FFF2-40B4-BE49-F238E27FC236}">
+                <a16:creationId xmlns:a16="http://schemas.microsoft.com/office/drawing/2014/main" id="{500D9AFF-E85B-EE04-EF22-35CFB3849034}"/>
+              </a:ext>
+            </a:extLst>
+          </p:cNvPr>
+          <p:cNvSpPr txBox="1">
+            <a:spLocks/>
+          </p:cNvSpPr>
+          <p:nvPr/>
+        </p:nvSpPr>
+        <p:spPr>
+          <a:xfrm>
+            <a:off x="106680" y="6520734"/>
+            <a:ext cx="5410200" cy="414367"/>
+          </a:xfrm>
+          <a:prstGeom prst="rect">
+            <a:avLst/>
+          </a:prstGeom>
+        </p:spPr>
+        <p:txBody>
+          <a:bodyPr vert="horz" lIns="91440" tIns="45720" rIns="91440" bIns="45720" rtlCol="0">
+            <a:normAutofit lnSpcReduction="10000"/>
+          </a:bodyPr>
+          <a:lstStyle>
+            <a:lvl1pPr marL="0" indent="0" algn="ctr" defTabSz="914400" rtl="0" eaLnBrk="1" latinLnBrk="0" hangingPunct="1">
+              <a:lnSpc>
+                <a:spcPct val="90000"/>
+              </a:lnSpc>
+              <a:spcBef>
+                <a:spcPts val="1000"/>
+              </a:spcBef>
+              <a:buFont typeface="Arial" panose="020B0604020202020204" pitchFamily="34" charset="0"/>
+              <a:buNone/>
+              <a:defRPr sz="2400" kern="1200">
+                <a:solidFill>
+                  <a:schemeClr val="tx1"/>
+                </a:solidFill>
+                <a:latin typeface="+mn-lt"/>
+                <a:ea typeface="+mn-ea"/>
+                <a:cs typeface="+mn-cs"/>
+              </a:defRPr>
+            </a:lvl1pPr>
+            <a:lvl2pPr marL="457200" indent="0" algn="ctr" defTabSz="914400" rtl="0" eaLnBrk="1" latinLnBrk="0" hangingPunct="1">
+              <a:lnSpc>
+                <a:spcPct val="90000"/>
+              </a:lnSpc>
+              <a:spcBef>
+                <a:spcPts val="500"/>
+              </a:spcBef>
+              <a:buFont typeface="Arial" panose="020B0604020202020204" pitchFamily="34" charset="0"/>
+              <a:buNone/>
+              <a:defRPr sz="2000" kern="1200">
+                <a:solidFill>
+                  <a:schemeClr val="tx1"/>
+                </a:solidFill>
+                <a:latin typeface="+mn-lt"/>
+                <a:ea typeface="+mn-ea"/>
+                <a:cs typeface="+mn-cs"/>
+              </a:defRPr>
+            </a:lvl2pPr>
+            <a:lvl3pPr marL="914400" indent="0" algn="ctr" defTabSz="914400" rtl="0" eaLnBrk="1" latinLnBrk="0" hangingPunct="1">
+              <a:lnSpc>
+                <a:spcPct val="90000"/>
+              </a:lnSpc>
+              <a:spcBef>
+                <a:spcPts val="500"/>
+              </a:spcBef>
+              <a:buFont typeface="Arial" panose="020B0604020202020204" pitchFamily="34" charset="0"/>
+              <a:buNone/>
+              <a:defRPr sz="1800" kern="1200">
+                <a:solidFill>
+                  <a:schemeClr val="tx1"/>
+                </a:solidFill>
+                <a:latin typeface="+mn-lt"/>
+                <a:ea typeface="+mn-ea"/>
+                <a:cs typeface="+mn-cs"/>
+              </a:defRPr>
+            </a:lvl3pPr>
+            <a:lvl4pPr marL="1371600" indent="0" algn="ctr" defTabSz="914400" rtl="0" eaLnBrk="1" latinLnBrk="0" hangingPunct="1">
+              <a:lnSpc>
+                <a:spcPct val="90000"/>
+              </a:lnSpc>
+              <a:spcBef>
+                <a:spcPts val="500"/>
+              </a:spcBef>
+              <a:buFont typeface="Arial" panose="020B0604020202020204" pitchFamily="34" charset="0"/>
+              <a:buNone/>
+              <a:defRPr sz="1600" kern="1200">
+                <a:solidFill>
+                  <a:schemeClr val="tx1"/>
+                </a:solidFill>
+                <a:latin typeface="+mn-lt"/>
+                <a:ea typeface="+mn-ea"/>
+                <a:cs typeface="+mn-cs"/>
+              </a:defRPr>
+            </a:lvl4pPr>
+            <a:lvl5pPr marL="1828800" indent="0" algn="ctr" defTabSz="914400" rtl="0" eaLnBrk="1" latinLnBrk="0" hangingPunct="1">
+              <a:lnSpc>
+                <a:spcPct val="90000"/>
+              </a:lnSpc>
+              <a:spcBef>
+                <a:spcPts val="500"/>
+              </a:spcBef>
+              <a:buFont typeface="Arial" panose="020B0604020202020204" pitchFamily="34" charset="0"/>
+              <a:buNone/>
+              <a:defRPr sz="1600" kern="1200">
+                <a:solidFill>
+                  <a:schemeClr val="tx1"/>
+                </a:solidFill>
+                <a:latin typeface="+mn-lt"/>
+                <a:ea typeface="+mn-ea"/>
+                <a:cs typeface="+mn-cs"/>
+              </a:defRPr>
+            </a:lvl5pPr>
+            <a:lvl6pPr marL="2286000" indent="0" algn="ctr" defTabSz="914400" rtl="0" eaLnBrk="1" latinLnBrk="0" hangingPunct="1">
+              <a:lnSpc>
+                <a:spcPct val="90000"/>
+              </a:lnSpc>
+              <a:spcBef>
+                <a:spcPts val="500"/>
+              </a:spcBef>
+              <a:buFont typeface="Arial" panose="020B0604020202020204" pitchFamily="34" charset="0"/>
+              <a:buNone/>
+              <a:defRPr sz="1600" kern="1200">
+                <a:solidFill>
+                  <a:schemeClr val="tx1"/>
+                </a:solidFill>
+                <a:latin typeface="+mn-lt"/>
+                <a:ea typeface="+mn-ea"/>
+                <a:cs typeface="+mn-cs"/>
+              </a:defRPr>
+            </a:lvl6pPr>
+            <a:lvl7pPr marL="2743200" indent="0" algn="ctr" defTabSz="914400" rtl="0" eaLnBrk="1" latinLnBrk="0" hangingPunct="1">
+              <a:lnSpc>
+                <a:spcPct val="90000"/>
+              </a:lnSpc>
+              <a:spcBef>
+                <a:spcPts val="500"/>
+              </a:spcBef>
+              <a:buFont typeface="Arial" panose="020B0604020202020204" pitchFamily="34" charset="0"/>
+              <a:buNone/>
+              <a:defRPr sz="1600" kern="1200">
+                <a:solidFill>
+                  <a:schemeClr val="tx1"/>
+                </a:solidFill>
+                <a:latin typeface="+mn-lt"/>
+                <a:ea typeface="+mn-ea"/>
+                <a:cs typeface="+mn-cs"/>
+              </a:defRPr>
+            </a:lvl7pPr>
+            <a:lvl8pPr marL="3200400" indent="0" algn="ctr" defTabSz="914400" rtl="0" eaLnBrk="1" latinLnBrk="0" hangingPunct="1">
+              <a:lnSpc>
+                <a:spcPct val="90000"/>
+              </a:lnSpc>
+              <a:spcBef>
+                <a:spcPts val="500"/>
+              </a:spcBef>
+              <a:buFont typeface="Arial" panose="020B0604020202020204" pitchFamily="34" charset="0"/>
+              <a:buNone/>
+              <a:defRPr sz="1600" kern="1200">
+                <a:solidFill>
+                  <a:schemeClr val="tx1"/>
+                </a:solidFill>
+                <a:latin typeface="+mn-lt"/>
+                <a:ea typeface="+mn-ea"/>
+                <a:cs typeface="+mn-cs"/>
+              </a:defRPr>
+            </a:lvl8pPr>
+            <a:lvl9pPr marL="3657600" indent="0" algn="ctr" defTabSz="914400" rtl="0" eaLnBrk="1" latinLnBrk="0" hangingPunct="1">
+              <a:lnSpc>
+                <a:spcPct val="90000"/>
+              </a:lnSpc>
+              <a:spcBef>
+                <a:spcPts val="500"/>
+              </a:spcBef>
+              <a:buFont typeface="Arial" panose="020B0604020202020204" pitchFamily="34" charset="0"/>
+              <a:buNone/>
+              <a:defRPr sz="1600" kern="1200">
+                <a:solidFill>
+                  <a:schemeClr val="tx1"/>
+                </a:solidFill>
+                <a:latin typeface="+mn-lt"/>
+                <a:ea typeface="+mn-ea"/>
+                <a:cs typeface="+mn-cs"/>
+              </a:defRPr>
+            </a:lvl9pPr>
+          </a:lstStyle>
+          <a:p>
+            <a:pPr algn="l"/>
+            <a:r>
+              <a:rPr lang="th-TH" dirty="0">
+                <a:solidFill>
+                  <a:schemeClr val="bg1"/>
+                </a:solidFill>
+                <a:latin typeface="TH SarabunPSK" panose="020B0500040200020003" pitchFamily="34" charset="-34"/>
+                <a:cs typeface="TH SarabunPSK" panose="020B0500040200020003" pitchFamily="34" charset="-34"/>
+              </a:rPr>
+              <a:t>โดย ผศ</a:t>
+            </a:r>
+            <a:r>
+              <a:rPr lang="en-US" dirty="0">
+                <a:solidFill>
+                  <a:schemeClr val="bg1"/>
+                </a:solidFill>
+                <a:latin typeface="TH SarabunPSK" panose="020B0500040200020003" pitchFamily="34" charset="-34"/>
+                <a:cs typeface="TH SarabunPSK" panose="020B0500040200020003" pitchFamily="34" charset="-34"/>
+              </a:rPr>
+              <a:t>. </a:t>
+            </a:r>
+            <a:r>
+              <a:rPr lang="th-TH" dirty="0">
+                <a:solidFill>
+                  <a:schemeClr val="bg1"/>
+                </a:solidFill>
+                <a:latin typeface="TH SarabunPSK" panose="020B0500040200020003" pitchFamily="34" charset="-34"/>
+                <a:cs typeface="TH SarabunPSK" panose="020B0500040200020003" pitchFamily="34" charset="-34"/>
+              </a:rPr>
+              <a:t>ดร</a:t>
+            </a:r>
+            <a:r>
+              <a:rPr lang="en-US" dirty="0">
+                <a:solidFill>
+                  <a:schemeClr val="bg1"/>
+                </a:solidFill>
+                <a:latin typeface="TH SarabunPSK" panose="020B0500040200020003" pitchFamily="34" charset="-34"/>
+                <a:cs typeface="TH SarabunPSK" panose="020B0500040200020003" pitchFamily="34" charset="-34"/>
+              </a:rPr>
+              <a:t>.</a:t>
+            </a:r>
+            <a:r>
+              <a:rPr lang="th-TH" dirty="0">
+                <a:solidFill>
+                  <a:schemeClr val="bg1"/>
+                </a:solidFill>
+                <a:latin typeface="TH SarabunPSK" panose="020B0500040200020003" pitchFamily="34" charset="-34"/>
+                <a:cs typeface="TH SarabunPSK" panose="020B0500040200020003" pitchFamily="34" charset="-34"/>
+              </a:rPr>
+              <a:t>ธนพงศ์ อินทระ สาขาวิชาสถิติ มหาวิทยาลัยขอนแก่น </a:t>
+            </a:r>
+          </a:p>
+        </p:txBody>
+      </p:sp>
     </p:spTree>
     <p:extLst>
       <p:ext uri="{BB962C8B-B14F-4D97-AF65-F5344CB8AC3E}">
@@ -6953,6 +8188,252 @@
           </a:p>
         </p:txBody>
       </p:sp>
+      <p:sp>
+        <p:nvSpPr>
+          <p:cNvPr id="5" name="Content Placeholder 2">
+            <a:extLst>
+              <a:ext uri="{FF2B5EF4-FFF2-40B4-BE49-F238E27FC236}">
+                <a16:creationId xmlns:a16="http://schemas.microsoft.com/office/drawing/2014/main" id="{8B3B364C-A6F6-3DF5-ABE5-C93A15A4A77C}"/>
+              </a:ext>
+            </a:extLst>
+          </p:cNvPr>
+          <p:cNvSpPr txBox="1">
+            <a:spLocks/>
+          </p:cNvSpPr>
+          <p:nvPr/>
+        </p:nvSpPr>
+        <p:spPr>
+          <a:xfrm>
+            <a:off x="106680" y="6520734"/>
+            <a:ext cx="5410200" cy="414367"/>
+          </a:xfrm>
+          <a:prstGeom prst="rect">
+            <a:avLst/>
+          </a:prstGeom>
+        </p:spPr>
+        <p:txBody>
+          <a:bodyPr vert="horz" lIns="91440" tIns="45720" rIns="91440" bIns="45720" rtlCol="0">
+            <a:normAutofit lnSpcReduction="10000"/>
+          </a:bodyPr>
+          <a:lstStyle>
+            <a:lvl1pPr marL="0" indent="0" algn="ctr" defTabSz="914400" rtl="0" eaLnBrk="1" latinLnBrk="0" hangingPunct="1">
+              <a:lnSpc>
+                <a:spcPct val="90000"/>
+              </a:lnSpc>
+              <a:spcBef>
+                <a:spcPts val="1000"/>
+              </a:spcBef>
+              <a:buFont typeface="Arial" panose="020B0604020202020204" pitchFamily="34" charset="0"/>
+              <a:buNone/>
+              <a:defRPr sz="2400" kern="1200">
+                <a:solidFill>
+                  <a:schemeClr val="tx1"/>
+                </a:solidFill>
+                <a:latin typeface="+mn-lt"/>
+                <a:ea typeface="+mn-ea"/>
+                <a:cs typeface="+mn-cs"/>
+              </a:defRPr>
+            </a:lvl1pPr>
+            <a:lvl2pPr marL="457200" indent="0" algn="ctr" defTabSz="914400" rtl="0" eaLnBrk="1" latinLnBrk="0" hangingPunct="1">
+              <a:lnSpc>
+                <a:spcPct val="90000"/>
+              </a:lnSpc>
+              <a:spcBef>
+                <a:spcPts val="500"/>
+              </a:spcBef>
+              <a:buFont typeface="Arial" panose="020B0604020202020204" pitchFamily="34" charset="0"/>
+              <a:buNone/>
+              <a:defRPr sz="2000" kern="1200">
+                <a:solidFill>
+                  <a:schemeClr val="tx1"/>
+                </a:solidFill>
+                <a:latin typeface="+mn-lt"/>
+                <a:ea typeface="+mn-ea"/>
+                <a:cs typeface="+mn-cs"/>
+              </a:defRPr>
+            </a:lvl2pPr>
+            <a:lvl3pPr marL="914400" indent="0" algn="ctr" defTabSz="914400" rtl="0" eaLnBrk="1" latinLnBrk="0" hangingPunct="1">
+              <a:lnSpc>
+                <a:spcPct val="90000"/>
+              </a:lnSpc>
+              <a:spcBef>
+                <a:spcPts val="500"/>
+              </a:spcBef>
+              <a:buFont typeface="Arial" panose="020B0604020202020204" pitchFamily="34" charset="0"/>
+              <a:buNone/>
+              <a:defRPr sz="1800" kern="1200">
+                <a:solidFill>
+                  <a:schemeClr val="tx1"/>
+                </a:solidFill>
+                <a:latin typeface="+mn-lt"/>
+                <a:ea typeface="+mn-ea"/>
+                <a:cs typeface="+mn-cs"/>
+              </a:defRPr>
+            </a:lvl3pPr>
+            <a:lvl4pPr marL="1371600" indent="0" algn="ctr" defTabSz="914400" rtl="0" eaLnBrk="1" latinLnBrk="0" hangingPunct="1">
+              <a:lnSpc>
+                <a:spcPct val="90000"/>
+              </a:lnSpc>
+              <a:spcBef>
+                <a:spcPts val="500"/>
+              </a:spcBef>
+              <a:buFont typeface="Arial" panose="020B0604020202020204" pitchFamily="34" charset="0"/>
+              <a:buNone/>
+              <a:defRPr sz="1600" kern="1200">
+                <a:solidFill>
+                  <a:schemeClr val="tx1"/>
+                </a:solidFill>
+                <a:latin typeface="+mn-lt"/>
+                <a:ea typeface="+mn-ea"/>
+                <a:cs typeface="+mn-cs"/>
+              </a:defRPr>
+            </a:lvl4pPr>
+            <a:lvl5pPr marL="1828800" indent="0" algn="ctr" defTabSz="914400" rtl="0" eaLnBrk="1" latinLnBrk="0" hangingPunct="1">
+              <a:lnSpc>
+                <a:spcPct val="90000"/>
+              </a:lnSpc>
+              <a:spcBef>
+                <a:spcPts val="500"/>
+              </a:spcBef>
+              <a:buFont typeface="Arial" panose="020B0604020202020204" pitchFamily="34" charset="0"/>
+              <a:buNone/>
+              <a:defRPr sz="1600" kern="1200">
+                <a:solidFill>
+                  <a:schemeClr val="tx1"/>
+                </a:solidFill>
+                <a:latin typeface="+mn-lt"/>
+                <a:ea typeface="+mn-ea"/>
+                <a:cs typeface="+mn-cs"/>
+              </a:defRPr>
+            </a:lvl5pPr>
+            <a:lvl6pPr marL="2286000" indent="0" algn="ctr" defTabSz="914400" rtl="0" eaLnBrk="1" latinLnBrk="0" hangingPunct="1">
+              <a:lnSpc>
+                <a:spcPct val="90000"/>
+              </a:lnSpc>
+              <a:spcBef>
+                <a:spcPts val="500"/>
+              </a:spcBef>
+              <a:buFont typeface="Arial" panose="020B0604020202020204" pitchFamily="34" charset="0"/>
+              <a:buNone/>
+              <a:defRPr sz="1600" kern="1200">
+                <a:solidFill>
+                  <a:schemeClr val="tx1"/>
+                </a:solidFill>
+                <a:latin typeface="+mn-lt"/>
+                <a:ea typeface="+mn-ea"/>
+                <a:cs typeface="+mn-cs"/>
+              </a:defRPr>
+            </a:lvl6pPr>
+            <a:lvl7pPr marL="2743200" indent="0" algn="ctr" defTabSz="914400" rtl="0" eaLnBrk="1" latinLnBrk="0" hangingPunct="1">
+              <a:lnSpc>
+                <a:spcPct val="90000"/>
+              </a:lnSpc>
+              <a:spcBef>
+                <a:spcPts val="500"/>
+              </a:spcBef>
+              <a:buFont typeface="Arial" panose="020B0604020202020204" pitchFamily="34" charset="0"/>
+              <a:buNone/>
+              <a:defRPr sz="1600" kern="1200">
+                <a:solidFill>
+                  <a:schemeClr val="tx1"/>
+                </a:solidFill>
+                <a:latin typeface="+mn-lt"/>
+                <a:ea typeface="+mn-ea"/>
+                <a:cs typeface="+mn-cs"/>
+              </a:defRPr>
+            </a:lvl7pPr>
+            <a:lvl8pPr marL="3200400" indent="0" algn="ctr" defTabSz="914400" rtl="0" eaLnBrk="1" latinLnBrk="0" hangingPunct="1">
+              <a:lnSpc>
+                <a:spcPct val="90000"/>
+              </a:lnSpc>
+              <a:spcBef>
+                <a:spcPts val="500"/>
+              </a:spcBef>
+              <a:buFont typeface="Arial" panose="020B0604020202020204" pitchFamily="34" charset="0"/>
+              <a:buNone/>
+              <a:defRPr sz="1600" kern="1200">
+                <a:solidFill>
+                  <a:schemeClr val="tx1"/>
+                </a:solidFill>
+                <a:latin typeface="+mn-lt"/>
+                <a:ea typeface="+mn-ea"/>
+                <a:cs typeface="+mn-cs"/>
+              </a:defRPr>
+            </a:lvl8pPr>
+            <a:lvl9pPr marL="3657600" indent="0" algn="ctr" defTabSz="914400" rtl="0" eaLnBrk="1" latinLnBrk="0" hangingPunct="1">
+              <a:lnSpc>
+                <a:spcPct val="90000"/>
+              </a:lnSpc>
+              <a:spcBef>
+                <a:spcPts val="500"/>
+              </a:spcBef>
+              <a:buFont typeface="Arial" panose="020B0604020202020204" pitchFamily="34" charset="0"/>
+              <a:buNone/>
+              <a:defRPr sz="1600" kern="1200">
+                <a:solidFill>
+                  <a:schemeClr val="tx1"/>
+                </a:solidFill>
+                <a:latin typeface="+mn-lt"/>
+                <a:ea typeface="+mn-ea"/>
+                <a:cs typeface="+mn-cs"/>
+              </a:defRPr>
+            </a:lvl9pPr>
+          </a:lstStyle>
+          <a:p>
+            <a:pPr algn="l"/>
+            <a:r>
+              <a:rPr lang="th-TH" dirty="0">
+                <a:solidFill>
+                  <a:schemeClr val="bg1"/>
+                </a:solidFill>
+                <a:latin typeface="TH SarabunPSK" panose="020B0500040200020003" pitchFamily="34" charset="-34"/>
+                <a:cs typeface="TH SarabunPSK" panose="020B0500040200020003" pitchFamily="34" charset="-34"/>
+              </a:rPr>
+              <a:t>โดย ผศ</a:t>
+            </a:r>
+            <a:r>
+              <a:rPr lang="en-US" dirty="0">
+                <a:solidFill>
+                  <a:schemeClr val="bg1"/>
+                </a:solidFill>
+                <a:latin typeface="TH SarabunPSK" panose="020B0500040200020003" pitchFamily="34" charset="-34"/>
+                <a:cs typeface="TH SarabunPSK" panose="020B0500040200020003" pitchFamily="34" charset="-34"/>
+              </a:rPr>
+              <a:t>. </a:t>
+            </a:r>
+            <a:r>
+              <a:rPr lang="th-TH" dirty="0">
+                <a:solidFill>
+                  <a:schemeClr val="bg1"/>
+                </a:solidFill>
+                <a:latin typeface="TH SarabunPSK" panose="020B0500040200020003" pitchFamily="34" charset="-34"/>
+                <a:cs typeface="TH SarabunPSK" panose="020B0500040200020003" pitchFamily="34" charset="-34"/>
+              </a:rPr>
+              <a:t>ดร</a:t>
+            </a:r>
+            <a:r>
+              <a:rPr lang="en-US" dirty="0">
+                <a:solidFill>
+                  <a:schemeClr val="bg1"/>
+                </a:solidFill>
+                <a:latin typeface="TH SarabunPSK" panose="020B0500040200020003" pitchFamily="34" charset="-34"/>
+                <a:cs typeface="TH SarabunPSK" panose="020B0500040200020003" pitchFamily="34" charset="-34"/>
+              </a:rPr>
+              <a:t>.</a:t>
+            </a:r>
+            <a:r>
+              <a:rPr lang="th-TH" dirty="0">
+                <a:solidFill>
+                  <a:schemeClr val="bg1"/>
+                </a:solidFill>
+                <a:latin typeface="TH SarabunPSK" panose="020B0500040200020003" pitchFamily="34" charset="-34"/>
+                <a:cs typeface="TH SarabunPSK" panose="020B0500040200020003" pitchFamily="34" charset="-34"/>
+              </a:rPr>
+              <a:t>ธนพงศ์ อินทระ สาขาวิชาสถิติ มหาวิทยาลัยขอนแก่น </a:t>
+            </a:r>
+          </a:p>
+        </p:txBody>
+      </p:sp>
     </p:spTree>
     <p:extLst>
       <p:ext uri="{BB962C8B-B14F-4D97-AF65-F5344CB8AC3E}">
@@ -7661,6 +9142,252 @@
           </a:p>
         </p:txBody>
       </p:sp>
+      <p:sp>
+        <p:nvSpPr>
+          <p:cNvPr id="5" name="Content Placeholder 2">
+            <a:extLst>
+              <a:ext uri="{FF2B5EF4-FFF2-40B4-BE49-F238E27FC236}">
+                <a16:creationId xmlns:a16="http://schemas.microsoft.com/office/drawing/2014/main" id="{CEC3F6C0-FAE4-1D05-CBB4-FF417661E307}"/>
+              </a:ext>
+            </a:extLst>
+          </p:cNvPr>
+          <p:cNvSpPr txBox="1">
+            <a:spLocks/>
+          </p:cNvSpPr>
+          <p:nvPr/>
+        </p:nvSpPr>
+        <p:spPr>
+          <a:xfrm>
+            <a:off x="106680" y="6520734"/>
+            <a:ext cx="5410200" cy="414367"/>
+          </a:xfrm>
+          <a:prstGeom prst="rect">
+            <a:avLst/>
+          </a:prstGeom>
+        </p:spPr>
+        <p:txBody>
+          <a:bodyPr vert="horz" lIns="91440" tIns="45720" rIns="91440" bIns="45720" rtlCol="0">
+            <a:normAutofit lnSpcReduction="10000"/>
+          </a:bodyPr>
+          <a:lstStyle>
+            <a:lvl1pPr marL="0" indent="0" algn="ctr" defTabSz="914400" rtl="0" eaLnBrk="1" latinLnBrk="0" hangingPunct="1">
+              <a:lnSpc>
+                <a:spcPct val="90000"/>
+              </a:lnSpc>
+              <a:spcBef>
+                <a:spcPts val="1000"/>
+              </a:spcBef>
+              <a:buFont typeface="Arial" panose="020B0604020202020204" pitchFamily="34" charset="0"/>
+              <a:buNone/>
+              <a:defRPr sz="2400" kern="1200">
+                <a:solidFill>
+                  <a:schemeClr val="tx1"/>
+                </a:solidFill>
+                <a:latin typeface="+mn-lt"/>
+                <a:ea typeface="+mn-ea"/>
+                <a:cs typeface="+mn-cs"/>
+              </a:defRPr>
+            </a:lvl1pPr>
+            <a:lvl2pPr marL="457200" indent="0" algn="ctr" defTabSz="914400" rtl="0" eaLnBrk="1" latinLnBrk="0" hangingPunct="1">
+              <a:lnSpc>
+                <a:spcPct val="90000"/>
+              </a:lnSpc>
+              <a:spcBef>
+                <a:spcPts val="500"/>
+              </a:spcBef>
+              <a:buFont typeface="Arial" panose="020B0604020202020204" pitchFamily="34" charset="0"/>
+              <a:buNone/>
+              <a:defRPr sz="2000" kern="1200">
+                <a:solidFill>
+                  <a:schemeClr val="tx1"/>
+                </a:solidFill>
+                <a:latin typeface="+mn-lt"/>
+                <a:ea typeface="+mn-ea"/>
+                <a:cs typeface="+mn-cs"/>
+              </a:defRPr>
+            </a:lvl2pPr>
+            <a:lvl3pPr marL="914400" indent="0" algn="ctr" defTabSz="914400" rtl="0" eaLnBrk="1" latinLnBrk="0" hangingPunct="1">
+              <a:lnSpc>
+                <a:spcPct val="90000"/>
+              </a:lnSpc>
+              <a:spcBef>
+                <a:spcPts val="500"/>
+              </a:spcBef>
+              <a:buFont typeface="Arial" panose="020B0604020202020204" pitchFamily="34" charset="0"/>
+              <a:buNone/>
+              <a:defRPr sz="1800" kern="1200">
+                <a:solidFill>
+                  <a:schemeClr val="tx1"/>
+                </a:solidFill>
+                <a:latin typeface="+mn-lt"/>
+                <a:ea typeface="+mn-ea"/>
+                <a:cs typeface="+mn-cs"/>
+              </a:defRPr>
+            </a:lvl3pPr>
+            <a:lvl4pPr marL="1371600" indent="0" algn="ctr" defTabSz="914400" rtl="0" eaLnBrk="1" latinLnBrk="0" hangingPunct="1">
+              <a:lnSpc>
+                <a:spcPct val="90000"/>
+              </a:lnSpc>
+              <a:spcBef>
+                <a:spcPts val="500"/>
+              </a:spcBef>
+              <a:buFont typeface="Arial" panose="020B0604020202020204" pitchFamily="34" charset="0"/>
+              <a:buNone/>
+              <a:defRPr sz="1600" kern="1200">
+                <a:solidFill>
+                  <a:schemeClr val="tx1"/>
+                </a:solidFill>
+                <a:latin typeface="+mn-lt"/>
+                <a:ea typeface="+mn-ea"/>
+                <a:cs typeface="+mn-cs"/>
+              </a:defRPr>
+            </a:lvl4pPr>
+            <a:lvl5pPr marL="1828800" indent="0" algn="ctr" defTabSz="914400" rtl="0" eaLnBrk="1" latinLnBrk="0" hangingPunct="1">
+              <a:lnSpc>
+                <a:spcPct val="90000"/>
+              </a:lnSpc>
+              <a:spcBef>
+                <a:spcPts val="500"/>
+              </a:spcBef>
+              <a:buFont typeface="Arial" panose="020B0604020202020204" pitchFamily="34" charset="0"/>
+              <a:buNone/>
+              <a:defRPr sz="1600" kern="1200">
+                <a:solidFill>
+                  <a:schemeClr val="tx1"/>
+                </a:solidFill>
+                <a:latin typeface="+mn-lt"/>
+                <a:ea typeface="+mn-ea"/>
+                <a:cs typeface="+mn-cs"/>
+              </a:defRPr>
+            </a:lvl5pPr>
+            <a:lvl6pPr marL="2286000" indent="0" algn="ctr" defTabSz="914400" rtl="0" eaLnBrk="1" latinLnBrk="0" hangingPunct="1">
+              <a:lnSpc>
+                <a:spcPct val="90000"/>
+              </a:lnSpc>
+              <a:spcBef>
+                <a:spcPts val="500"/>
+              </a:spcBef>
+              <a:buFont typeface="Arial" panose="020B0604020202020204" pitchFamily="34" charset="0"/>
+              <a:buNone/>
+              <a:defRPr sz="1600" kern="1200">
+                <a:solidFill>
+                  <a:schemeClr val="tx1"/>
+                </a:solidFill>
+                <a:latin typeface="+mn-lt"/>
+                <a:ea typeface="+mn-ea"/>
+                <a:cs typeface="+mn-cs"/>
+              </a:defRPr>
+            </a:lvl6pPr>
+            <a:lvl7pPr marL="2743200" indent="0" algn="ctr" defTabSz="914400" rtl="0" eaLnBrk="1" latinLnBrk="0" hangingPunct="1">
+              <a:lnSpc>
+                <a:spcPct val="90000"/>
+              </a:lnSpc>
+              <a:spcBef>
+                <a:spcPts val="500"/>
+              </a:spcBef>
+              <a:buFont typeface="Arial" panose="020B0604020202020204" pitchFamily="34" charset="0"/>
+              <a:buNone/>
+              <a:defRPr sz="1600" kern="1200">
+                <a:solidFill>
+                  <a:schemeClr val="tx1"/>
+                </a:solidFill>
+                <a:latin typeface="+mn-lt"/>
+                <a:ea typeface="+mn-ea"/>
+                <a:cs typeface="+mn-cs"/>
+              </a:defRPr>
+            </a:lvl7pPr>
+            <a:lvl8pPr marL="3200400" indent="0" algn="ctr" defTabSz="914400" rtl="0" eaLnBrk="1" latinLnBrk="0" hangingPunct="1">
+              <a:lnSpc>
+                <a:spcPct val="90000"/>
+              </a:lnSpc>
+              <a:spcBef>
+                <a:spcPts val="500"/>
+              </a:spcBef>
+              <a:buFont typeface="Arial" panose="020B0604020202020204" pitchFamily="34" charset="0"/>
+              <a:buNone/>
+              <a:defRPr sz="1600" kern="1200">
+                <a:solidFill>
+                  <a:schemeClr val="tx1"/>
+                </a:solidFill>
+                <a:latin typeface="+mn-lt"/>
+                <a:ea typeface="+mn-ea"/>
+                <a:cs typeface="+mn-cs"/>
+              </a:defRPr>
+            </a:lvl8pPr>
+            <a:lvl9pPr marL="3657600" indent="0" algn="ctr" defTabSz="914400" rtl="0" eaLnBrk="1" latinLnBrk="0" hangingPunct="1">
+              <a:lnSpc>
+                <a:spcPct val="90000"/>
+              </a:lnSpc>
+              <a:spcBef>
+                <a:spcPts val="500"/>
+              </a:spcBef>
+              <a:buFont typeface="Arial" panose="020B0604020202020204" pitchFamily="34" charset="0"/>
+              <a:buNone/>
+              <a:defRPr sz="1600" kern="1200">
+                <a:solidFill>
+                  <a:schemeClr val="tx1"/>
+                </a:solidFill>
+                <a:latin typeface="+mn-lt"/>
+                <a:ea typeface="+mn-ea"/>
+                <a:cs typeface="+mn-cs"/>
+              </a:defRPr>
+            </a:lvl9pPr>
+          </a:lstStyle>
+          <a:p>
+            <a:pPr algn="l"/>
+            <a:r>
+              <a:rPr lang="th-TH" dirty="0">
+                <a:solidFill>
+                  <a:schemeClr val="bg1"/>
+                </a:solidFill>
+                <a:latin typeface="TH SarabunPSK" panose="020B0500040200020003" pitchFamily="34" charset="-34"/>
+                <a:cs typeface="TH SarabunPSK" panose="020B0500040200020003" pitchFamily="34" charset="-34"/>
+              </a:rPr>
+              <a:t>โดย ผศ</a:t>
+            </a:r>
+            <a:r>
+              <a:rPr lang="en-US" dirty="0">
+                <a:solidFill>
+                  <a:schemeClr val="bg1"/>
+                </a:solidFill>
+                <a:latin typeface="TH SarabunPSK" panose="020B0500040200020003" pitchFamily="34" charset="-34"/>
+                <a:cs typeface="TH SarabunPSK" panose="020B0500040200020003" pitchFamily="34" charset="-34"/>
+              </a:rPr>
+              <a:t>. </a:t>
+            </a:r>
+            <a:r>
+              <a:rPr lang="th-TH" dirty="0">
+                <a:solidFill>
+                  <a:schemeClr val="bg1"/>
+                </a:solidFill>
+                <a:latin typeface="TH SarabunPSK" panose="020B0500040200020003" pitchFamily="34" charset="-34"/>
+                <a:cs typeface="TH SarabunPSK" panose="020B0500040200020003" pitchFamily="34" charset="-34"/>
+              </a:rPr>
+              <a:t>ดร</a:t>
+            </a:r>
+            <a:r>
+              <a:rPr lang="en-US" dirty="0">
+                <a:solidFill>
+                  <a:schemeClr val="bg1"/>
+                </a:solidFill>
+                <a:latin typeface="TH SarabunPSK" panose="020B0500040200020003" pitchFamily="34" charset="-34"/>
+                <a:cs typeface="TH SarabunPSK" panose="020B0500040200020003" pitchFamily="34" charset="-34"/>
+              </a:rPr>
+              <a:t>.</a:t>
+            </a:r>
+            <a:r>
+              <a:rPr lang="th-TH" dirty="0">
+                <a:solidFill>
+                  <a:schemeClr val="bg1"/>
+                </a:solidFill>
+                <a:latin typeface="TH SarabunPSK" panose="020B0500040200020003" pitchFamily="34" charset="-34"/>
+                <a:cs typeface="TH SarabunPSK" panose="020B0500040200020003" pitchFamily="34" charset="-34"/>
+              </a:rPr>
+              <a:t>ธนพงศ์ อินทระ สาขาวิชาสถิติ มหาวิทยาลัยขอนแก่น </a:t>
+            </a:r>
+          </a:p>
+        </p:txBody>
+      </p:sp>
     </p:spTree>
     <p:extLst>
       <p:ext uri="{BB962C8B-B14F-4D97-AF65-F5344CB8AC3E}">
@@ -8409,6 +10136,252 @@
           </a:p>
         </p:txBody>
       </p:sp>
+      <p:sp>
+        <p:nvSpPr>
+          <p:cNvPr id="5" name="Content Placeholder 2">
+            <a:extLst>
+              <a:ext uri="{FF2B5EF4-FFF2-40B4-BE49-F238E27FC236}">
+                <a16:creationId xmlns:a16="http://schemas.microsoft.com/office/drawing/2014/main" id="{A1F5401B-4427-D519-1825-E6559CBFE57F}"/>
+              </a:ext>
+            </a:extLst>
+          </p:cNvPr>
+          <p:cNvSpPr txBox="1">
+            <a:spLocks/>
+          </p:cNvSpPr>
+          <p:nvPr/>
+        </p:nvSpPr>
+        <p:spPr>
+          <a:xfrm>
+            <a:off x="106680" y="6520734"/>
+            <a:ext cx="5410200" cy="414367"/>
+          </a:xfrm>
+          <a:prstGeom prst="rect">
+            <a:avLst/>
+          </a:prstGeom>
+        </p:spPr>
+        <p:txBody>
+          <a:bodyPr vert="horz" lIns="91440" tIns="45720" rIns="91440" bIns="45720" rtlCol="0">
+            <a:normAutofit lnSpcReduction="10000"/>
+          </a:bodyPr>
+          <a:lstStyle>
+            <a:lvl1pPr marL="0" indent="0" algn="ctr" defTabSz="914400" rtl="0" eaLnBrk="1" latinLnBrk="0" hangingPunct="1">
+              <a:lnSpc>
+                <a:spcPct val="90000"/>
+              </a:lnSpc>
+              <a:spcBef>
+                <a:spcPts val="1000"/>
+              </a:spcBef>
+              <a:buFont typeface="Arial" panose="020B0604020202020204" pitchFamily="34" charset="0"/>
+              <a:buNone/>
+              <a:defRPr sz="2400" kern="1200">
+                <a:solidFill>
+                  <a:schemeClr val="tx1"/>
+                </a:solidFill>
+                <a:latin typeface="+mn-lt"/>
+                <a:ea typeface="+mn-ea"/>
+                <a:cs typeface="+mn-cs"/>
+              </a:defRPr>
+            </a:lvl1pPr>
+            <a:lvl2pPr marL="457200" indent="0" algn="ctr" defTabSz="914400" rtl="0" eaLnBrk="1" latinLnBrk="0" hangingPunct="1">
+              <a:lnSpc>
+                <a:spcPct val="90000"/>
+              </a:lnSpc>
+              <a:spcBef>
+                <a:spcPts val="500"/>
+              </a:spcBef>
+              <a:buFont typeface="Arial" panose="020B0604020202020204" pitchFamily="34" charset="0"/>
+              <a:buNone/>
+              <a:defRPr sz="2000" kern="1200">
+                <a:solidFill>
+                  <a:schemeClr val="tx1"/>
+                </a:solidFill>
+                <a:latin typeface="+mn-lt"/>
+                <a:ea typeface="+mn-ea"/>
+                <a:cs typeface="+mn-cs"/>
+              </a:defRPr>
+            </a:lvl2pPr>
+            <a:lvl3pPr marL="914400" indent="0" algn="ctr" defTabSz="914400" rtl="0" eaLnBrk="1" latinLnBrk="0" hangingPunct="1">
+              <a:lnSpc>
+                <a:spcPct val="90000"/>
+              </a:lnSpc>
+              <a:spcBef>
+                <a:spcPts val="500"/>
+              </a:spcBef>
+              <a:buFont typeface="Arial" panose="020B0604020202020204" pitchFamily="34" charset="0"/>
+              <a:buNone/>
+              <a:defRPr sz="1800" kern="1200">
+                <a:solidFill>
+                  <a:schemeClr val="tx1"/>
+                </a:solidFill>
+                <a:latin typeface="+mn-lt"/>
+                <a:ea typeface="+mn-ea"/>
+                <a:cs typeface="+mn-cs"/>
+              </a:defRPr>
+            </a:lvl3pPr>
+            <a:lvl4pPr marL="1371600" indent="0" algn="ctr" defTabSz="914400" rtl="0" eaLnBrk="1" latinLnBrk="0" hangingPunct="1">
+              <a:lnSpc>
+                <a:spcPct val="90000"/>
+              </a:lnSpc>
+              <a:spcBef>
+                <a:spcPts val="500"/>
+              </a:spcBef>
+              <a:buFont typeface="Arial" panose="020B0604020202020204" pitchFamily="34" charset="0"/>
+              <a:buNone/>
+              <a:defRPr sz="1600" kern="1200">
+                <a:solidFill>
+                  <a:schemeClr val="tx1"/>
+                </a:solidFill>
+                <a:latin typeface="+mn-lt"/>
+                <a:ea typeface="+mn-ea"/>
+                <a:cs typeface="+mn-cs"/>
+              </a:defRPr>
+            </a:lvl4pPr>
+            <a:lvl5pPr marL="1828800" indent="0" algn="ctr" defTabSz="914400" rtl="0" eaLnBrk="1" latinLnBrk="0" hangingPunct="1">
+              <a:lnSpc>
+                <a:spcPct val="90000"/>
+              </a:lnSpc>
+              <a:spcBef>
+                <a:spcPts val="500"/>
+              </a:spcBef>
+              <a:buFont typeface="Arial" panose="020B0604020202020204" pitchFamily="34" charset="0"/>
+              <a:buNone/>
+              <a:defRPr sz="1600" kern="1200">
+                <a:solidFill>
+                  <a:schemeClr val="tx1"/>
+                </a:solidFill>
+                <a:latin typeface="+mn-lt"/>
+                <a:ea typeface="+mn-ea"/>
+                <a:cs typeface="+mn-cs"/>
+              </a:defRPr>
+            </a:lvl5pPr>
+            <a:lvl6pPr marL="2286000" indent="0" algn="ctr" defTabSz="914400" rtl="0" eaLnBrk="1" latinLnBrk="0" hangingPunct="1">
+              <a:lnSpc>
+                <a:spcPct val="90000"/>
+              </a:lnSpc>
+              <a:spcBef>
+                <a:spcPts val="500"/>
+              </a:spcBef>
+              <a:buFont typeface="Arial" panose="020B0604020202020204" pitchFamily="34" charset="0"/>
+              <a:buNone/>
+              <a:defRPr sz="1600" kern="1200">
+                <a:solidFill>
+                  <a:schemeClr val="tx1"/>
+                </a:solidFill>
+                <a:latin typeface="+mn-lt"/>
+                <a:ea typeface="+mn-ea"/>
+                <a:cs typeface="+mn-cs"/>
+              </a:defRPr>
+            </a:lvl6pPr>
+            <a:lvl7pPr marL="2743200" indent="0" algn="ctr" defTabSz="914400" rtl="0" eaLnBrk="1" latinLnBrk="0" hangingPunct="1">
+              <a:lnSpc>
+                <a:spcPct val="90000"/>
+              </a:lnSpc>
+              <a:spcBef>
+                <a:spcPts val="500"/>
+              </a:spcBef>
+              <a:buFont typeface="Arial" panose="020B0604020202020204" pitchFamily="34" charset="0"/>
+              <a:buNone/>
+              <a:defRPr sz="1600" kern="1200">
+                <a:solidFill>
+                  <a:schemeClr val="tx1"/>
+                </a:solidFill>
+                <a:latin typeface="+mn-lt"/>
+                <a:ea typeface="+mn-ea"/>
+                <a:cs typeface="+mn-cs"/>
+              </a:defRPr>
+            </a:lvl7pPr>
+            <a:lvl8pPr marL="3200400" indent="0" algn="ctr" defTabSz="914400" rtl="0" eaLnBrk="1" latinLnBrk="0" hangingPunct="1">
+              <a:lnSpc>
+                <a:spcPct val="90000"/>
+              </a:lnSpc>
+              <a:spcBef>
+                <a:spcPts val="500"/>
+              </a:spcBef>
+              <a:buFont typeface="Arial" panose="020B0604020202020204" pitchFamily="34" charset="0"/>
+              <a:buNone/>
+              <a:defRPr sz="1600" kern="1200">
+                <a:solidFill>
+                  <a:schemeClr val="tx1"/>
+                </a:solidFill>
+                <a:latin typeface="+mn-lt"/>
+                <a:ea typeface="+mn-ea"/>
+                <a:cs typeface="+mn-cs"/>
+              </a:defRPr>
+            </a:lvl8pPr>
+            <a:lvl9pPr marL="3657600" indent="0" algn="ctr" defTabSz="914400" rtl="0" eaLnBrk="1" latinLnBrk="0" hangingPunct="1">
+              <a:lnSpc>
+                <a:spcPct val="90000"/>
+              </a:lnSpc>
+              <a:spcBef>
+                <a:spcPts val="500"/>
+              </a:spcBef>
+              <a:buFont typeface="Arial" panose="020B0604020202020204" pitchFamily="34" charset="0"/>
+              <a:buNone/>
+              <a:defRPr sz="1600" kern="1200">
+                <a:solidFill>
+                  <a:schemeClr val="tx1"/>
+                </a:solidFill>
+                <a:latin typeface="+mn-lt"/>
+                <a:ea typeface="+mn-ea"/>
+                <a:cs typeface="+mn-cs"/>
+              </a:defRPr>
+            </a:lvl9pPr>
+          </a:lstStyle>
+          <a:p>
+            <a:pPr algn="l"/>
+            <a:r>
+              <a:rPr lang="th-TH" dirty="0">
+                <a:solidFill>
+                  <a:schemeClr val="bg1"/>
+                </a:solidFill>
+                <a:latin typeface="TH SarabunPSK" panose="020B0500040200020003" pitchFamily="34" charset="-34"/>
+                <a:cs typeface="TH SarabunPSK" panose="020B0500040200020003" pitchFamily="34" charset="-34"/>
+              </a:rPr>
+              <a:t>โดย ผศ</a:t>
+            </a:r>
+            <a:r>
+              <a:rPr lang="en-US" dirty="0">
+                <a:solidFill>
+                  <a:schemeClr val="bg1"/>
+                </a:solidFill>
+                <a:latin typeface="TH SarabunPSK" panose="020B0500040200020003" pitchFamily="34" charset="-34"/>
+                <a:cs typeface="TH SarabunPSK" panose="020B0500040200020003" pitchFamily="34" charset="-34"/>
+              </a:rPr>
+              <a:t>. </a:t>
+            </a:r>
+            <a:r>
+              <a:rPr lang="th-TH" dirty="0">
+                <a:solidFill>
+                  <a:schemeClr val="bg1"/>
+                </a:solidFill>
+                <a:latin typeface="TH SarabunPSK" panose="020B0500040200020003" pitchFamily="34" charset="-34"/>
+                <a:cs typeface="TH SarabunPSK" panose="020B0500040200020003" pitchFamily="34" charset="-34"/>
+              </a:rPr>
+              <a:t>ดร</a:t>
+            </a:r>
+            <a:r>
+              <a:rPr lang="en-US" dirty="0">
+                <a:solidFill>
+                  <a:schemeClr val="bg1"/>
+                </a:solidFill>
+                <a:latin typeface="TH SarabunPSK" panose="020B0500040200020003" pitchFamily="34" charset="-34"/>
+                <a:cs typeface="TH SarabunPSK" panose="020B0500040200020003" pitchFamily="34" charset="-34"/>
+              </a:rPr>
+              <a:t>.</a:t>
+            </a:r>
+            <a:r>
+              <a:rPr lang="th-TH" dirty="0">
+                <a:solidFill>
+                  <a:schemeClr val="bg1"/>
+                </a:solidFill>
+                <a:latin typeface="TH SarabunPSK" panose="020B0500040200020003" pitchFamily="34" charset="-34"/>
+                <a:cs typeface="TH SarabunPSK" panose="020B0500040200020003" pitchFamily="34" charset="-34"/>
+              </a:rPr>
+              <a:t>ธนพงศ์ อินทระ สาขาวิชาสถิติ มหาวิทยาลัยขอนแก่น </a:t>
+            </a:r>
+          </a:p>
+        </p:txBody>
+      </p:sp>
     </p:spTree>
     <p:extLst>
       <p:ext uri="{BB962C8B-B14F-4D97-AF65-F5344CB8AC3E}">
@@ -9001,6 +10974,252 @@
           </a:p>
         </p:txBody>
       </p:sp>
+      <p:sp>
+        <p:nvSpPr>
+          <p:cNvPr id="5" name="Content Placeholder 2">
+            <a:extLst>
+              <a:ext uri="{FF2B5EF4-FFF2-40B4-BE49-F238E27FC236}">
+                <a16:creationId xmlns:a16="http://schemas.microsoft.com/office/drawing/2014/main" id="{DE326579-BCA6-FA27-91B6-05ED8E433AB7}"/>
+              </a:ext>
+            </a:extLst>
+          </p:cNvPr>
+          <p:cNvSpPr txBox="1">
+            <a:spLocks/>
+          </p:cNvSpPr>
+          <p:nvPr/>
+        </p:nvSpPr>
+        <p:spPr>
+          <a:xfrm>
+            <a:off x="106680" y="6520734"/>
+            <a:ext cx="5410200" cy="414367"/>
+          </a:xfrm>
+          <a:prstGeom prst="rect">
+            <a:avLst/>
+          </a:prstGeom>
+        </p:spPr>
+        <p:txBody>
+          <a:bodyPr vert="horz" lIns="91440" tIns="45720" rIns="91440" bIns="45720" rtlCol="0">
+            <a:normAutofit lnSpcReduction="10000"/>
+          </a:bodyPr>
+          <a:lstStyle>
+            <a:lvl1pPr marL="0" indent="0" algn="ctr" defTabSz="914400" rtl="0" eaLnBrk="1" latinLnBrk="0" hangingPunct="1">
+              <a:lnSpc>
+                <a:spcPct val="90000"/>
+              </a:lnSpc>
+              <a:spcBef>
+                <a:spcPts val="1000"/>
+              </a:spcBef>
+              <a:buFont typeface="Arial" panose="020B0604020202020204" pitchFamily="34" charset="0"/>
+              <a:buNone/>
+              <a:defRPr sz="2400" kern="1200">
+                <a:solidFill>
+                  <a:schemeClr val="tx1"/>
+                </a:solidFill>
+                <a:latin typeface="+mn-lt"/>
+                <a:ea typeface="+mn-ea"/>
+                <a:cs typeface="+mn-cs"/>
+              </a:defRPr>
+            </a:lvl1pPr>
+            <a:lvl2pPr marL="457200" indent="0" algn="ctr" defTabSz="914400" rtl="0" eaLnBrk="1" latinLnBrk="0" hangingPunct="1">
+              <a:lnSpc>
+                <a:spcPct val="90000"/>
+              </a:lnSpc>
+              <a:spcBef>
+                <a:spcPts val="500"/>
+              </a:spcBef>
+              <a:buFont typeface="Arial" panose="020B0604020202020204" pitchFamily="34" charset="0"/>
+              <a:buNone/>
+              <a:defRPr sz="2000" kern="1200">
+                <a:solidFill>
+                  <a:schemeClr val="tx1"/>
+                </a:solidFill>
+                <a:latin typeface="+mn-lt"/>
+                <a:ea typeface="+mn-ea"/>
+                <a:cs typeface="+mn-cs"/>
+              </a:defRPr>
+            </a:lvl2pPr>
+            <a:lvl3pPr marL="914400" indent="0" algn="ctr" defTabSz="914400" rtl="0" eaLnBrk="1" latinLnBrk="0" hangingPunct="1">
+              <a:lnSpc>
+                <a:spcPct val="90000"/>
+              </a:lnSpc>
+              <a:spcBef>
+                <a:spcPts val="500"/>
+              </a:spcBef>
+              <a:buFont typeface="Arial" panose="020B0604020202020204" pitchFamily="34" charset="0"/>
+              <a:buNone/>
+              <a:defRPr sz="1800" kern="1200">
+                <a:solidFill>
+                  <a:schemeClr val="tx1"/>
+                </a:solidFill>
+                <a:latin typeface="+mn-lt"/>
+                <a:ea typeface="+mn-ea"/>
+                <a:cs typeface="+mn-cs"/>
+              </a:defRPr>
+            </a:lvl3pPr>
+            <a:lvl4pPr marL="1371600" indent="0" algn="ctr" defTabSz="914400" rtl="0" eaLnBrk="1" latinLnBrk="0" hangingPunct="1">
+              <a:lnSpc>
+                <a:spcPct val="90000"/>
+              </a:lnSpc>
+              <a:spcBef>
+                <a:spcPts val="500"/>
+              </a:spcBef>
+              <a:buFont typeface="Arial" panose="020B0604020202020204" pitchFamily="34" charset="0"/>
+              <a:buNone/>
+              <a:defRPr sz="1600" kern="1200">
+                <a:solidFill>
+                  <a:schemeClr val="tx1"/>
+                </a:solidFill>
+                <a:latin typeface="+mn-lt"/>
+                <a:ea typeface="+mn-ea"/>
+                <a:cs typeface="+mn-cs"/>
+              </a:defRPr>
+            </a:lvl4pPr>
+            <a:lvl5pPr marL="1828800" indent="0" algn="ctr" defTabSz="914400" rtl="0" eaLnBrk="1" latinLnBrk="0" hangingPunct="1">
+              <a:lnSpc>
+                <a:spcPct val="90000"/>
+              </a:lnSpc>
+              <a:spcBef>
+                <a:spcPts val="500"/>
+              </a:spcBef>
+              <a:buFont typeface="Arial" panose="020B0604020202020204" pitchFamily="34" charset="0"/>
+              <a:buNone/>
+              <a:defRPr sz="1600" kern="1200">
+                <a:solidFill>
+                  <a:schemeClr val="tx1"/>
+                </a:solidFill>
+                <a:latin typeface="+mn-lt"/>
+                <a:ea typeface="+mn-ea"/>
+                <a:cs typeface="+mn-cs"/>
+              </a:defRPr>
+            </a:lvl5pPr>
+            <a:lvl6pPr marL="2286000" indent="0" algn="ctr" defTabSz="914400" rtl="0" eaLnBrk="1" latinLnBrk="0" hangingPunct="1">
+              <a:lnSpc>
+                <a:spcPct val="90000"/>
+              </a:lnSpc>
+              <a:spcBef>
+                <a:spcPts val="500"/>
+              </a:spcBef>
+              <a:buFont typeface="Arial" panose="020B0604020202020204" pitchFamily="34" charset="0"/>
+              <a:buNone/>
+              <a:defRPr sz="1600" kern="1200">
+                <a:solidFill>
+                  <a:schemeClr val="tx1"/>
+                </a:solidFill>
+                <a:latin typeface="+mn-lt"/>
+                <a:ea typeface="+mn-ea"/>
+                <a:cs typeface="+mn-cs"/>
+              </a:defRPr>
+            </a:lvl6pPr>
+            <a:lvl7pPr marL="2743200" indent="0" algn="ctr" defTabSz="914400" rtl="0" eaLnBrk="1" latinLnBrk="0" hangingPunct="1">
+              <a:lnSpc>
+                <a:spcPct val="90000"/>
+              </a:lnSpc>
+              <a:spcBef>
+                <a:spcPts val="500"/>
+              </a:spcBef>
+              <a:buFont typeface="Arial" panose="020B0604020202020204" pitchFamily="34" charset="0"/>
+              <a:buNone/>
+              <a:defRPr sz="1600" kern="1200">
+                <a:solidFill>
+                  <a:schemeClr val="tx1"/>
+                </a:solidFill>
+                <a:latin typeface="+mn-lt"/>
+                <a:ea typeface="+mn-ea"/>
+                <a:cs typeface="+mn-cs"/>
+              </a:defRPr>
+            </a:lvl7pPr>
+            <a:lvl8pPr marL="3200400" indent="0" algn="ctr" defTabSz="914400" rtl="0" eaLnBrk="1" latinLnBrk="0" hangingPunct="1">
+              <a:lnSpc>
+                <a:spcPct val="90000"/>
+              </a:lnSpc>
+              <a:spcBef>
+                <a:spcPts val="500"/>
+              </a:spcBef>
+              <a:buFont typeface="Arial" panose="020B0604020202020204" pitchFamily="34" charset="0"/>
+              <a:buNone/>
+              <a:defRPr sz="1600" kern="1200">
+                <a:solidFill>
+                  <a:schemeClr val="tx1"/>
+                </a:solidFill>
+                <a:latin typeface="+mn-lt"/>
+                <a:ea typeface="+mn-ea"/>
+                <a:cs typeface="+mn-cs"/>
+              </a:defRPr>
+            </a:lvl8pPr>
+            <a:lvl9pPr marL="3657600" indent="0" algn="ctr" defTabSz="914400" rtl="0" eaLnBrk="1" latinLnBrk="0" hangingPunct="1">
+              <a:lnSpc>
+                <a:spcPct val="90000"/>
+              </a:lnSpc>
+              <a:spcBef>
+                <a:spcPts val="500"/>
+              </a:spcBef>
+              <a:buFont typeface="Arial" panose="020B0604020202020204" pitchFamily="34" charset="0"/>
+              <a:buNone/>
+              <a:defRPr sz="1600" kern="1200">
+                <a:solidFill>
+                  <a:schemeClr val="tx1"/>
+                </a:solidFill>
+                <a:latin typeface="+mn-lt"/>
+                <a:ea typeface="+mn-ea"/>
+                <a:cs typeface="+mn-cs"/>
+              </a:defRPr>
+            </a:lvl9pPr>
+          </a:lstStyle>
+          <a:p>
+            <a:pPr algn="l"/>
+            <a:r>
+              <a:rPr lang="th-TH" dirty="0">
+                <a:solidFill>
+                  <a:schemeClr val="bg1"/>
+                </a:solidFill>
+                <a:latin typeface="TH SarabunPSK" panose="020B0500040200020003" pitchFamily="34" charset="-34"/>
+                <a:cs typeface="TH SarabunPSK" panose="020B0500040200020003" pitchFamily="34" charset="-34"/>
+              </a:rPr>
+              <a:t>โดย ผศ</a:t>
+            </a:r>
+            <a:r>
+              <a:rPr lang="en-US" dirty="0">
+                <a:solidFill>
+                  <a:schemeClr val="bg1"/>
+                </a:solidFill>
+                <a:latin typeface="TH SarabunPSK" panose="020B0500040200020003" pitchFamily="34" charset="-34"/>
+                <a:cs typeface="TH SarabunPSK" panose="020B0500040200020003" pitchFamily="34" charset="-34"/>
+              </a:rPr>
+              <a:t>. </a:t>
+            </a:r>
+            <a:r>
+              <a:rPr lang="th-TH" dirty="0">
+                <a:solidFill>
+                  <a:schemeClr val="bg1"/>
+                </a:solidFill>
+                <a:latin typeface="TH SarabunPSK" panose="020B0500040200020003" pitchFamily="34" charset="-34"/>
+                <a:cs typeface="TH SarabunPSK" panose="020B0500040200020003" pitchFamily="34" charset="-34"/>
+              </a:rPr>
+              <a:t>ดร</a:t>
+            </a:r>
+            <a:r>
+              <a:rPr lang="en-US" dirty="0">
+                <a:solidFill>
+                  <a:schemeClr val="bg1"/>
+                </a:solidFill>
+                <a:latin typeface="TH SarabunPSK" panose="020B0500040200020003" pitchFamily="34" charset="-34"/>
+                <a:cs typeface="TH SarabunPSK" panose="020B0500040200020003" pitchFamily="34" charset="-34"/>
+              </a:rPr>
+              <a:t>.</a:t>
+            </a:r>
+            <a:r>
+              <a:rPr lang="th-TH" dirty="0">
+                <a:solidFill>
+                  <a:schemeClr val="bg1"/>
+                </a:solidFill>
+                <a:latin typeface="TH SarabunPSK" panose="020B0500040200020003" pitchFamily="34" charset="-34"/>
+                <a:cs typeface="TH SarabunPSK" panose="020B0500040200020003" pitchFamily="34" charset="-34"/>
+              </a:rPr>
+              <a:t>ธนพงศ์ อินทระ สาขาวิชาสถิติ มหาวิทยาลัยขอนแก่น </a:t>
+            </a:r>
+          </a:p>
+        </p:txBody>
+      </p:sp>
     </p:spTree>
     <p:extLst>
       <p:ext uri="{BB962C8B-B14F-4D97-AF65-F5344CB8AC3E}">
@@ -9648,6 +11867,252 @@
           </a:prstGeom>
         </p:spPr>
       </p:pic>
+      <p:sp>
+        <p:nvSpPr>
+          <p:cNvPr id="7" name="Content Placeholder 2">
+            <a:extLst>
+              <a:ext uri="{FF2B5EF4-FFF2-40B4-BE49-F238E27FC236}">
+                <a16:creationId xmlns:a16="http://schemas.microsoft.com/office/drawing/2014/main" id="{A759ED78-3594-7CBA-3152-583D7450D82B}"/>
+              </a:ext>
+            </a:extLst>
+          </p:cNvPr>
+          <p:cNvSpPr txBox="1">
+            <a:spLocks/>
+          </p:cNvSpPr>
+          <p:nvPr/>
+        </p:nvSpPr>
+        <p:spPr>
+          <a:xfrm>
+            <a:off x="106680" y="6520734"/>
+            <a:ext cx="5410200" cy="414367"/>
+          </a:xfrm>
+          <a:prstGeom prst="rect">
+            <a:avLst/>
+          </a:prstGeom>
+        </p:spPr>
+        <p:txBody>
+          <a:bodyPr vert="horz" lIns="91440" tIns="45720" rIns="91440" bIns="45720" rtlCol="0">
+            <a:normAutofit lnSpcReduction="10000"/>
+          </a:bodyPr>
+          <a:lstStyle>
+            <a:lvl1pPr marL="0" indent="0" algn="ctr" defTabSz="914400" rtl="0" eaLnBrk="1" latinLnBrk="0" hangingPunct="1">
+              <a:lnSpc>
+                <a:spcPct val="90000"/>
+              </a:lnSpc>
+              <a:spcBef>
+                <a:spcPts val="1000"/>
+              </a:spcBef>
+              <a:buFont typeface="Arial" panose="020B0604020202020204" pitchFamily="34" charset="0"/>
+              <a:buNone/>
+              <a:defRPr sz="2400" kern="1200">
+                <a:solidFill>
+                  <a:schemeClr val="tx1"/>
+                </a:solidFill>
+                <a:latin typeface="+mn-lt"/>
+                <a:ea typeface="+mn-ea"/>
+                <a:cs typeface="+mn-cs"/>
+              </a:defRPr>
+            </a:lvl1pPr>
+            <a:lvl2pPr marL="457200" indent="0" algn="ctr" defTabSz="914400" rtl="0" eaLnBrk="1" latinLnBrk="0" hangingPunct="1">
+              <a:lnSpc>
+                <a:spcPct val="90000"/>
+              </a:lnSpc>
+              <a:spcBef>
+                <a:spcPts val="500"/>
+              </a:spcBef>
+              <a:buFont typeface="Arial" panose="020B0604020202020204" pitchFamily="34" charset="0"/>
+              <a:buNone/>
+              <a:defRPr sz="2000" kern="1200">
+                <a:solidFill>
+                  <a:schemeClr val="tx1"/>
+                </a:solidFill>
+                <a:latin typeface="+mn-lt"/>
+                <a:ea typeface="+mn-ea"/>
+                <a:cs typeface="+mn-cs"/>
+              </a:defRPr>
+            </a:lvl2pPr>
+            <a:lvl3pPr marL="914400" indent="0" algn="ctr" defTabSz="914400" rtl="0" eaLnBrk="1" latinLnBrk="0" hangingPunct="1">
+              <a:lnSpc>
+                <a:spcPct val="90000"/>
+              </a:lnSpc>
+              <a:spcBef>
+                <a:spcPts val="500"/>
+              </a:spcBef>
+              <a:buFont typeface="Arial" panose="020B0604020202020204" pitchFamily="34" charset="0"/>
+              <a:buNone/>
+              <a:defRPr sz="1800" kern="1200">
+                <a:solidFill>
+                  <a:schemeClr val="tx1"/>
+                </a:solidFill>
+                <a:latin typeface="+mn-lt"/>
+                <a:ea typeface="+mn-ea"/>
+                <a:cs typeface="+mn-cs"/>
+              </a:defRPr>
+            </a:lvl3pPr>
+            <a:lvl4pPr marL="1371600" indent="0" algn="ctr" defTabSz="914400" rtl="0" eaLnBrk="1" latinLnBrk="0" hangingPunct="1">
+              <a:lnSpc>
+                <a:spcPct val="90000"/>
+              </a:lnSpc>
+              <a:spcBef>
+                <a:spcPts val="500"/>
+              </a:spcBef>
+              <a:buFont typeface="Arial" panose="020B0604020202020204" pitchFamily="34" charset="0"/>
+              <a:buNone/>
+              <a:defRPr sz="1600" kern="1200">
+                <a:solidFill>
+                  <a:schemeClr val="tx1"/>
+                </a:solidFill>
+                <a:latin typeface="+mn-lt"/>
+                <a:ea typeface="+mn-ea"/>
+                <a:cs typeface="+mn-cs"/>
+              </a:defRPr>
+            </a:lvl4pPr>
+            <a:lvl5pPr marL="1828800" indent="0" algn="ctr" defTabSz="914400" rtl="0" eaLnBrk="1" latinLnBrk="0" hangingPunct="1">
+              <a:lnSpc>
+                <a:spcPct val="90000"/>
+              </a:lnSpc>
+              <a:spcBef>
+                <a:spcPts val="500"/>
+              </a:spcBef>
+              <a:buFont typeface="Arial" panose="020B0604020202020204" pitchFamily="34" charset="0"/>
+              <a:buNone/>
+              <a:defRPr sz="1600" kern="1200">
+                <a:solidFill>
+                  <a:schemeClr val="tx1"/>
+                </a:solidFill>
+                <a:latin typeface="+mn-lt"/>
+                <a:ea typeface="+mn-ea"/>
+                <a:cs typeface="+mn-cs"/>
+              </a:defRPr>
+            </a:lvl5pPr>
+            <a:lvl6pPr marL="2286000" indent="0" algn="ctr" defTabSz="914400" rtl="0" eaLnBrk="1" latinLnBrk="0" hangingPunct="1">
+              <a:lnSpc>
+                <a:spcPct val="90000"/>
+              </a:lnSpc>
+              <a:spcBef>
+                <a:spcPts val="500"/>
+              </a:spcBef>
+              <a:buFont typeface="Arial" panose="020B0604020202020204" pitchFamily="34" charset="0"/>
+              <a:buNone/>
+              <a:defRPr sz="1600" kern="1200">
+                <a:solidFill>
+                  <a:schemeClr val="tx1"/>
+                </a:solidFill>
+                <a:latin typeface="+mn-lt"/>
+                <a:ea typeface="+mn-ea"/>
+                <a:cs typeface="+mn-cs"/>
+              </a:defRPr>
+            </a:lvl6pPr>
+            <a:lvl7pPr marL="2743200" indent="0" algn="ctr" defTabSz="914400" rtl="0" eaLnBrk="1" latinLnBrk="0" hangingPunct="1">
+              <a:lnSpc>
+                <a:spcPct val="90000"/>
+              </a:lnSpc>
+              <a:spcBef>
+                <a:spcPts val="500"/>
+              </a:spcBef>
+              <a:buFont typeface="Arial" panose="020B0604020202020204" pitchFamily="34" charset="0"/>
+              <a:buNone/>
+              <a:defRPr sz="1600" kern="1200">
+                <a:solidFill>
+                  <a:schemeClr val="tx1"/>
+                </a:solidFill>
+                <a:latin typeface="+mn-lt"/>
+                <a:ea typeface="+mn-ea"/>
+                <a:cs typeface="+mn-cs"/>
+              </a:defRPr>
+            </a:lvl7pPr>
+            <a:lvl8pPr marL="3200400" indent="0" algn="ctr" defTabSz="914400" rtl="0" eaLnBrk="1" latinLnBrk="0" hangingPunct="1">
+              <a:lnSpc>
+                <a:spcPct val="90000"/>
+              </a:lnSpc>
+              <a:spcBef>
+                <a:spcPts val="500"/>
+              </a:spcBef>
+              <a:buFont typeface="Arial" panose="020B0604020202020204" pitchFamily="34" charset="0"/>
+              <a:buNone/>
+              <a:defRPr sz="1600" kern="1200">
+                <a:solidFill>
+                  <a:schemeClr val="tx1"/>
+                </a:solidFill>
+                <a:latin typeface="+mn-lt"/>
+                <a:ea typeface="+mn-ea"/>
+                <a:cs typeface="+mn-cs"/>
+              </a:defRPr>
+            </a:lvl8pPr>
+            <a:lvl9pPr marL="3657600" indent="0" algn="ctr" defTabSz="914400" rtl="0" eaLnBrk="1" latinLnBrk="0" hangingPunct="1">
+              <a:lnSpc>
+                <a:spcPct val="90000"/>
+              </a:lnSpc>
+              <a:spcBef>
+                <a:spcPts val="500"/>
+              </a:spcBef>
+              <a:buFont typeface="Arial" panose="020B0604020202020204" pitchFamily="34" charset="0"/>
+              <a:buNone/>
+              <a:defRPr sz="1600" kern="1200">
+                <a:solidFill>
+                  <a:schemeClr val="tx1"/>
+                </a:solidFill>
+                <a:latin typeface="+mn-lt"/>
+                <a:ea typeface="+mn-ea"/>
+                <a:cs typeface="+mn-cs"/>
+              </a:defRPr>
+            </a:lvl9pPr>
+          </a:lstStyle>
+          <a:p>
+            <a:pPr algn="l"/>
+            <a:r>
+              <a:rPr lang="th-TH" dirty="0">
+                <a:solidFill>
+                  <a:schemeClr val="bg1"/>
+                </a:solidFill>
+                <a:latin typeface="TH SarabunPSK" panose="020B0500040200020003" pitchFamily="34" charset="-34"/>
+                <a:cs typeface="TH SarabunPSK" panose="020B0500040200020003" pitchFamily="34" charset="-34"/>
+              </a:rPr>
+              <a:t>โดย ผศ</a:t>
+            </a:r>
+            <a:r>
+              <a:rPr lang="en-US" dirty="0">
+                <a:solidFill>
+                  <a:schemeClr val="bg1"/>
+                </a:solidFill>
+                <a:latin typeface="TH SarabunPSK" panose="020B0500040200020003" pitchFamily="34" charset="-34"/>
+                <a:cs typeface="TH SarabunPSK" panose="020B0500040200020003" pitchFamily="34" charset="-34"/>
+              </a:rPr>
+              <a:t>. </a:t>
+            </a:r>
+            <a:r>
+              <a:rPr lang="th-TH" dirty="0">
+                <a:solidFill>
+                  <a:schemeClr val="bg1"/>
+                </a:solidFill>
+                <a:latin typeface="TH SarabunPSK" panose="020B0500040200020003" pitchFamily="34" charset="-34"/>
+                <a:cs typeface="TH SarabunPSK" panose="020B0500040200020003" pitchFamily="34" charset="-34"/>
+              </a:rPr>
+              <a:t>ดร</a:t>
+            </a:r>
+            <a:r>
+              <a:rPr lang="en-US" dirty="0">
+                <a:solidFill>
+                  <a:schemeClr val="bg1"/>
+                </a:solidFill>
+                <a:latin typeface="TH SarabunPSK" panose="020B0500040200020003" pitchFamily="34" charset="-34"/>
+                <a:cs typeface="TH SarabunPSK" panose="020B0500040200020003" pitchFamily="34" charset="-34"/>
+              </a:rPr>
+              <a:t>.</a:t>
+            </a:r>
+            <a:r>
+              <a:rPr lang="th-TH" dirty="0">
+                <a:solidFill>
+                  <a:schemeClr val="bg1"/>
+                </a:solidFill>
+                <a:latin typeface="TH SarabunPSK" panose="020B0500040200020003" pitchFamily="34" charset="-34"/>
+                <a:cs typeface="TH SarabunPSK" panose="020B0500040200020003" pitchFamily="34" charset="-34"/>
+              </a:rPr>
+              <a:t>ธนพงศ์ อินทระ สาขาวิชาสถิติ มหาวิทยาลัยขอนแก่น </a:t>
+            </a:r>
+          </a:p>
+        </p:txBody>
+      </p:sp>
     </p:spTree>
     <p:extLst>
       <p:ext uri="{BB962C8B-B14F-4D97-AF65-F5344CB8AC3E}">
@@ -10296,6 +12761,252 @@
           </a:p>
         </p:txBody>
       </p:sp>
+      <p:sp>
+        <p:nvSpPr>
+          <p:cNvPr id="5" name="Content Placeholder 2">
+            <a:extLst>
+              <a:ext uri="{FF2B5EF4-FFF2-40B4-BE49-F238E27FC236}">
+                <a16:creationId xmlns:a16="http://schemas.microsoft.com/office/drawing/2014/main" id="{3575B157-D8BD-BF82-2A50-039E5FA4C4F5}"/>
+              </a:ext>
+            </a:extLst>
+          </p:cNvPr>
+          <p:cNvSpPr txBox="1">
+            <a:spLocks/>
+          </p:cNvSpPr>
+          <p:nvPr/>
+        </p:nvSpPr>
+        <p:spPr>
+          <a:xfrm>
+            <a:off x="106680" y="6520734"/>
+            <a:ext cx="5410200" cy="414367"/>
+          </a:xfrm>
+          <a:prstGeom prst="rect">
+            <a:avLst/>
+          </a:prstGeom>
+        </p:spPr>
+        <p:txBody>
+          <a:bodyPr vert="horz" lIns="91440" tIns="45720" rIns="91440" bIns="45720" rtlCol="0">
+            <a:normAutofit lnSpcReduction="10000"/>
+          </a:bodyPr>
+          <a:lstStyle>
+            <a:lvl1pPr marL="0" indent="0" algn="ctr" defTabSz="914400" rtl="0" eaLnBrk="1" latinLnBrk="0" hangingPunct="1">
+              <a:lnSpc>
+                <a:spcPct val="90000"/>
+              </a:lnSpc>
+              <a:spcBef>
+                <a:spcPts val="1000"/>
+              </a:spcBef>
+              <a:buFont typeface="Arial" panose="020B0604020202020204" pitchFamily="34" charset="0"/>
+              <a:buNone/>
+              <a:defRPr sz="2400" kern="1200">
+                <a:solidFill>
+                  <a:schemeClr val="tx1"/>
+                </a:solidFill>
+                <a:latin typeface="+mn-lt"/>
+                <a:ea typeface="+mn-ea"/>
+                <a:cs typeface="+mn-cs"/>
+              </a:defRPr>
+            </a:lvl1pPr>
+            <a:lvl2pPr marL="457200" indent="0" algn="ctr" defTabSz="914400" rtl="0" eaLnBrk="1" latinLnBrk="0" hangingPunct="1">
+              <a:lnSpc>
+                <a:spcPct val="90000"/>
+              </a:lnSpc>
+              <a:spcBef>
+                <a:spcPts val="500"/>
+              </a:spcBef>
+              <a:buFont typeface="Arial" panose="020B0604020202020204" pitchFamily="34" charset="0"/>
+              <a:buNone/>
+              <a:defRPr sz="2000" kern="1200">
+                <a:solidFill>
+                  <a:schemeClr val="tx1"/>
+                </a:solidFill>
+                <a:latin typeface="+mn-lt"/>
+                <a:ea typeface="+mn-ea"/>
+                <a:cs typeface="+mn-cs"/>
+              </a:defRPr>
+            </a:lvl2pPr>
+            <a:lvl3pPr marL="914400" indent="0" algn="ctr" defTabSz="914400" rtl="0" eaLnBrk="1" latinLnBrk="0" hangingPunct="1">
+              <a:lnSpc>
+                <a:spcPct val="90000"/>
+              </a:lnSpc>
+              <a:spcBef>
+                <a:spcPts val="500"/>
+              </a:spcBef>
+              <a:buFont typeface="Arial" panose="020B0604020202020204" pitchFamily="34" charset="0"/>
+              <a:buNone/>
+              <a:defRPr sz="1800" kern="1200">
+                <a:solidFill>
+                  <a:schemeClr val="tx1"/>
+                </a:solidFill>
+                <a:latin typeface="+mn-lt"/>
+                <a:ea typeface="+mn-ea"/>
+                <a:cs typeface="+mn-cs"/>
+              </a:defRPr>
+            </a:lvl3pPr>
+            <a:lvl4pPr marL="1371600" indent="0" algn="ctr" defTabSz="914400" rtl="0" eaLnBrk="1" latinLnBrk="0" hangingPunct="1">
+              <a:lnSpc>
+                <a:spcPct val="90000"/>
+              </a:lnSpc>
+              <a:spcBef>
+                <a:spcPts val="500"/>
+              </a:spcBef>
+              <a:buFont typeface="Arial" panose="020B0604020202020204" pitchFamily="34" charset="0"/>
+              <a:buNone/>
+              <a:defRPr sz="1600" kern="1200">
+                <a:solidFill>
+                  <a:schemeClr val="tx1"/>
+                </a:solidFill>
+                <a:latin typeface="+mn-lt"/>
+                <a:ea typeface="+mn-ea"/>
+                <a:cs typeface="+mn-cs"/>
+              </a:defRPr>
+            </a:lvl4pPr>
+            <a:lvl5pPr marL="1828800" indent="0" algn="ctr" defTabSz="914400" rtl="0" eaLnBrk="1" latinLnBrk="0" hangingPunct="1">
+              <a:lnSpc>
+                <a:spcPct val="90000"/>
+              </a:lnSpc>
+              <a:spcBef>
+                <a:spcPts val="500"/>
+              </a:spcBef>
+              <a:buFont typeface="Arial" panose="020B0604020202020204" pitchFamily="34" charset="0"/>
+              <a:buNone/>
+              <a:defRPr sz="1600" kern="1200">
+                <a:solidFill>
+                  <a:schemeClr val="tx1"/>
+                </a:solidFill>
+                <a:latin typeface="+mn-lt"/>
+                <a:ea typeface="+mn-ea"/>
+                <a:cs typeface="+mn-cs"/>
+              </a:defRPr>
+            </a:lvl5pPr>
+            <a:lvl6pPr marL="2286000" indent="0" algn="ctr" defTabSz="914400" rtl="0" eaLnBrk="1" latinLnBrk="0" hangingPunct="1">
+              <a:lnSpc>
+                <a:spcPct val="90000"/>
+              </a:lnSpc>
+              <a:spcBef>
+                <a:spcPts val="500"/>
+              </a:spcBef>
+              <a:buFont typeface="Arial" panose="020B0604020202020204" pitchFamily="34" charset="0"/>
+              <a:buNone/>
+              <a:defRPr sz="1600" kern="1200">
+                <a:solidFill>
+                  <a:schemeClr val="tx1"/>
+                </a:solidFill>
+                <a:latin typeface="+mn-lt"/>
+                <a:ea typeface="+mn-ea"/>
+                <a:cs typeface="+mn-cs"/>
+              </a:defRPr>
+            </a:lvl6pPr>
+            <a:lvl7pPr marL="2743200" indent="0" algn="ctr" defTabSz="914400" rtl="0" eaLnBrk="1" latinLnBrk="0" hangingPunct="1">
+              <a:lnSpc>
+                <a:spcPct val="90000"/>
+              </a:lnSpc>
+              <a:spcBef>
+                <a:spcPts val="500"/>
+              </a:spcBef>
+              <a:buFont typeface="Arial" panose="020B0604020202020204" pitchFamily="34" charset="0"/>
+              <a:buNone/>
+              <a:defRPr sz="1600" kern="1200">
+                <a:solidFill>
+                  <a:schemeClr val="tx1"/>
+                </a:solidFill>
+                <a:latin typeface="+mn-lt"/>
+                <a:ea typeface="+mn-ea"/>
+                <a:cs typeface="+mn-cs"/>
+              </a:defRPr>
+            </a:lvl7pPr>
+            <a:lvl8pPr marL="3200400" indent="0" algn="ctr" defTabSz="914400" rtl="0" eaLnBrk="1" latinLnBrk="0" hangingPunct="1">
+              <a:lnSpc>
+                <a:spcPct val="90000"/>
+              </a:lnSpc>
+              <a:spcBef>
+                <a:spcPts val="500"/>
+              </a:spcBef>
+              <a:buFont typeface="Arial" panose="020B0604020202020204" pitchFamily="34" charset="0"/>
+              <a:buNone/>
+              <a:defRPr sz="1600" kern="1200">
+                <a:solidFill>
+                  <a:schemeClr val="tx1"/>
+                </a:solidFill>
+                <a:latin typeface="+mn-lt"/>
+                <a:ea typeface="+mn-ea"/>
+                <a:cs typeface="+mn-cs"/>
+              </a:defRPr>
+            </a:lvl8pPr>
+            <a:lvl9pPr marL="3657600" indent="0" algn="ctr" defTabSz="914400" rtl="0" eaLnBrk="1" latinLnBrk="0" hangingPunct="1">
+              <a:lnSpc>
+                <a:spcPct val="90000"/>
+              </a:lnSpc>
+              <a:spcBef>
+                <a:spcPts val="500"/>
+              </a:spcBef>
+              <a:buFont typeface="Arial" panose="020B0604020202020204" pitchFamily="34" charset="0"/>
+              <a:buNone/>
+              <a:defRPr sz="1600" kern="1200">
+                <a:solidFill>
+                  <a:schemeClr val="tx1"/>
+                </a:solidFill>
+                <a:latin typeface="+mn-lt"/>
+                <a:ea typeface="+mn-ea"/>
+                <a:cs typeface="+mn-cs"/>
+              </a:defRPr>
+            </a:lvl9pPr>
+          </a:lstStyle>
+          <a:p>
+            <a:pPr algn="l"/>
+            <a:r>
+              <a:rPr lang="th-TH" dirty="0">
+                <a:solidFill>
+                  <a:schemeClr val="bg1"/>
+                </a:solidFill>
+                <a:latin typeface="TH SarabunPSK" panose="020B0500040200020003" pitchFamily="34" charset="-34"/>
+                <a:cs typeface="TH SarabunPSK" panose="020B0500040200020003" pitchFamily="34" charset="-34"/>
+              </a:rPr>
+              <a:t>โดย ผศ</a:t>
+            </a:r>
+            <a:r>
+              <a:rPr lang="en-US" dirty="0">
+                <a:solidFill>
+                  <a:schemeClr val="bg1"/>
+                </a:solidFill>
+                <a:latin typeface="TH SarabunPSK" panose="020B0500040200020003" pitchFamily="34" charset="-34"/>
+                <a:cs typeface="TH SarabunPSK" panose="020B0500040200020003" pitchFamily="34" charset="-34"/>
+              </a:rPr>
+              <a:t>. </a:t>
+            </a:r>
+            <a:r>
+              <a:rPr lang="th-TH" dirty="0">
+                <a:solidFill>
+                  <a:schemeClr val="bg1"/>
+                </a:solidFill>
+                <a:latin typeface="TH SarabunPSK" panose="020B0500040200020003" pitchFamily="34" charset="-34"/>
+                <a:cs typeface="TH SarabunPSK" panose="020B0500040200020003" pitchFamily="34" charset="-34"/>
+              </a:rPr>
+              <a:t>ดร</a:t>
+            </a:r>
+            <a:r>
+              <a:rPr lang="en-US" dirty="0">
+                <a:solidFill>
+                  <a:schemeClr val="bg1"/>
+                </a:solidFill>
+                <a:latin typeface="TH SarabunPSK" panose="020B0500040200020003" pitchFamily="34" charset="-34"/>
+                <a:cs typeface="TH SarabunPSK" panose="020B0500040200020003" pitchFamily="34" charset="-34"/>
+              </a:rPr>
+              <a:t>.</a:t>
+            </a:r>
+            <a:r>
+              <a:rPr lang="th-TH" dirty="0">
+                <a:solidFill>
+                  <a:schemeClr val="bg1"/>
+                </a:solidFill>
+                <a:latin typeface="TH SarabunPSK" panose="020B0500040200020003" pitchFamily="34" charset="-34"/>
+                <a:cs typeface="TH SarabunPSK" panose="020B0500040200020003" pitchFamily="34" charset="-34"/>
+              </a:rPr>
+              <a:t>ธนพงศ์ อินทระ สาขาวิชาสถิติ มหาวิทยาลัยขอนแก่น </a:t>
+            </a:r>
+          </a:p>
+        </p:txBody>
+      </p:sp>
     </p:spTree>
     <p:extLst>
       <p:ext uri="{BB962C8B-B14F-4D97-AF65-F5344CB8AC3E}">
@@ -10832,6 +13543,252 @@
           </a:p>
         </p:txBody>
       </p:sp>
+      <p:sp>
+        <p:nvSpPr>
+          <p:cNvPr id="5" name="Content Placeholder 2">
+            <a:extLst>
+              <a:ext uri="{FF2B5EF4-FFF2-40B4-BE49-F238E27FC236}">
+                <a16:creationId xmlns:a16="http://schemas.microsoft.com/office/drawing/2014/main" id="{E12AC8F0-3173-97EA-25AD-9E48D04697FF}"/>
+              </a:ext>
+            </a:extLst>
+          </p:cNvPr>
+          <p:cNvSpPr txBox="1">
+            <a:spLocks/>
+          </p:cNvSpPr>
+          <p:nvPr/>
+        </p:nvSpPr>
+        <p:spPr>
+          <a:xfrm>
+            <a:off x="106680" y="6520734"/>
+            <a:ext cx="5410200" cy="414367"/>
+          </a:xfrm>
+          <a:prstGeom prst="rect">
+            <a:avLst/>
+          </a:prstGeom>
+        </p:spPr>
+        <p:txBody>
+          <a:bodyPr vert="horz" lIns="91440" tIns="45720" rIns="91440" bIns="45720" rtlCol="0">
+            <a:normAutofit lnSpcReduction="10000"/>
+          </a:bodyPr>
+          <a:lstStyle>
+            <a:lvl1pPr marL="0" indent="0" algn="ctr" defTabSz="914400" rtl="0" eaLnBrk="1" latinLnBrk="0" hangingPunct="1">
+              <a:lnSpc>
+                <a:spcPct val="90000"/>
+              </a:lnSpc>
+              <a:spcBef>
+                <a:spcPts val="1000"/>
+              </a:spcBef>
+              <a:buFont typeface="Arial" panose="020B0604020202020204" pitchFamily="34" charset="0"/>
+              <a:buNone/>
+              <a:defRPr sz="2400" kern="1200">
+                <a:solidFill>
+                  <a:schemeClr val="tx1"/>
+                </a:solidFill>
+                <a:latin typeface="+mn-lt"/>
+                <a:ea typeface="+mn-ea"/>
+                <a:cs typeface="+mn-cs"/>
+              </a:defRPr>
+            </a:lvl1pPr>
+            <a:lvl2pPr marL="457200" indent="0" algn="ctr" defTabSz="914400" rtl="0" eaLnBrk="1" latinLnBrk="0" hangingPunct="1">
+              <a:lnSpc>
+                <a:spcPct val="90000"/>
+              </a:lnSpc>
+              <a:spcBef>
+                <a:spcPts val="500"/>
+              </a:spcBef>
+              <a:buFont typeface="Arial" panose="020B0604020202020204" pitchFamily="34" charset="0"/>
+              <a:buNone/>
+              <a:defRPr sz="2000" kern="1200">
+                <a:solidFill>
+                  <a:schemeClr val="tx1"/>
+                </a:solidFill>
+                <a:latin typeface="+mn-lt"/>
+                <a:ea typeface="+mn-ea"/>
+                <a:cs typeface="+mn-cs"/>
+              </a:defRPr>
+            </a:lvl2pPr>
+            <a:lvl3pPr marL="914400" indent="0" algn="ctr" defTabSz="914400" rtl="0" eaLnBrk="1" latinLnBrk="0" hangingPunct="1">
+              <a:lnSpc>
+                <a:spcPct val="90000"/>
+              </a:lnSpc>
+              <a:spcBef>
+                <a:spcPts val="500"/>
+              </a:spcBef>
+              <a:buFont typeface="Arial" panose="020B0604020202020204" pitchFamily="34" charset="0"/>
+              <a:buNone/>
+              <a:defRPr sz="1800" kern="1200">
+                <a:solidFill>
+                  <a:schemeClr val="tx1"/>
+                </a:solidFill>
+                <a:latin typeface="+mn-lt"/>
+                <a:ea typeface="+mn-ea"/>
+                <a:cs typeface="+mn-cs"/>
+              </a:defRPr>
+            </a:lvl3pPr>
+            <a:lvl4pPr marL="1371600" indent="0" algn="ctr" defTabSz="914400" rtl="0" eaLnBrk="1" latinLnBrk="0" hangingPunct="1">
+              <a:lnSpc>
+                <a:spcPct val="90000"/>
+              </a:lnSpc>
+              <a:spcBef>
+                <a:spcPts val="500"/>
+              </a:spcBef>
+              <a:buFont typeface="Arial" panose="020B0604020202020204" pitchFamily="34" charset="0"/>
+              <a:buNone/>
+              <a:defRPr sz="1600" kern="1200">
+                <a:solidFill>
+                  <a:schemeClr val="tx1"/>
+                </a:solidFill>
+                <a:latin typeface="+mn-lt"/>
+                <a:ea typeface="+mn-ea"/>
+                <a:cs typeface="+mn-cs"/>
+              </a:defRPr>
+            </a:lvl4pPr>
+            <a:lvl5pPr marL="1828800" indent="0" algn="ctr" defTabSz="914400" rtl="0" eaLnBrk="1" latinLnBrk="0" hangingPunct="1">
+              <a:lnSpc>
+                <a:spcPct val="90000"/>
+              </a:lnSpc>
+              <a:spcBef>
+                <a:spcPts val="500"/>
+              </a:spcBef>
+              <a:buFont typeface="Arial" panose="020B0604020202020204" pitchFamily="34" charset="0"/>
+              <a:buNone/>
+              <a:defRPr sz="1600" kern="1200">
+                <a:solidFill>
+                  <a:schemeClr val="tx1"/>
+                </a:solidFill>
+                <a:latin typeface="+mn-lt"/>
+                <a:ea typeface="+mn-ea"/>
+                <a:cs typeface="+mn-cs"/>
+              </a:defRPr>
+            </a:lvl5pPr>
+            <a:lvl6pPr marL="2286000" indent="0" algn="ctr" defTabSz="914400" rtl="0" eaLnBrk="1" latinLnBrk="0" hangingPunct="1">
+              <a:lnSpc>
+                <a:spcPct val="90000"/>
+              </a:lnSpc>
+              <a:spcBef>
+                <a:spcPts val="500"/>
+              </a:spcBef>
+              <a:buFont typeface="Arial" panose="020B0604020202020204" pitchFamily="34" charset="0"/>
+              <a:buNone/>
+              <a:defRPr sz="1600" kern="1200">
+                <a:solidFill>
+                  <a:schemeClr val="tx1"/>
+                </a:solidFill>
+                <a:latin typeface="+mn-lt"/>
+                <a:ea typeface="+mn-ea"/>
+                <a:cs typeface="+mn-cs"/>
+              </a:defRPr>
+            </a:lvl6pPr>
+            <a:lvl7pPr marL="2743200" indent="0" algn="ctr" defTabSz="914400" rtl="0" eaLnBrk="1" latinLnBrk="0" hangingPunct="1">
+              <a:lnSpc>
+                <a:spcPct val="90000"/>
+              </a:lnSpc>
+              <a:spcBef>
+                <a:spcPts val="500"/>
+              </a:spcBef>
+              <a:buFont typeface="Arial" panose="020B0604020202020204" pitchFamily="34" charset="0"/>
+              <a:buNone/>
+              <a:defRPr sz="1600" kern="1200">
+                <a:solidFill>
+                  <a:schemeClr val="tx1"/>
+                </a:solidFill>
+                <a:latin typeface="+mn-lt"/>
+                <a:ea typeface="+mn-ea"/>
+                <a:cs typeface="+mn-cs"/>
+              </a:defRPr>
+            </a:lvl7pPr>
+            <a:lvl8pPr marL="3200400" indent="0" algn="ctr" defTabSz="914400" rtl="0" eaLnBrk="1" latinLnBrk="0" hangingPunct="1">
+              <a:lnSpc>
+                <a:spcPct val="90000"/>
+              </a:lnSpc>
+              <a:spcBef>
+                <a:spcPts val="500"/>
+              </a:spcBef>
+              <a:buFont typeface="Arial" panose="020B0604020202020204" pitchFamily="34" charset="0"/>
+              <a:buNone/>
+              <a:defRPr sz="1600" kern="1200">
+                <a:solidFill>
+                  <a:schemeClr val="tx1"/>
+                </a:solidFill>
+                <a:latin typeface="+mn-lt"/>
+                <a:ea typeface="+mn-ea"/>
+                <a:cs typeface="+mn-cs"/>
+              </a:defRPr>
+            </a:lvl8pPr>
+            <a:lvl9pPr marL="3657600" indent="0" algn="ctr" defTabSz="914400" rtl="0" eaLnBrk="1" latinLnBrk="0" hangingPunct="1">
+              <a:lnSpc>
+                <a:spcPct val="90000"/>
+              </a:lnSpc>
+              <a:spcBef>
+                <a:spcPts val="500"/>
+              </a:spcBef>
+              <a:buFont typeface="Arial" panose="020B0604020202020204" pitchFamily="34" charset="0"/>
+              <a:buNone/>
+              <a:defRPr sz="1600" kern="1200">
+                <a:solidFill>
+                  <a:schemeClr val="tx1"/>
+                </a:solidFill>
+                <a:latin typeface="+mn-lt"/>
+                <a:ea typeface="+mn-ea"/>
+                <a:cs typeface="+mn-cs"/>
+              </a:defRPr>
+            </a:lvl9pPr>
+          </a:lstStyle>
+          <a:p>
+            <a:pPr algn="l"/>
+            <a:r>
+              <a:rPr lang="th-TH" dirty="0">
+                <a:solidFill>
+                  <a:schemeClr val="bg1"/>
+                </a:solidFill>
+                <a:latin typeface="TH SarabunPSK" panose="020B0500040200020003" pitchFamily="34" charset="-34"/>
+                <a:cs typeface="TH SarabunPSK" panose="020B0500040200020003" pitchFamily="34" charset="-34"/>
+              </a:rPr>
+              <a:t>โดย ผศ</a:t>
+            </a:r>
+            <a:r>
+              <a:rPr lang="en-US" dirty="0">
+                <a:solidFill>
+                  <a:schemeClr val="bg1"/>
+                </a:solidFill>
+                <a:latin typeface="TH SarabunPSK" panose="020B0500040200020003" pitchFamily="34" charset="-34"/>
+                <a:cs typeface="TH SarabunPSK" panose="020B0500040200020003" pitchFamily="34" charset="-34"/>
+              </a:rPr>
+              <a:t>. </a:t>
+            </a:r>
+            <a:r>
+              <a:rPr lang="th-TH" dirty="0">
+                <a:solidFill>
+                  <a:schemeClr val="bg1"/>
+                </a:solidFill>
+                <a:latin typeface="TH SarabunPSK" panose="020B0500040200020003" pitchFamily="34" charset="-34"/>
+                <a:cs typeface="TH SarabunPSK" panose="020B0500040200020003" pitchFamily="34" charset="-34"/>
+              </a:rPr>
+              <a:t>ดร</a:t>
+            </a:r>
+            <a:r>
+              <a:rPr lang="en-US" dirty="0">
+                <a:solidFill>
+                  <a:schemeClr val="bg1"/>
+                </a:solidFill>
+                <a:latin typeface="TH SarabunPSK" panose="020B0500040200020003" pitchFamily="34" charset="-34"/>
+                <a:cs typeface="TH SarabunPSK" panose="020B0500040200020003" pitchFamily="34" charset="-34"/>
+              </a:rPr>
+              <a:t>.</a:t>
+            </a:r>
+            <a:r>
+              <a:rPr lang="th-TH" dirty="0">
+                <a:solidFill>
+                  <a:schemeClr val="bg1"/>
+                </a:solidFill>
+                <a:latin typeface="TH SarabunPSK" panose="020B0500040200020003" pitchFamily="34" charset="-34"/>
+                <a:cs typeface="TH SarabunPSK" panose="020B0500040200020003" pitchFamily="34" charset="-34"/>
+              </a:rPr>
+              <a:t>ธนพงศ์ อินทระ สาขาวิชาสถิติ มหาวิทยาลัยขอนแก่น </a:t>
+            </a:r>
+          </a:p>
+        </p:txBody>
+      </p:sp>
     </p:spTree>
     <p:extLst>
       <p:ext uri="{BB962C8B-B14F-4D97-AF65-F5344CB8AC3E}">
@@ -11434,6 +14391,252 @@
           </a:p>
         </p:txBody>
       </p:sp>
+      <p:sp>
+        <p:nvSpPr>
+          <p:cNvPr id="5" name="Content Placeholder 2">
+            <a:extLst>
+              <a:ext uri="{FF2B5EF4-FFF2-40B4-BE49-F238E27FC236}">
+                <a16:creationId xmlns:a16="http://schemas.microsoft.com/office/drawing/2014/main" id="{6680466F-5977-5A57-1C00-535AC3A8B947}"/>
+              </a:ext>
+            </a:extLst>
+          </p:cNvPr>
+          <p:cNvSpPr txBox="1">
+            <a:spLocks/>
+          </p:cNvSpPr>
+          <p:nvPr/>
+        </p:nvSpPr>
+        <p:spPr>
+          <a:xfrm>
+            <a:off x="106680" y="6520734"/>
+            <a:ext cx="5410200" cy="414367"/>
+          </a:xfrm>
+          <a:prstGeom prst="rect">
+            <a:avLst/>
+          </a:prstGeom>
+        </p:spPr>
+        <p:txBody>
+          <a:bodyPr vert="horz" lIns="91440" tIns="45720" rIns="91440" bIns="45720" rtlCol="0">
+            <a:normAutofit lnSpcReduction="10000"/>
+          </a:bodyPr>
+          <a:lstStyle>
+            <a:lvl1pPr marL="0" indent="0" algn="ctr" defTabSz="914400" rtl="0" eaLnBrk="1" latinLnBrk="0" hangingPunct="1">
+              <a:lnSpc>
+                <a:spcPct val="90000"/>
+              </a:lnSpc>
+              <a:spcBef>
+                <a:spcPts val="1000"/>
+              </a:spcBef>
+              <a:buFont typeface="Arial" panose="020B0604020202020204" pitchFamily="34" charset="0"/>
+              <a:buNone/>
+              <a:defRPr sz="2400" kern="1200">
+                <a:solidFill>
+                  <a:schemeClr val="tx1"/>
+                </a:solidFill>
+                <a:latin typeface="+mn-lt"/>
+                <a:ea typeface="+mn-ea"/>
+                <a:cs typeface="+mn-cs"/>
+              </a:defRPr>
+            </a:lvl1pPr>
+            <a:lvl2pPr marL="457200" indent="0" algn="ctr" defTabSz="914400" rtl="0" eaLnBrk="1" latinLnBrk="0" hangingPunct="1">
+              <a:lnSpc>
+                <a:spcPct val="90000"/>
+              </a:lnSpc>
+              <a:spcBef>
+                <a:spcPts val="500"/>
+              </a:spcBef>
+              <a:buFont typeface="Arial" panose="020B0604020202020204" pitchFamily="34" charset="0"/>
+              <a:buNone/>
+              <a:defRPr sz="2000" kern="1200">
+                <a:solidFill>
+                  <a:schemeClr val="tx1"/>
+                </a:solidFill>
+                <a:latin typeface="+mn-lt"/>
+                <a:ea typeface="+mn-ea"/>
+                <a:cs typeface="+mn-cs"/>
+              </a:defRPr>
+            </a:lvl2pPr>
+            <a:lvl3pPr marL="914400" indent="0" algn="ctr" defTabSz="914400" rtl="0" eaLnBrk="1" latinLnBrk="0" hangingPunct="1">
+              <a:lnSpc>
+                <a:spcPct val="90000"/>
+              </a:lnSpc>
+              <a:spcBef>
+                <a:spcPts val="500"/>
+              </a:spcBef>
+              <a:buFont typeface="Arial" panose="020B0604020202020204" pitchFamily="34" charset="0"/>
+              <a:buNone/>
+              <a:defRPr sz="1800" kern="1200">
+                <a:solidFill>
+                  <a:schemeClr val="tx1"/>
+                </a:solidFill>
+                <a:latin typeface="+mn-lt"/>
+                <a:ea typeface="+mn-ea"/>
+                <a:cs typeface="+mn-cs"/>
+              </a:defRPr>
+            </a:lvl3pPr>
+            <a:lvl4pPr marL="1371600" indent="0" algn="ctr" defTabSz="914400" rtl="0" eaLnBrk="1" latinLnBrk="0" hangingPunct="1">
+              <a:lnSpc>
+                <a:spcPct val="90000"/>
+              </a:lnSpc>
+              <a:spcBef>
+                <a:spcPts val="500"/>
+              </a:spcBef>
+              <a:buFont typeface="Arial" panose="020B0604020202020204" pitchFamily="34" charset="0"/>
+              <a:buNone/>
+              <a:defRPr sz="1600" kern="1200">
+                <a:solidFill>
+                  <a:schemeClr val="tx1"/>
+                </a:solidFill>
+                <a:latin typeface="+mn-lt"/>
+                <a:ea typeface="+mn-ea"/>
+                <a:cs typeface="+mn-cs"/>
+              </a:defRPr>
+            </a:lvl4pPr>
+            <a:lvl5pPr marL="1828800" indent="0" algn="ctr" defTabSz="914400" rtl="0" eaLnBrk="1" latinLnBrk="0" hangingPunct="1">
+              <a:lnSpc>
+                <a:spcPct val="90000"/>
+              </a:lnSpc>
+              <a:spcBef>
+                <a:spcPts val="500"/>
+              </a:spcBef>
+              <a:buFont typeface="Arial" panose="020B0604020202020204" pitchFamily="34" charset="0"/>
+              <a:buNone/>
+              <a:defRPr sz="1600" kern="1200">
+                <a:solidFill>
+                  <a:schemeClr val="tx1"/>
+                </a:solidFill>
+                <a:latin typeface="+mn-lt"/>
+                <a:ea typeface="+mn-ea"/>
+                <a:cs typeface="+mn-cs"/>
+              </a:defRPr>
+            </a:lvl5pPr>
+            <a:lvl6pPr marL="2286000" indent="0" algn="ctr" defTabSz="914400" rtl="0" eaLnBrk="1" latinLnBrk="0" hangingPunct="1">
+              <a:lnSpc>
+                <a:spcPct val="90000"/>
+              </a:lnSpc>
+              <a:spcBef>
+                <a:spcPts val="500"/>
+              </a:spcBef>
+              <a:buFont typeface="Arial" panose="020B0604020202020204" pitchFamily="34" charset="0"/>
+              <a:buNone/>
+              <a:defRPr sz="1600" kern="1200">
+                <a:solidFill>
+                  <a:schemeClr val="tx1"/>
+                </a:solidFill>
+                <a:latin typeface="+mn-lt"/>
+                <a:ea typeface="+mn-ea"/>
+                <a:cs typeface="+mn-cs"/>
+              </a:defRPr>
+            </a:lvl6pPr>
+            <a:lvl7pPr marL="2743200" indent="0" algn="ctr" defTabSz="914400" rtl="0" eaLnBrk="1" latinLnBrk="0" hangingPunct="1">
+              <a:lnSpc>
+                <a:spcPct val="90000"/>
+              </a:lnSpc>
+              <a:spcBef>
+                <a:spcPts val="500"/>
+              </a:spcBef>
+              <a:buFont typeface="Arial" panose="020B0604020202020204" pitchFamily="34" charset="0"/>
+              <a:buNone/>
+              <a:defRPr sz="1600" kern="1200">
+                <a:solidFill>
+                  <a:schemeClr val="tx1"/>
+                </a:solidFill>
+                <a:latin typeface="+mn-lt"/>
+                <a:ea typeface="+mn-ea"/>
+                <a:cs typeface="+mn-cs"/>
+              </a:defRPr>
+            </a:lvl7pPr>
+            <a:lvl8pPr marL="3200400" indent="0" algn="ctr" defTabSz="914400" rtl="0" eaLnBrk="1" latinLnBrk="0" hangingPunct="1">
+              <a:lnSpc>
+                <a:spcPct val="90000"/>
+              </a:lnSpc>
+              <a:spcBef>
+                <a:spcPts val="500"/>
+              </a:spcBef>
+              <a:buFont typeface="Arial" panose="020B0604020202020204" pitchFamily="34" charset="0"/>
+              <a:buNone/>
+              <a:defRPr sz="1600" kern="1200">
+                <a:solidFill>
+                  <a:schemeClr val="tx1"/>
+                </a:solidFill>
+                <a:latin typeface="+mn-lt"/>
+                <a:ea typeface="+mn-ea"/>
+                <a:cs typeface="+mn-cs"/>
+              </a:defRPr>
+            </a:lvl8pPr>
+            <a:lvl9pPr marL="3657600" indent="0" algn="ctr" defTabSz="914400" rtl="0" eaLnBrk="1" latinLnBrk="0" hangingPunct="1">
+              <a:lnSpc>
+                <a:spcPct val="90000"/>
+              </a:lnSpc>
+              <a:spcBef>
+                <a:spcPts val="500"/>
+              </a:spcBef>
+              <a:buFont typeface="Arial" panose="020B0604020202020204" pitchFamily="34" charset="0"/>
+              <a:buNone/>
+              <a:defRPr sz="1600" kern="1200">
+                <a:solidFill>
+                  <a:schemeClr val="tx1"/>
+                </a:solidFill>
+                <a:latin typeface="+mn-lt"/>
+                <a:ea typeface="+mn-ea"/>
+                <a:cs typeface="+mn-cs"/>
+              </a:defRPr>
+            </a:lvl9pPr>
+          </a:lstStyle>
+          <a:p>
+            <a:pPr algn="l"/>
+            <a:r>
+              <a:rPr lang="th-TH" dirty="0">
+                <a:solidFill>
+                  <a:schemeClr val="bg1"/>
+                </a:solidFill>
+                <a:latin typeface="TH SarabunPSK" panose="020B0500040200020003" pitchFamily="34" charset="-34"/>
+                <a:cs typeface="TH SarabunPSK" panose="020B0500040200020003" pitchFamily="34" charset="-34"/>
+              </a:rPr>
+              <a:t>โดย ผศ</a:t>
+            </a:r>
+            <a:r>
+              <a:rPr lang="en-US" dirty="0">
+                <a:solidFill>
+                  <a:schemeClr val="bg1"/>
+                </a:solidFill>
+                <a:latin typeface="TH SarabunPSK" panose="020B0500040200020003" pitchFamily="34" charset="-34"/>
+                <a:cs typeface="TH SarabunPSK" panose="020B0500040200020003" pitchFamily="34" charset="-34"/>
+              </a:rPr>
+              <a:t>. </a:t>
+            </a:r>
+            <a:r>
+              <a:rPr lang="th-TH" dirty="0">
+                <a:solidFill>
+                  <a:schemeClr val="bg1"/>
+                </a:solidFill>
+                <a:latin typeface="TH SarabunPSK" panose="020B0500040200020003" pitchFamily="34" charset="-34"/>
+                <a:cs typeface="TH SarabunPSK" panose="020B0500040200020003" pitchFamily="34" charset="-34"/>
+              </a:rPr>
+              <a:t>ดร</a:t>
+            </a:r>
+            <a:r>
+              <a:rPr lang="en-US" dirty="0">
+                <a:solidFill>
+                  <a:schemeClr val="bg1"/>
+                </a:solidFill>
+                <a:latin typeface="TH SarabunPSK" panose="020B0500040200020003" pitchFamily="34" charset="-34"/>
+                <a:cs typeface="TH SarabunPSK" panose="020B0500040200020003" pitchFamily="34" charset="-34"/>
+              </a:rPr>
+              <a:t>.</a:t>
+            </a:r>
+            <a:r>
+              <a:rPr lang="th-TH" dirty="0">
+                <a:solidFill>
+                  <a:schemeClr val="bg1"/>
+                </a:solidFill>
+                <a:latin typeface="TH SarabunPSK" panose="020B0500040200020003" pitchFamily="34" charset="-34"/>
+                <a:cs typeface="TH SarabunPSK" panose="020B0500040200020003" pitchFamily="34" charset="-34"/>
+              </a:rPr>
+              <a:t>ธนพงศ์ อินทระ สาขาวิชาสถิติ มหาวิทยาลัยขอนแก่น </a:t>
+            </a:r>
+          </a:p>
+        </p:txBody>
+      </p:sp>
     </p:spTree>
     <p:extLst>
       <p:ext uri="{BB962C8B-B14F-4D97-AF65-F5344CB8AC3E}">
@@ -12158,6 +15361,252 @@
           </a:p>
         </p:txBody>
       </p:sp>
+      <p:sp>
+        <p:nvSpPr>
+          <p:cNvPr id="5" name="Content Placeholder 2">
+            <a:extLst>
+              <a:ext uri="{FF2B5EF4-FFF2-40B4-BE49-F238E27FC236}">
+                <a16:creationId xmlns:a16="http://schemas.microsoft.com/office/drawing/2014/main" id="{F0BCF7AE-C1F7-FDFF-8B54-5D09D97C9E1F}"/>
+              </a:ext>
+            </a:extLst>
+          </p:cNvPr>
+          <p:cNvSpPr txBox="1">
+            <a:spLocks/>
+          </p:cNvSpPr>
+          <p:nvPr/>
+        </p:nvSpPr>
+        <p:spPr>
+          <a:xfrm>
+            <a:off x="106680" y="6520734"/>
+            <a:ext cx="5410200" cy="414367"/>
+          </a:xfrm>
+          <a:prstGeom prst="rect">
+            <a:avLst/>
+          </a:prstGeom>
+        </p:spPr>
+        <p:txBody>
+          <a:bodyPr vert="horz" lIns="91440" tIns="45720" rIns="91440" bIns="45720" rtlCol="0">
+            <a:normAutofit lnSpcReduction="10000"/>
+          </a:bodyPr>
+          <a:lstStyle>
+            <a:lvl1pPr marL="0" indent="0" algn="ctr" defTabSz="914400" rtl="0" eaLnBrk="1" latinLnBrk="0" hangingPunct="1">
+              <a:lnSpc>
+                <a:spcPct val="90000"/>
+              </a:lnSpc>
+              <a:spcBef>
+                <a:spcPts val="1000"/>
+              </a:spcBef>
+              <a:buFont typeface="Arial" panose="020B0604020202020204" pitchFamily="34" charset="0"/>
+              <a:buNone/>
+              <a:defRPr sz="2400" kern="1200">
+                <a:solidFill>
+                  <a:schemeClr val="tx1"/>
+                </a:solidFill>
+                <a:latin typeface="+mn-lt"/>
+                <a:ea typeface="+mn-ea"/>
+                <a:cs typeface="+mn-cs"/>
+              </a:defRPr>
+            </a:lvl1pPr>
+            <a:lvl2pPr marL="457200" indent="0" algn="ctr" defTabSz="914400" rtl="0" eaLnBrk="1" latinLnBrk="0" hangingPunct="1">
+              <a:lnSpc>
+                <a:spcPct val="90000"/>
+              </a:lnSpc>
+              <a:spcBef>
+                <a:spcPts val="500"/>
+              </a:spcBef>
+              <a:buFont typeface="Arial" panose="020B0604020202020204" pitchFamily="34" charset="0"/>
+              <a:buNone/>
+              <a:defRPr sz="2000" kern="1200">
+                <a:solidFill>
+                  <a:schemeClr val="tx1"/>
+                </a:solidFill>
+                <a:latin typeface="+mn-lt"/>
+                <a:ea typeface="+mn-ea"/>
+                <a:cs typeface="+mn-cs"/>
+              </a:defRPr>
+            </a:lvl2pPr>
+            <a:lvl3pPr marL="914400" indent="0" algn="ctr" defTabSz="914400" rtl="0" eaLnBrk="1" latinLnBrk="0" hangingPunct="1">
+              <a:lnSpc>
+                <a:spcPct val="90000"/>
+              </a:lnSpc>
+              <a:spcBef>
+                <a:spcPts val="500"/>
+              </a:spcBef>
+              <a:buFont typeface="Arial" panose="020B0604020202020204" pitchFamily="34" charset="0"/>
+              <a:buNone/>
+              <a:defRPr sz="1800" kern="1200">
+                <a:solidFill>
+                  <a:schemeClr val="tx1"/>
+                </a:solidFill>
+                <a:latin typeface="+mn-lt"/>
+                <a:ea typeface="+mn-ea"/>
+                <a:cs typeface="+mn-cs"/>
+              </a:defRPr>
+            </a:lvl3pPr>
+            <a:lvl4pPr marL="1371600" indent="0" algn="ctr" defTabSz="914400" rtl="0" eaLnBrk="1" latinLnBrk="0" hangingPunct="1">
+              <a:lnSpc>
+                <a:spcPct val="90000"/>
+              </a:lnSpc>
+              <a:spcBef>
+                <a:spcPts val="500"/>
+              </a:spcBef>
+              <a:buFont typeface="Arial" panose="020B0604020202020204" pitchFamily="34" charset="0"/>
+              <a:buNone/>
+              <a:defRPr sz="1600" kern="1200">
+                <a:solidFill>
+                  <a:schemeClr val="tx1"/>
+                </a:solidFill>
+                <a:latin typeface="+mn-lt"/>
+                <a:ea typeface="+mn-ea"/>
+                <a:cs typeface="+mn-cs"/>
+              </a:defRPr>
+            </a:lvl4pPr>
+            <a:lvl5pPr marL="1828800" indent="0" algn="ctr" defTabSz="914400" rtl="0" eaLnBrk="1" latinLnBrk="0" hangingPunct="1">
+              <a:lnSpc>
+                <a:spcPct val="90000"/>
+              </a:lnSpc>
+              <a:spcBef>
+                <a:spcPts val="500"/>
+              </a:spcBef>
+              <a:buFont typeface="Arial" panose="020B0604020202020204" pitchFamily="34" charset="0"/>
+              <a:buNone/>
+              <a:defRPr sz="1600" kern="1200">
+                <a:solidFill>
+                  <a:schemeClr val="tx1"/>
+                </a:solidFill>
+                <a:latin typeface="+mn-lt"/>
+                <a:ea typeface="+mn-ea"/>
+                <a:cs typeface="+mn-cs"/>
+              </a:defRPr>
+            </a:lvl5pPr>
+            <a:lvl6pPr marL="2286000" indent="0" algn="ctr" defTabSz="914400" rtl="0" eaLnBrk="1" latinLnBrk="0" hangingPunct="1">
+              <a:lnSpc>
+                <a:spcPct val="90000"/>
+              </a:lnSpc>
+              <a:spcBef>
+                <a:spcPts val="500"/>
+              </a:spcBef>
+              <a:buFont typeface="Arial" panose="020B0604020202020204" pitchFamily="34" charset="0"/>
+              <a:buNone/>
+              <a:defRPr sz="1600" kern="1200">
+                <a:solidFill>
+                  <a:schemeClr val="tx1"/>
+                </a:solidFill>
+                <a:latin typeface="+mn-lt"/>
+                <a:ea typeface="+mn-ea"/>
+                <a:cs typeface="+mn-cs"/>
+              </a:defRPr>
+            </a:lvl6pPr>
+            <a:lvl7pPr marL="2743200" indent="0" algn="ctr" defTabSz="914400" rtl="0" eaLnBrk="1" latinLnBrk="0" hangingPunct="1">
+              <a:lnSpc>
+                <a:spcPct val="90000"/>
+              </a:lnSpc>
+              <a:spcBef>
+                <a:spcPts val="500"/>
+              </a:spcBef>
+              <a:buFont typeface="Arial" panose="020B0604020202020204" pitchFamily="34" charset="0"/>
+              <a:buNone/>
+              <a:defRPr sz="1600" kern="1200">
+                <a:solidFill>
+                  <a:schemeClr val="tx1"/>
+                </a:solidFill>
+                <a:latin typeface="+mn-lt"/>
+                <a:ea typeface="+mn-ea"/>
+                <a:cs typeface="+mn-cs"/>
+              </a:defRPr>
+            </a:lvl7pPr>
+            <a:lvl8pPr marL="3200400" indent="0" algn="ctr" defTabSz="914400" rtl="0" eaLnBrk="1" latinLnBrk="0" hangingPunct="1">
+              <a:lnSpc>
+                <a:spcPct val="90000"/>
+              </a:lnSpc>
+              <a:spcBef>
+                <a:spcPts val="500"/>
+              </a:spcBef>
+              <a:buFont typeface="Arial" panose="020B0604020202020204" pitchFamily="34" charset="0"/>
+              <a:buNone/>
+              <a:defRPr sz="1600" kern="1200">
+                <a:solidFill>
+                  <a:schemeClr val="tx1"/>
+                </a:solidFill>
+                <a:latin typeface="+mn-lt"/>
+                <a:ea typeface="+mn-ea"/>
+                <a:cs typeface="+mn-cs"/>
+              </a:defRPr>
+            </a:lvl8pPr>
+            <a:lvl9pPr marL="3657600" indent="0" algn="ctr" defTabSz="914400" rtl="0" eaLnBrk="1" latinLnBrk="0" hangingPunct="1">
+              <a:lnSpc>
+                <a:spcPct val="90000"/>
+              </a:lnSpc>
+              <a:spcBef>
+                <a:spcPts val="500"/>
+              </a:spcBef>
+              <a:buFont typeface="Arial" panose="020B0604020202020204" pitchFamily="34" charset="0"/>
+              <a:buNone/>
+              <a:defRPr sz="1600" kern="1200">
+                <a:solidFill>
+                  <a:schemeClr val="tx1"/>
+                </a:solidFill>
+                <a:latin typeface="+mn-lt"/>
+                <a:ea typeface="+mn-ea"/>
+                <a:cs typeface="+mn-cs"/>
+              </a:defRPr>
+            </a:lvl9pPr>
+          </a:lstStyle>
+          <a:p>
+            <a:pPr algn="l"/>
+            <a:r>
+              <a:rPr lang="th-TH" dirty="0">
+                <a:solidFill>
+                  <a:schemeClr val="bg1"/>
+                </a:solidFill>
+                <a:latin typeface="TH SarabunPSK" panose="020B0500040200020003" pitchFamily="34" charset="-34"/>
+                <a:cs typeface="TH SarabunPSK" panose="020B0500040200020003" pitchFamily="34" charset="-34"/>
+              </a:rPr>
+              <a:t>โดย ผศ</a:t>
+            </a:r>
+            <a:r>
+              <a:rPr lang="en-US" dirty="0">
+                <a:solidFill>
+                  <a:schemeClr val="bg1"/>
+                </a:solidFill>
+                <a:latin typeface="TH SarabunPSK" panose="020B0500040200020003" pitchFamily="34" charset="-34"/>
+                <a:cs typeface="TH SarabunPSK" panose="020B0500040200020003" pitchFamily="34" charset="-34"/>
+              </a:rPr>
+              <a:t>. </a:t>
+            </a:r>
+            <a:r>
+              <a:rPr lang="th-TH" dirty="0">
+                <a:solidFill>
+                  <a:schemeClr val="bg1"/>
+                </a:solidFill>
+                <a:latin typeface="TH SarabunPSK" panose="020B0500040200020003" pitchFamily="34" charset="-34"/>
+                <a:cs typeface="TH SarabunPSK" panose="020B0500040200020003" pitchFamily="34" charset="-34"/>
+              </a:rPr>
+              <a:t>ดร</a:t>
+            </a:r>
+            <a:r>
+              <a:rPr lang="en-US" dirty="0">
+                <a:solidFill>
+                  <a:schemeClr val="bg1"/>
+                </a:solidFill>
+                <a:latin typeface="TH SarabunPSK" panose="020B0500040200020003" pitchFamily="34" charset="-34"/>
+                <a:cs typeface="TH SarabunPSK" panose="020B0500040200020003" pitchFamily="34" charset="-34"/>
+              </a:rPr>
+              <a:t>.</a:t>
+            </a:r>
+            <a:r>
+              <a:rPr lang="th-TH" dirty="0">
+                <a:solidFill>
+                  <a:schemeClr val="bg1"/>
+                </a:solidFill>
+                <a:latin typeface="TH SarabunPSK" panose="020B0500040200020003" pitchFamily="34" charset="-34"/>
+                <a:cs typeface="TH SarabunPSK" panose="020B0500040200020003" pitchFamily="34" charset="-34"/>
+              </a:rPr>
+              <a:t>ธนพงศ์ อินทระ สาขาวิชาสถิติ มหาวิทยาลัยขอนแก่น </a:t>
+            </a:r>
+          </a:p>
+        </p:txBody>
+      </p:sp>
     </p:spTree>
     <p:extLst>
       <p:ext uri="{BB962C8B-B14F-4D97-AF65-F5344CB8AC3E}">
@@ -12852,6 +16301,252 @@
           </a:p>
         </p:txBody>
       </p:sp>
+      <p:sp>
+        <p:nvSpPr>
+          <p:cNvPr id="5" name="Content Placeholder 2">
+            <a:extLst>
+              <a:ext uri="{FF2B5EF4-FFF2-40B4-BE49-F238E27FC236}">
+                <a16:creationId xmlns:a16="http://schemas.microsoft.com/office/drawing/2014/main" id="{DCADBC09-0BB1-D1E8-47C4-1FCC53FA0E7F}"/>
+              </a:ext>
+            </a:extLst>
+          </p:cNvPr>
+          <p:cNvSpPr txBox="1">
+            <a:spLocks/>
+          </p:cNvSpPr>
+          <p:nvPr/>
+        </p:nvSpPr>
+        <p:spPr>
+          <a:xfrm>
+            <a:off x="106680" y="6520734"/>
+            <a:ext cx="5410200" cy="414367"/>
+          </a:xfrm>
+          <a:prstGeom prst="rect">
+            <a:avLst/>
+          </a:prstGeom>
+        </p:spPr>
+        <p:txBody>
+          <a:bodyPr vert="horz" lIns="91440" tIns="45720" rIns="91440" bIns="45720" rtlCol="0">
+            <a:normAutofit lnSpcReduction="10000"/>
+          </a:bodyPr>
+          <a:lstStyle>
+            <a:lvl1pPr marL="0" indent="0" algn="ctr" defTabSz="914400" rtl="0" eaLnBrk="1" latinLnBrk="0" hangingPunct="1">
+              <a:lnSpc>
+                <a:spcPct val="90000"/>
+              </a:lnSpc>
+              <a:spcBef>
+                <a:spcPts val="1000"/>
+              </a:spcBef>
+              <a:buFont typeface="Arial" panose="020B0604020202020204" pitchFamily="34" charset="0"/>
+              <a:buNone/>
+              <a:defRPr sz="2400" kern="1200">
+                <a:solidFill>
+                  <a:schemeClr val="tx1"/>
+                </a:solidFill>
+                <a:latin typeface="+mn-lt"/>
+                <a:ea typeface="+mn-ea"/>
+                <a:cs typeface="+mn-cs"/>
+              </a:defRPr>
+            </a:lvl1pPr>
+            <a:lvl2pPr marL="457200" indent="0" algn="ctr" defTabSz="914400" rtl="0" eaLnBrk="1" latinLnBrk="0" hangingPunct="1">
+              <a:lnSpc>
+                <a:spcPct val="90000"/>
+              </a:lnSpc>
+              <a:spcBef>
+                <a:spcPts val="500"/>
+              </a:spcBef>
+              <a:buFont typeface="Arial" panose="020B0604020202020204" pitchFamily="34" charset="0"/>
+              <a:buNone/>
+              <a:defRPr sz="2000" kern="1200">
+                <a:solidFill>
+                  <a:schemeClr val="tx1"/>
+                </a:solidFill>
+                <a:latin typeface="+mn-lt"/>
+                <a:ea typeface="+mn-ea"/>
+                <a:cs typeface="+mn-cs"/>
+              </a:defRPr>
+            </a:lvl2pPr>
+            <a:lvl3pPr marL="914400" indent="0" algn="ctr" defTabSz="914400" rtl="0" eaLnBrk="1" latinLnBrk="0" hangingPunct="1">
+              <a:lnSpc>
+                <a:spcPct val="90000"/>
+              </a:lnSpc>
+              <a:spcBef>
+                <a:spcPts val="500"/>
+              </a:spcBef>
+              <a:buFont typeface="Arial" panose="020B0604020202020204" pitchFamily="34" charset="0"/>
+              <a:buNone/>
+              <a:defRPr sz="1800" kern="1200">
+                <a:solidFill>
+                  <a:schemeClr val="tx1"/>
+                </a:solidFill>
+                <a:latin typeface="+mn-lt"/>
+                <a:ea typeface="+mn-ea"/>
+                <a:cs typeface="+mn-cs"/>
+              </a:defRPr>
+            </a:lvl3pPr>
+            <a:lvl4pPr marL="1371600" indent="0" algn="ctr" defTabSz="914400" rtl="0" eaLnBrk="1" latinLnBrk="0" hangingPunct="1">
+              <a:lnSpc>
+                <a:spcPct val="90000"/>
+              </a:lnSpc>
+              <a:spcBef>
+                <a:spcPts val="500"/>
+              </a:spcBef>
+              <a:buFont typeface="Arial" panose="020B0604020202020204" pitchFamily="34" charset="0"/>
+              <a:buNone/>
+              <a:defRPr sz="1600" kern="1200">
+                <a:solidFill>
+                  <a:schemeClr val="tx1"/>
+                </a:solidFill>
+                <a:latin typeface="+mn-lt"/>
+                <a:ea typeface="+mn-ea"/>
+                <a:cs typeface="+mn-cs"/>
+              </a:defRPr>
+            </a:lvl4pPr>
+            <a:lvl5pPr marL="1828800" indent="0" algn="ctr" defTabSz="914400" rtl="0" eaLnBrk="1" latinLnBrk="0" hangingPunct="1">
+              <a:lnSpc>
+                <a:spcPct val="90000"/>
+              </a:lnSpc>
+              <a:spcBef>
+                <a:spcPts val="500"/>
+              </a:spcBef>
+              <a:buFont typeface="Arial" panose="020B0604020202020204" pitchFamily="34" charset="0"/>
+              <a:buNone/>
+              <a:defRPr sz="1600" kern="1200">
+                <a:solidFill>
+                  <a:schemeClr val="tx1"/>
+                </a:solidFill>
+                <a:latin typeface="+mn-lt"/>
+                <a:ea typeface="+mn-ea"/>
+                <a:cs typeface="+mn-cs"/>
+              </a:defRPr>
+            </a:lvl5pPr>
+            <a:lvl6pPr marL="2286000" indent="0" algn="ctr" defTabSz="914400" rtl="0" eaLnBrk="1" latinLnBrk="0" hangingPunct="1">
+              <a:lnSpc>
+                <a:spcPct val="90000"/>
+              </a:lnSpc>
+              <a:spcBef>
+                <a:spcPts val="500"/>
+              </a:spcBef>
+              <a:buFont typeface="Arial" panose="020B0604020202020204" pitchFamily="34" charset="0"/>
+              <a:buNone/>
+              <a:defRPr sz="1600" kern="1200">
+                <a:solidFill>
+                  <a:schemeClr val="tx1"/>
+                </a:solidFill>
+                <a:latin typeface="+mn-lt"/>
+                <a:ea typeface="+mn-ea"/>
+                <a:cs typeface="+mn-cs"/>
+              </a:defRPr>
+            </a:lvl6pPr>
+            <a:lvl7pPr marL="2743200" indent="0" algn="ctr" defTabSz="914400" rtl="0" eaLnBrk="1" latinLnBrk="0" hangingPunct="1">
+              <a:lnSpc>
+                <a:spcPct val="90000"/>
+              </a:lnSpc>
+              <a:spcBef>
+                <a:spcPts val="500"/>
+              </a:spcBef>
+              <a:buFont typeface="Arial" panose="020B0604020202020204" pitchFamily="34" charset="0"/>
+              <a:buNone/>
+              <a:defRPr sz="1600" kern="1200">
+                <a:solidFill>
+                  <a:schemeClr val="tx1"/>
+                </a:solidFill>
+                <a:latin typeface="+mn-lt"/>
+                <a:ea typeface="+mn-ea"/>
+                <a:cs typeface="+mn-cs"/>
+              </a:defRPr>
+            </a:lvl7pPr>
+            <a:lvl8pPr marL="3200400" indent="0" algn="ctr" defTabSz="914400" rtl="0" eaLnBrk="1" latinLnBrk="0" hangingPunct="1">
+              <a:lnSpc>
+                <a:spcPct val="90000"/>
+              </a:lnSpc>
+              <a:spcBef>
+                <a:spcPts val="500"/>
+              </a:spcBef>
+              <a:buFont typeface="Arial" panose="020B0604020202020204" pitchFamily="34" charset="0"/>
+              <a:buNone/>
+              <a:defRPr sz="1600" kern="1200">
+                <a:solidFill>
+                  <a:schemeClr val="tx1"/>
+                </a:solidFill>
+                <a:latin typeface="+mn-lt"/>
+                <a:ea typeface="+mn-ea"/>
+                <a:cs typeface="+mn-cs"/>
+              </a:defRPr>
+            </a:lvl8pPr>
+            <a:lvl9pPr marL="3657600" indent="0" algn="ctr" defTabSz="914400" rtl="0" eaLnBrk="1" latinLnBrk="0" hangingPunct="1">
+              <a:lnSpc>
+                <a:spcPct val="90000"/>
+              </a:lnSpc>
+              <a:spcBef>
+                <a:spcPts val="500"/>
+              </a:spcBef>
+              <a:buFont typeface="Arial" panose="020B0604020202020204" pitchFamily="34" charset="0"/>
+              <a:buNone/>
+              <a:defRPr sz="1600" kern="1200">
+                <a:solidFill>
+                  <a:schemeClr val="tx1"/>
+                </a:solidFill>
+                <a:latin typeface="+mn-lt"/>
+                <a:ea typeface="+mn-ea"/>
+                <a:cs typeface="+mn-cs"/>
+              </a:defRPr>
+            </a:lvl9pPr>
+          </a:lstStyle>
+          <a:p>
+            <a:pPr algn="l"/>
+            <a:r>
+              <a:rPr lang="th-TH" dirty="0">
+                <a:solidFill>
+                  <a:schemeClr val="bg1"/>
+                </a:solidFill>
+                <a:latin typeface="TH SarabunPSK" panose="020B0500040200020003" pitchFamily="34" charset="-34"/>
+                <a:cs typeface="TH SarabunPSK" panose="020B0500040200020003" pitchFamily="34" charset="-34"/>
+              </a:rPr>
+              <a:t>โดย ผศ</a:t>
+            </a:r>
+            <a:r>
+              <a:rPr lang="en-US" dirty="0">
+                <a:solidFill>
+                  <a:schemeClr val="bg1"/>
+                </a:solidFill>
+                <a:latin typeface="TH SarabunPSK" panose="020B0500040200020003" pitchFamily="34" charset="-34"/>
+                <a:cs typeface="TH SarabunPSK" panose="020B0500040200020003" pitchFamily="34" charset="-34"/>
+              </a:rPr>
+              <a:t>. </a:t>
+            </a:r>
+            <a:r>
+              <a:rPr lang="th-TH" dirty="0">
+                <a:solidFill>
+                  <a:schemeClr val="bg1"/>
+                </a:solidFill>
+                <a:latin typeface="TH SarabunPSK" panose="020B0500040200020003" pitchFamily="34" charset="-34"/>
+                <a:cs typeface="TH SarabunPSK" panose="020B0500040200020003" pitchFamily="34" charset="-34"/>
+              </a:rPr>
+              <a:t>ดร</a:t>
+            </a:r>
+            <a:r>
+              <a:rPr lang="en-US" dirty="0">
+                <a:solidFill>
+                  <a:schemeClr val="bg1"/>
+                </a:solidFill>
+                <a:latin typeface="TH SarabunPSK" panose="020B0500040200020003" pitchFamily="34" charset="-34"/>
+                <a:cs typeface="TH SarabunPSK" panose="020B0500040200020003" pitchFamily="34" charset="-34"/>
+              </a:rPr>
+              <a:t>.</a:t>
+            </a:r>
+            <a:r>
+              <a:rPr lang="th-TH" dirty="0">
+                <a:solidFill>
+                  <a:schemeClr val="bg1"/>
+                </a:solidFill>
+                <a:latin typeface="TH SarabunPSK" panose="020B0500040200020003" pitchFamily="34" charset="-34"/>
+                <a:cs typeface="TH SarabunPSK" panose="020B0500040200020003" pitchFamily="34" charset="-34"/>
+              </a:rPr>
+              <a:t>ธนพงศ์ อินทระ สาขาวิชาสถิติ มหาวิทยาลัยขอนแก่น </a:t>
+            </a:r>
+          </a:p>
+        </p:txBody>
+      </p:sp>
     </p:spTree>
     <p:extLst>
       <p:ext uri="{BB962C8B-B14F-4D97-AF65-F5344CB8AC3E}">
@@ -13622,6 +17317,252 @@
           </a:p>
         </p:txBody>
       </p:sp>
+      <p:sp>
+        <p:nvSpPr>
+          <p:cNvPr id="4" name="Content Placeholder 2">
+            <a:extLst>
+              <a:ext uri="{FF2B5EF4-FFF2-40B4-BE49-F238E27FC236}">
+                <a16:creationId xmlns:a16="http://schemas.microsoft.com/office/drawing/2014/main" id="{05936357-B5E8-99B3-E2AE-5692CD43BE70}"/>
+              </a:ext>
+            </a:extLst>
+          </p:cNvPr>
+          <p:cNvSpPr txBox="1">
+            <a:spLocks/>
+          </p:cNvSpPr>
+          <p:nvPr/>
+        </p:nvSpPr>
+        <p:spPr>
+          <a:xfrm>
+            <a:off x="106680" y="6520734"/>
+            <a:ext cx="5410200" cy="414367"/>
+          </a:xfrm>
+          <a:prstGeom prst="rect">
+            <a:avLst/>
+          </a:prstGeom>
+        </p:spPr>
+        <p:txBody>
+          <a:bodyPr vert="horz" lIns="91440" tIns="45720" rIns="91440" bIns="45720" rtlCol="0">
+            <a:normAutofit lnSpcReduction="10000"/>
+          </a:bodyPr>
+          <a:lstStyle>
+            <a:lvl1pPr marL="0" indent="0" algn="ctr" defTabSz="914400" rtl="0" eaLnBrk="1" latinLnBrk="0" hangingPunct="1">
+              <a:lnSpc>
+                <a:spcPct val="90000"/>
+              </a:lnSpc>
+              <a:spcBef>
+                <a:spcPts val="1000"/>
+              </a:spcBef>
+              <a:buFont typeface="Arial" panose="020B0604020202020204" pitchFamily="34" charset="0"/>
+              <a:buNone/>
+              <a:defRPr sz="2400" kern="1200">
+                <a:solidFill>
+                  <a:schemeClr val="tx1"/>
+                </a:solidFill>
+                <a:latin typeface="+mn-lt"/>
+                <a:ea typeface="+mn-ea"/>
+                <a:cs typeface="+mn-cs"/>
+              </a:defRPr>
+            </a:lvl1pPr>
+            <a:lvl2pPr marL="457200" indent="0" algn="ctr" defTabSz="914400" rtl="0" eaLnBrk="1" latinLnBrk="0" hangingPunct="1">
+              <a:lnSpc>
+                <a:spcPct val="90000"/>
+              </a:lnSpc>
+              <a:spcBef>
+                <a:spcPts val="500"/>
+              </a:spcBef>
+              <a:buFont typeface="Arial" panose="020B0604020202020204" pitchFamily="34" charset="0"/>
+              <a:buNone/>
+              <a:defRPr sz="2000" kern="1200">
+                <a:solidFill>
+                  <a:schemeClr val="tx1"/>
+                </a:solidFill>
+                <a:latin typeface="+mn-lt"/>
+                <a:ea typeface="+mn-ea"/>
+                <a:cs typeface="+mn-cs"/>
+              </a:defRPr>
+            </a:lvl2pPr>
+            <a:lvl3pPr marL="914400" indent="0" algn="ctr" defTabSz="914400" rtl="0" eaLnBrk="1" latinLnBrk="0" hangingPunct="1">
+              <a:lnSpc>
+                <a:spcPct val="90000"/>
+              </a:lnSpc>
+              <a:spcBef>
+                <a:spcPts val="500"/>
+              </a:spcBef>
+              <a:buFont typeface="Arial" panose="020B0604020202020204" pitchFamily="34" charset="0"/>
+              <a:buNone/>
+              <a:defRPr sz="1800" kern="1200">
+                <a:solidFill>
+                  <a:schemeClr val="tx1"/>
+                </a:solidFill>
+                <a:latin typeface="+mn-lt"/>
+                <a:ea typeface="+mn-ea"/>
+                <a:cs typeface="+mn-cs"/>
+              </a:defRPr>
+            </a:lvl3pPr>
+            <a:lvl4pPr marL="1371600" indent="0" algn="ctr" defTabSz="914400" rtl="0" eaLnBrk="1" latinLnBrk="0" hangingPunct="1">
+              <a:lnSpc>
+                <a:spcPct val="90000"/>
+              </a:lnSpc>
+              <a:spcBef>
+                <a:spcPts val="500"/>
+              </a:spcBef>
+              <a:buFont typeface="Arial" panose="020B0604020202020204" pitchFamily="34" charset="0"/>
+              <a:buNone/>
+              <a:defRPr sz="1600" kern="1200">
+                <a:solidFill>
+                  <a:schemeClr val="tx1"/>
+                </a:solidFill>
+                <a:latin typeface="+mn-lt"/>
+                <a:ea typeface="+mn-ea"/>
+                <a:cs typeface="+mn-cs"/>
+              </a:defRPr>
+            </a:lvl4pPr>
+            <a:lvl5pPr marL="1828800" indent="0" algn="ctr" defTabSz="914400" rtl="0" eaLnBrk="1" latinLnBrk="0" hangingPunct="1">
+              <a:lnSpc>
+                <a:spcPct val="90000"/>
+              </a:lnSpc>
+              <a:spcBef>
+                <a:spcPts val="500"/>
+              </a:spcBef>
+              <a:buFont typeface="Arial" panose="020B0604020202020204" pitchFamily="34" charset="0"/>
+              <a:buNone/>
+              <a:defRPr sz="1600" kern="1200">
+                <a:solidFill>
+                  <a:schemeClr val="tx1"/>
+                </a:solidFill>
+                <a:latin typeface="+mn-lt"/>
+                <a:ea typeface="+mn-ea"/>
+                <a:cs typeface="+mn-cs"/>
+              </a:defRPr>
+            </a:lvl5pPr>
+            <a:lvl6pPr marL="2286000" indent="0" algn="ctr" defTabSz="914400" rtl="0" eaLnBrk="1" latinLnBrk="0" hangingPunct="1">
+              <a:lnSpc>
+                <a:spcPct val="90000"/>
+              </a:lnSpc>
+              <a:spcBef>
+                <a:spcPts val="500"/>
+              </a:spcBef>
+              <a:buFont typeface="Arial" panose="020B0604020202020204" pitchFamily="34" charset="0"/>
+              <a:buNone/>
+              <a:defRPr sz="1600" kern="1200">
+                <a:solidFill>
+                  <a:schemeClr val="tx1"/>
+                </a:solidFill>
+                <a:latin typeface="+mn-lt"/>
+                <a:ea typeface="+mn-ea"/>
+                <a:cs typeface="+mn-cs"/>
+              </a:defRPr>
+            </a:lvl6pPr>
+            <a:lvl7pPr marL="2743200" indent="0" algn="ctr" defTabSz="914400" rtl="0" eaLnBrk="1" latinLnBrk="0" hangingPunct="1">
+              <a:lnSpc>
+                <a:spcPct val="90000"/>
+              </a:lnSpc>
+              <a:spcBef>
+                <a:spcPts val="500"/>
+              </a:spcBef>
+              <a:buFont typeface="Arial" panose="020B0604020202020204" pitchFamily="34" charset="0"/>
+              <a:buNone/>
+              <a:defRPr sz="1600" kern="1200">
+                <a:solidFill>
+                  <a:schemeClr val="tx1"/>
+                </a:solidFill>
+                <a:latin typeface="+mn-lt"/>
+                <a:ea typeface="+mn-ea"/>
+                <a:cs typeface="+mn-cs"/>
+              </a:defRPr>
+            </a:lvl7pPr>
+            <a:lvl8pPr marL="3200400" indent="0" algn="ctr" defTabSz="914400" rtl="0" eaLnBrk="1" latinLnBrk="0" hangingPunct="1">
+              <a:lnSpc>
+                <a:spcPct val="90000"/>
+              </a:lnSpc>
+              <a:spcBef>
+                <a:spcPts val="500"/>
+              </a:spcBef>
+              <a:buFont typeface="Arial" panose="020B0604020202020204" pitchFamily="34" charset="0"/>
+              <a:buNone/>
+              <a:defRPr sz="1600" kern="1200">
+                <a:solidFill>
+                  <a:schemeClr val="tx1"/>
+                </a:solidFill>
+                <a:latin typeface="+mn-lt"/>
+                <a:ea typeface="+mn-ea"/>
+                <a:cs typeface="+mn-cs"/>
+              </a:defRPr>
+            </a:lvl8pPr>
+            <a:lvl9pPr marL="3657600" indent="0" algn="ctr" defTabSz="914400" rtl="0" eaLnBrk="1" latinLnBrk="0" hangingPunct="1">
+              <a:lnSpc>
+                <a:spcPct val="90000"/>
+              </a:lnSpc>
+              <a:spcBef>
+                <a:spcPts val="500"/>
+              </a:spcBef>
+              <a:buFont typeface="Arial" panose="020B0604020202020204" pitchFamily="34" charset="0"/>
+              <a:buNone/>
+              <a:defRPr sz="1600" kern="1200">
+                <a:solidFill>
+                  <a:schemeClr val="tx1"/>
+                </a:solidFill>
+                <a:latin typeface="+mn-lt"/>
+                <a:ea typeface="+mn-ea"/>
+                <a:cs typeface="+mn-cs"/>
+              </a:defRPr>
+            </a:lvl9pPr>
+          </a:lstStyle>
+          <a:p>
+            <a:pPr algn="l"/>
+            <a:r>
+              <a:rPr lang="th-TH" dirty="0">
+                <a:solidFill>
+                  <a:schemeClr val="bg1"/>
+                </a:solidFill>
+                <a:latin typeface="TH SarabunPSK" panose="020B0500040200020003" pitchFamily="34" charset="-34"/>
+                <a:cs typeface="TH SarabunPSK" panose="020B0500040200020003" pitchFamily="34" charset="-34"/>
+              </a:rPr>
+              <a:t>โดย ผศ</a:t>
+            </a:r>
+            <a:r>
+              <a:rPr lang="en-US" dirty="0">
+                <a:solidFill>
+                  <a:schemeClr val="bg1"/>
+                </a:solidFill>
+                <a:latin typeface="TH SarabunPSK" panose="020B0500040200020003" pitchFamily="34" charset="-34"/>
+                <a:cs typeface="TH SarabunPSK" panose="020B0500040200020003" pitchFamily="34" charset="-34"/>
+              </a:rPr>
+              <a:t>. </a:t>
+            </a:r>
+            <a:r>
+              <a:rPr lang="th-TH" dirty="0">
+                <a:solidFill>
+                  <a:schemeClr val="bg1"/>
+                </a:solidFill>
+                <a:latin typeface="TH SarabunPSK" panose="020B0500040200020003" pitchFamily="34" charset="-34"/>
+                <a:cs typeface="TH SarabunPSK" panose="020B0500040200020003" pitchFamily="34" charset="-34"/>
+              </a:rPr>
+              <a:t>ดร</a:t>
+            </a:r>
+            <a:r>
+              <a:rPr lang="en-US" dirty="0">
+                <a:solidFill>
+                  <a:schemeClr val="bg1"/>
+                </a:solidFill>
+                <a:latin typeface="TH SarabunPSK" panose="020B0500040200020003" pitchFamily="34" charset="-34"/>
+                <a:cs typeface="TH SarabunPSK" panose="020B0500040200020003" pitchFamily="34" charset="-34"/>
+              </a:rPr>
+              <a:t>.</a:t>
+            </a:r>
+            <a:r>
+              <a:rPr lang="th-TH" dirty="0">
+                <a:solidFill>
+                  <a:schemeClr val="bg1"/>
+                </a:solidFill>
+                <a:latin typeface="TH SarabunPSK" panose="020B0500040200020003" pitchFamily="34" charset="-34"/>
+                <a:cs typeface="TH SarabunPSK" panose="020B0500040200020003" pitchFamily="34" charset="-34"/>
+              </a:rPr>
+              <a:t>ธนพงศ์ อินทระ สาขาวิชาสถิติ มหาวิทยาลัยขอนแก่น </a:t>
+            </a:r>
+          </a:p>
+        </p:txBody>
+      </p:sp>
     </p:spTree>
     <p:extLst>
       <p:ext uri="{BB962C8B-B14F-4D97-AF65-F5344CB8AC3E}">
@@ -14190,6 +18131,252 @@
                 <a:cs typeface="TH SarabunPSK" panose="020B0500040200020003" pitchFamily="34" charset="-34"/>
               </a:rPr>
               <a:t>9</a:t>
+            </a:r>
+          </a:p>
+        </p:txBody>
+      </p:sp>
+      <p:sp>
+        <p:nvSpPr>
+          <p:cNvPr id="5" name="Content Placeholder 2">
+            <a:extLst>
+              <a:ext uri="{FF2B5EF4-FFF2-40B4-BE49-F238E27FC236}">
+                <a16:creationId xmlns:a16="http://schemas.microsoft.com/office/drawing/2014/main" id="{89B58417-F440-D37D-F746-F4E88695847D}"/>
+              </a:ext>
+            </a:extLst>
+          </p:cNvPr>
+          <p:cNvSpPr txBox="1">
+            <a:spLocks/>
+          </p:cNvSpPr>
+          <p:nvPr/>
+        </p:nvSpPr>
+        <p:spPr>
+          <a:xfrm>
+            <a:off x="106680" y="6520734"/>
+            <a:ext cx="5410200" cy="414367"/>
+          </a:xfrm>
+          <a:prstGeom prst="rect">
+            <a:avLst/>
+          </a:prstGeom>
+        </p:spPr>
+        <p:txBody>
+          <a:bodyPr vert="horz" lIns="91440" tIns="45720" rIns="91440" bIns="45720" rtlCol="0">
+            <a:normAutofit lnSpcReduction="10000"/>
+          </a:bodyPr>
+          <a:lstStyle>
+            <a:lvl1pPr marL="0" indent="0" algn="ctr" defTabSz="914400" rtl="0" eaLnBrk="1" latinLnBrk="0" hangingPunct="1">
+              <a:lnSpc>
+                <a:spcPct val="90000"/>
+              </a:lnSpc>
+              <a:spcBef>
+                <a:spcPts val="1000"/>
+              </a:spcBef>
+              <a:buFont typeface="Arial" panose="020B0604020202020204" pitchFamily="34" charset="0"/>
+              <a:buNone/>
+              <a:defRPr sz="2400" kern="1200">
+                <a:solidFill>
+                  <a:schemeClr val="tx1"/>
+                </a:solidFill>
+                <a:latin typeface="+mn-lt"/>
+                <a:ea typeface="+mn-ea"/>
+                <a:cs typeface="+mn-cs"/>
+              </a:defRPr>
+            </a:lvl1pPr>
+            <a:lvl2pPr marL="457200" indent="0" algn="ctr" defTabSz="914400" rtl="0" eaLnBrk="1" latinLnBrk="0" hangingPunct="1">
+              <a:lnSpc>
+                <a:spcPct val="90000"/>
+              </a:lnSpc>
+              <a:spcBef>
+                <a:spcPts val="500"/>
+              </a:spcBef>
+              <a:buFont typeface="Arial" panose="020B0604020202020204" pitchFamily="34" charset="0"/>
+              <a:buNone/>
+              <a:defRPr sz="2000" kern="1200">
+                <a:solidFill>
+                  <a:schemeClr val="tx1"/>
+                </a:solidFill>
+                <a:latin typeface="+mn-lt"/>
+                <a:ea typeface="+mn-ea"/>
+                <a:cs typeface="+mn-cs"/>
+              </a:defRPr>
+            </a:lvl2pPr>
+            <a:lvl3pPr marL="914400" indent="0" algn="ctr" defTabSz="914400" rtl="0" eaLnBrk="1" latinLnBrk="0" hangingPunct="1">
+              <a:lnSpc>
+                <a:spcPct val="90000"/>
+              </a:lnSpc>
+              <a:spcBef>
+                <a:spcPts val="500"/>
+              </a:spcBef>
+              <a:buFont typeface="Arial" panose="020B0604020202020204" pitchFamily="34" charset="0"/>
+              <a:buNone/>
+              <a:defRPr sz="1800" kern="1200">
+                <a:solidFill>
+                  <a:schemeClr val="tx1"/>
+                </a:solidFill>
+                <a:latin typeface="+mn-lt"/>
+                <a:ea typeface="+mn-ea"/>
+                <a:cs typeface="+mn-cs"/>
+              </a:defRPr>
+            </a:lvl3pPr>
+            <a:lvl4pPr marL="1371600" indent="0" algn="ctr" defTabSz="914400" rtl="0" eaLnBrk="1" latinLnBrk="0" hangingPunct="1">
+              <a:lnSpc>
+                <a:spcPct val="90000"/>
+              </a:lnSpc>
+              <a:spcBef>
+                <a:spcPts val="500"/>
+              </a:spcBef>
+              <a:buFont typeface="Arial" panose="020B0604020202020204" pitchFamily="34" charset="0"/>
+              <a:buNone/>
+              <a:defRPr sz="1600" kern="1200">
+                <a:solidFill>
+                  <a:schemeClr val="tx1"/>
+                </a:solidFill>
+                <a:latin typeface="+mn-lt"/>
+                <a:ea typeface="+mn-ea"/>
+                <a:cs typeface="+mn-cs"/>
+              </a:defRPr>
+            </a:lvl4pPr>
+            <a:lvl5pPr marL="1828800" indent="0" algn="ctr" defTabSz="914400" rtl="0" eaLnBrk="1" latinLnBrk="0" hangingPunct="1">
+              <a:lnSpc>
+                <a:spcPct val="90000"/>
+              </a:lnSpc>
+              <a:spcBef>
+                <a:spcPts val="500"/>
+              </a:spcBef>
+              <a:buFont typeface="Arial" panose="020B0604020202020204" pitchFamily="34" charset="0"/>
+              <a:buNone/>
+              <a:defRPr sz="1600" kern="1200">
+                <a:solidFill>
+                  <a:schemeClr val="tx1"/>
+                </a:solidFill>
+                <a:latin typeface="+mn-lt"/>
+                <a:ea typeface="+mn-ea"/>
+                <a:cs typeface="+mn-cs"/>
+              </a:defRPr>
+            </a:lvl5pPr>
+            <a:lvl6pPr marL="2286000" indent="0" algn="ctr" defTabSz="914400" rtl="0" eaLnBrk="1" latinLnBrk="0" hangingPunct="1">
+              <a:lnSpc>
+                <a:spcPct val="90000"/>
+              </a:lnSpc>
+              <a:spcBef>
+                <a:spcPts val="500"/>
+              </a:spcBef>
+              <a:buFont typeface="Arial" panose="020B0604020202020204" pitchFamily="34" charset="0"/>
+              <a:buNone/>
+              <a:defRPr sz="1600" kern="1200">
+                <a:solidFill>
+                  <a:schemeClr val="tx1"/>
+                </a:solidFill>
+                <a:latin typeface="+mn-lt"/>
+                <a:ea typeface="+mn-ea"/>
+                <a:cs typeface="+mn-cs"/>
+              </a:defRPr>
+            </a:lvl6pPr>
+            <a:lvl7pPr marL="2743200" indent="0" algn="ctr" defTabSz="914400" rtl="0" eaLnBrk="1" latinLnBrk="0" hangingPunct="1">
+              <a:lnSpc>
+                <a:spcPct val="90000"/>
+              </a:lnSpc>
+              <a:spcBef>
+                <a:spcPts val="500"/>
+              </a:spcBef>
+              <a:buFont typeface="Arial" panose="020B0604020202020204" pitchFamily="34" charset="0"/>
+              <a:buNone/>
+              <a:defRPr sz="1600" kern="1200">
+                <a:solidFill>
+                  <a:schemeClr val="tx1"/>
+                </a:solidFill>
+                <a:latin typeface="+mn-lt"/>
+                <a:ea typeface="+mn-ea"/>
+                <a:cs typeface="+mn-cs"/>
+              </a:defRPr>
+            </a:lvl7pPr>
+            <a:lvl8pPr marL="3200400" indent="0" algn="ctr" defTabSz="914400" rtl="0" eaLnBrk="1" latinLnBrk="0" hangingPunct="1">
+              <a:lnSpc>
+                <a:spcPct val="90000"/>
+              </a:lnSpc>
+              <a:spcBef>
+                <a:spcPts val="500"/>
+              </a:spcBef>
+              <a:buFont typeface="Arial" panose="020B0604020202020204" pitchFamily="34" charset="0"/>
+              <a:buNone/>
+              <a:defRPr sz="1600" kern="1200">
+                <a:solidFill>
+                  <a:schemeClr val="tx1"/>
+                </a:solidFill>
+                <a:latin typeface="+mn-lt"/>
+                <a:ea typeface="+mn-ea"/>
+                <a:cs typeface="+mn-cs"/>
+              </a:defRPr>
+            </a:lvl8pPr>
+            <a:lvl9pPr marL="3657600" indent="0" algn="ctr" defTabSz="914400" rtl="0" eaLnBrk="1" latinLnBrk="0" hangingPunct="1">
+              <a:lnSpc>
+                <a:spcPct val="90000"/>
+              </a:lnSpc>
+              <a:spcBef>
+                <a:spcPts val="500"/>
+              </a:spcBef>
+              <a:buFont typeface="Arial" panose="020B0604020202020204" pitchFamily="34" charset="0"/>
+              <a:buNone/>
+              <a:defRPr sz="1600" kern="1200">
+                <a:solidFill>
+                  <a:schemeClr val="tx1"/>
+                </a:solidFill>
+                <a:latin typeface="+mn-lt"/>
+                <a:ea typeface="+mn-ea"/>
+                <a:cs typeface="+mn-cs"/>
+              </a:defRPr>
+            </a:lvl9pPr>
+          </a:lstStyle>
+          <a:p>
+            <a:pPr algn="l"/>
+            <a:r>
+              <a:rPr lang="th-TH" dirty="0">
+                <a:solidFill>
+                  <a:schemeClr val="bg1"/>
+                </a:solidFill>
+                <a:latin typeface="TH SarabunPSK" panose="020B0500040200020003" pitchFamily="34" charset="-34"/>
+                <a:cs typeface="TH SarabunPSK" panose="020B0500040200020003" pitchFamily="34" charset="-34"/>
+              </a:rPr>
+              <a:t>โดย ผศ</a:t>
+            </a:r>
+            <a:r>
+              <a:rPr lang="en-US" dirty="0">
+                <a:solidFill>
+                  <a:schemeClr val="bg1"/>
+                </a:solidFill>
+                <a:latin typeface="TH SarabunPSK" panose="020B0500040200020003" pitchFamily="34" charset="-34"/>
+                <a:cs typeface="TH SarabunPSK" panose="020B0500040200020003" pitchFamily="34" charset="-34"/>
+              </a:rPr>
+              <a:t>. </a:t>
+            </a:r>
+            <a:r>
+              <a:rPr lang="th-TH" dirty="0">
+                <a:solidFill>
+                  <a:schemeClr val="bg1"/>
+                </a:solidFill>
+                <a:latin typeface="TH SarabunPSK" panose="020B0500040200020003" pitchFamily="34" charset="-34"/>
+                <a:cs typeface="TH SarabunPSK" panose="020B0500040200020003" pitchFamily="34" charset="-34"/>
+              </a:rPr>
+              <a:t>ดร</a:t>
+            </a:r>
+            <a:r>
+              <a:rPr lang="en-US" dirty="0">
+                <a:solidFill>
+                  <a:schemeClr val="bg1"/>
+                </a:solidFill>
+                <a:latin typeface="TH SarabunPSK" panose="020B0500040200020003" pitchFamily="34" charset="-34"/>
+                <a:cs typeface="TH SarabunPSK" panose="020B0500040200020003" pitchFamily="34" charset="-34"/>
+              </a:rPr>
+              <a:t>.</a:t>
+            </a:r>
+            <a:r>
+              <a:rPr lang="th-TH" dirty="0">
+                <a:solidFill>
+                  <a:schemeClr val="bg1"/>
+                </a:solidFill>
+                <a:latin typeface="TH SarabunPSK" panose="020B0500040200020003" pitchFamily="34" charset="-34"/>
+                <a:cs typeface="TH SarabunPSK" panose="020B0500040200020003" pitchFamily="34" charset="-34"/>
+              </a:rPr>
+              <a:t>ธนพงศ์ อินทระ สาขาวิชาสถิติ มหาวิทยาลัยขอนแก่น </a:t>
             </a:r>
           </a:p>
         </p:txBody>
